--- a/SW2_TN_HierachicalMultiScaleAttentionforSemantic_TimothyHuang_201020_V2.pptx
+++ b/SW2_TN_HierachicalMultiScaleAttentionforSemantic_TimothyHuang_201020_V2.pptx
@@ -5,28 +5,29 @@
     <p:sldMasterId id="2147483648" r:id="rId1"/>
   </p:sldMasterIdLst>
   <p:notesMasterIdLst>
-    <p:notesMasterId r:id="rId7"/>
+    <p:notesMasterId r:id="rId19"/>
   </p:notesMasterIdLst>
   <p:sldIdLst>
-    <p:sldId id="852" r:id="rId3"/>
-    <p:sldId id="861" r:id="rId4"/>
-    <p:sldId id="1376" r:id="rId5"/>
-    <p:sldId id="1364" r:id="rId6"/>
-    <p:sldId id="1373" r:id="rId8"/>
-    <p:sldId id="1375" r:id="rId9"/>
-    <p:sldId id="1365" r:id="rId10"/>
-    <p:sldId id="1378" r:id="rId11"/>
-    <p:sldId id="1377" r:id="rId12"/>
-    <p:sldId id="1366" r:id="rId13"/>
-    <p:sldId id="1367" r:id="rId14"/>
-    <p:sldId id="1368" r:id="rId15"/>
-    <p:sldId id="1369" r:id="rId16"/>
-    <p:sldId id="1370" r:id="rId17"/>
-    <p:sldId id="1371" r:id="rId18"/>
-    <p:sldId id="1372" r:id="rId19"/>
+    <p:sldId id="852" r:id="rId2"/>
+    <p:sldId id="861" r:id="rId3"/>
+    <p:sldId id="1376" r:id="rId4"/>
+    <p:sldId id="1364" r:id="rId5"/>
+    <p:sldId id="1373" r:id="rId6"/>
+    <p:sldId id="1375" r:id="rId7"/>
+    <p:sldId id="1365" r:id="rId8"/>
+    <p:sldId id="1378" r:id="rId9"/>
+    <p:sldId id="1377" r:id="rId10"/>
+    <p:sldId id="1367" r:id="rId11"/>
+    <p:sldId id="1379" r:id="rId12"/>
+    <p:sldId id="1368" r:id="rId13"/>
+    <p:sldId id="1369" r:id="rId14"/>
+    <p:sldId id="1370" r:id="rId15"/>
+    <p:sldId id="1371" r:id="rId16"/>
+    <p:sldId id="1372" r:id="rId17"/>
+    <p:sldId id="1366" r:id="rId18"/>
   </p:sldIdLst>
   <p:sldSz cx="9721850" cy="6121400"/>
-  <p:notesSz cx="7099300" cy="10234295"/>
+  <p:notesSz cx="7099300" cy="10234613"/>
   <p:defaultTextStyle>
     <a:defPPr>
       <a:defRPr lang="zh-TW"/>
@@ -152,13 +153,29 @@
       </a:defRPr>
     </a:lvl9pPr>
   </p:defaultTextStyle>
+  <p:extLst>
+    <p:ext uri="{EFAFB233-063F-42B5-8137-9DF3F51BA10A}">
+      <p15:sldGuideLst xmlns:p15="http://schemas.microsoft.com/office/powerpoint/2012/main">
+        <p15:guide id="1" orient="horz" pos="2109">
+          <p15:clr>
+            <a:srgbClr val="A4A3A4"/>
+          </p15:clr>
+        </p15:guide>
+        <p15:guide id="2" pos="3141">
+          <p15:clr>
+            <a:srgbClr val="A4A3A4"/>
+          </p15:clr>
+        </p15:guide>
+      </p15:sldGuideLst>
+    </p:ext>
+  </p:extLst>
 </p:presentation>
 </file>
 
 <file path=ppt/charts/chart1.xml><?xml version="1.0" encoding="utf-8"?>
-<c:chartSpace xmlns:c="http://schemas.openxmlformats.org/drawingml/2006/chart" xmlns:a="http://schemas.openxmlformats.org/drawingml/2006/main" xmlns:r="http://schemas.openxmlformats.org/officeDocument/2006/relationships">
+<c:chartSpace xmlns:c="http://schemas.openxmlformats.org/drawingml/2006/chart" xmlns:a="http://schemas.openxmlformats.org/drawingml/2006/main" xmlns:r="http://schemas.openxmlformats.org/officeDocument/2006/relationships" xmlns:c16r2="http://schemas.microsoft.com/office/drawing/2015/06/chart">
   <c:date1904 val="0"/>
-  <c:lang val="zh-CN"/>
+  <c:lang val="zh-TW"/>
   <c:roundedCorners val="0"/>
   <mc:AlternateContent xmlns:mc="http://schemas.openxmlformats.org/markup-compatibility/2006">
     <mc:Choice xmlns:c14="http://schemas.microsoft.com/office/drawing/2007/8/2/chart" Requires="c14">
@@ -170,7 +187,6 @@
   </mc:AlternateContent>
   <c:chart>
     <c:title>
-      <c:layout/>
       <c:overlay val="0"/>
       <c:spPr>
         <a:noFill/>
@@ -196,6 +212,7 @@
               <a:cs typeface="+mn-cs"/>
             </a:defRPr>
           </a:pPr>
+          <a:endParaRPr lang="en-US"/>
         </a:p>
       </c:txPr>
     </c:title>
@@ -259,6 +276,7 @@
                     <a:cs typeface="+mn-cs"/>
                   </a:defRPr>
                 </a:pPr>
+                <a:endParaRPr lang="en-US"/>
               </a:p>
             </c:txPr>
             <c:dLblPos val="t"/>
@@ -271,7 +289,6 @@
             <c:showLeaderLines val="0"/>
             <c:extLst>
               <c:ext xmlns:c15="http://schemas.microsoft.com/office/drawing/2012/chart" uri="{CE6537A1-D6FC-4f65-9D91-7224C49458BB}">
-                <c15:layout/>
                 <c15:showLeaderLines val="1"/>
                 <c15:leaderLines>
                   <c:spPr>
@@ -324,7 +341,7 @@
                 <c:formatCode>General</c:formatCode>
                 <c:ptCount val="6"/>
                 <c:pt idx="0">
-                  <c:v>0.0625</c:v>
+                  <c:v>6.25E-2</c:v>
                 </c:pt>
                 <c:pt idx="1">
                   <c:v>0.25</c:v>
@@ -345,6 +362,11 @@
             </c:numRef>
           </c:val>
           <c:smooth val="0"/>
+          <c:extLst>
+            <c:ext xmlns:c16="http://schemas.microsoft.com/office/drawing/2014/chart" uri="{C3380CC4-5D6E-409C-BE32-E72D297353CC}">
+              <c16:uniqueId val="{00000000-A947-4B90-BE46-74A0F4AD3826}"/>
+            </c:ext>
+          </c:extLst>
         </c:ser>
         <c:dLbls>
           <c:showLegendKey val="0"/>
@@ -354,7 +376,6 @@
           <c:showPercent val="0"/>
           <c:showBubbleSize val="0"/>
         </c:dLbls>
-        <c:marker val="0"/>
         <c:smooth val="0"/>
         <c:axId val="472017639"/>
         <c:axId val="911886501"/>
@@ -392,7 +413,6 @@
               </a:p>
             </c:rich>
           </c:tx>
-          <c:layout/>
           <c:overlay val="0"/>
           <c:spPr>
             <a:noFill/>
@@ -401,7 +421,28 @@
             </a:ln>
             <a:effectLst/>
           </c:spPr>
+          <c:txPr>
+            <a:bodyPr rot="0" spcFirstLastPara="0" vertOverflow="ellipsis" vert="horz" wrap="square" anchor="ctr" anchorCtr="1"/>
+            <a:lstStyle/>
+            <a:p>
+              <a:pPr defTabSz="914400">
+                <a:defRPr lang="zh-TW" sz="1000" b="0" i="0" u="none" strike="noStrike" kern="1200" baseline="0">
+                  <a:solidFill>
+                    <a:schemeClr val="tx1">
+                      <a:lumMod val="65000"/>
+                      <a:lumOff val="35000"/>
+                    </a:schemeClr>
+                  </a:solidFill>
+                  <a:latin typeface="+mn-lt"/>
+                  <a:ea typeface="+mn-ea"/>
+                  <a:cs typeface="+mn-cs"/>
+                </a:defRPr>
+              </a:pPr>
+              <a:endParaRPr lang="en-US"/>
+            </a:p>
+          </c:txPr>
         </c:title>
+        <c:numFmt formatCode="General" sourceLinked="0"/>
         <c:majorTickMark val="none"/>
         <c:minorTickMark val="none"/>
         <c:tickLblPos val="nextTo"/>
@@ -435,6 +476,7 @@
                 <a:cs typeface="+mn-cs"/>
               </a:defRPr>
             </a:pPr>
+            <a:endParaRPr lang="en-US"/>
           </a:p>
         </c:txPr>
         <c:crossAx val="911886501"/>
@@ -474,11 +516,9 @@
                   <a:rPr lang="en-US" altLang="zh-TW"/>
                   <a:t>Traning Cost (times)</a:t>
                 </a:r>
-                <a:endParaRPr lang="en-US" altLang="zh-TW"/>
               </a:p>
             </c:rich>
           </c:tx>
-          <c:layout/>
           <c:overlay val="0"/>
           <c:spPr>
             <a:noFill/>
@@ -487,6 +527,26 @@
             </a:ln>
             <a:effectLst/>
           </c:spPr>
+          <c:txPr>
+            <a:bodyPr rot="-5400000" spcFirstLastPara="0" vertOverflow="ellipsis" vert="horz" wrap="square" anchor="ctr" anchorCtr="1"/>
+            <a:lstStyle/>
+            <a:p>
+              <a:pPr defTabSz="914400">
+                <a:defRPr lang="zh-TW" sz="1000" b="0" i="0" u="none" strike="noStrike" kern="1200" baseline="0">
+                  <a:solidFill>
+                    <a:schemeClr val="tx1">
+                      <a:lumMod val="65000"/>
+                      <a:lumOff val="35000"/>
+                    </a:schemeClr>
+                  </a:solidFill>
+                  <a:latin typeface="+mn-lt"/>
+                  <a:ea typeface="+mn-ea"/>
+                  <a:cs typeface="+mn-cs"/>
+                </a:defRPr>
+              </a:pPr>
+              <a:endParaRPr lang="en-US"/>
+            </a:p>
+          </c:txPr>
         </c:title>
         <c:numFmt formatCode="General" sourceLinked="1"/>
         <c:majorTickMark val="none"/>
@@ -516,6 +576,7 @@
                 <a:cs typeface="+mn-cs"/>
               </a:defRPr>
             </a:pPr>
+            <a:endParaRPr lang="en-US"/>
           </a:p>
         </c:txPr>
         <c:crossAx val="472017639"/>
@@ -548,9 +609,10 @@
       <a:pPr>
         <a:defRPr lang="zh-TW"/>
       </a:pPr>
+      <a:endParaRPr lang="en-US"/>
     </a:p>
   </c:txPr>
-  <c:externalData r:id="rId1">
+  <c:externalData r:id="rId3">
     <c:autoUpdate val="0"/>
   </c:externalData>
 </c:chartSpace>
@@ -1220,6 +1282,7 @@
             </a:pPr>
             <a:fld id="{09A32B51-4E9B-2841-9CE6-C7197756D80F}" type="datetimeFigureOut">
               <a:rPr lang="zh-TW" altLang="en-US" smtClean="0"/>
+              <a:t>2020/10/22</a:t>
             </a:fld>
             <a:endParaRPr lang="zh-TW" altLang="en-US" dirty="0"/>
           </a:p>
@@ -1284,42 +1347,37 @@
           <a:p>
             <a:pPr lvl="0"/>
             <a:r>
-              <a:rPr lang="zh-TW" altLang="en-US" noProof="0" dirty="0" smtClean="0"/>
+              <a:rPr lang="zh-TW" altLang="en-US" noProof="0" dirty="0"/>
               <a:t>按一下以編輯母片文字樣式</a:t>
             </a:r>
-            <a:endParaRPr lang="zh-TW" altLang="en-US" noProof="0" dirty="0" smtClean="0"/>
           </a:p>
           <a:p>
             <a:pPr lvl="1"/>
             <a:r>
-              <a:rPr lang="zh-TW" altLang="en-US" noProof="0" dirty="0" smtClean="0"/>
+              <a:rPr lang="zh-TW" altLang="en-US" noProof="0" dirty="0"/>
               <a:t>第二層</a:t>
             </a:r>
-            <a:endParaRPr lang="zh-TW" altLang="en-US" noProof="0" dirty="0" smtClean="0"/>
           </a:p>
           <a:p>
             <a:pPr lvl="2"/>
             <a:r>
-              <a:rPr lang="zh-TW" altLang="en-US" noProof="0" dirty="0" smtClean="0"/>
+              <a:rPr lang="zh-TW" altLang="en-US" noProof="0" dirty="0"/>
               <a:t>第三層</a:t>
             </a:r>
-            <a:endParaRPr lang="zh-TW" altLang="en-US" noProof="0" dirty="0" smtClean="0"/>
           </a:p>
           <a:p>
             <a:pPr lvl="3"/>
             <a:r>
-              <a:rPr lang="zh-TW" altLang="en-US" noProof="0" dirty="0" smtClean="0"/>
+              <a:rPr lang="zh-TW" altLang="en-US" noProof="0" dirty="0"/>
               <a:t>第四層</a:t>
             </a:r>
-            <a:endParaRPr lang="zh-TW" altLang="en-US" noProof="0" dirty="0" smtClean="0"/>
           </a:p>
           <a:p>
             <a:pPr lvl="4"/>
             <a:r>
-              <a:rPr lang="zh-TW" altLang="en-US" noProof="0" dirty="0" smtClean="0"/>
+              <a:rPr lang="zh-TW" altLang="en-US" noProof="0" dirty="0"/>
               <a:t>第五層</a:t>
             </a:r>
-            <a:endParaRPr lang="zh-TW" altLang="en-US" noProof="0" dirty="0"/>
           </a:p>
         </p:txBody>
       </p:sp>
@@ -1409,6 +1467,7 @@
             </a:pPr>
             <a:fld id="{EBB4AB2C-4437-DD4D-A89A-D3B54F2FE92B}" type="slidenum">
               <a:rPr lang="zh-TW" altLang="en-US" smtClean="0"/>
+              <a:t>‹#›</a:t>
             </a:fld>
             <a:endParaRPr lang="zh-TW" altLang="en-US" dirty="0"/>
           </a:p>
@@ -1551,11 +1610,20 @@
         <p:cNvGrpSpPr/>
         <p:nvPr/>
       </p:nvGrpSpPr>
-      <p:grpSpPr/>
+      <p:grpSpPr>
+        <a:xfrm>
+          <a:off x="0" y="0"/>
+          <a:ext cx="0" cy="0"/>
+          <a:chOff x="0" y="0"/>
+          <a:chExt cx="0" cy="0"/>
+        </a:xfrm>
+      </p:grpSpPr>
       <p:sp>
         <p:nvSpPr>
           <p:cNvPr id="2" name="投影片圖像版面配置區 1"/>
-          <p:cNvSpPr/>
+          <p:cNvSpPr>
+            <a:spLocks noGrp="1" noRot="1" noChangeAspect="1"/>
+          </p:cNvSpPr>
           <p:nvPr>
             <p:ph type="sldImg" idx="2"/>
           </p:nvPr>
@@ -1565,7 +1633,9 @@
       <p:sp>
         <p:nvSpPr>
           <p:cNvPr id="3" name="文字版面配置區 2"/>
-          <p:cNvSpPr/>
+          <p:cNvSpPr>
+            <a:spLocks noGrp="1"/>
+          </p:cNvSpPr>
           <p:nvPr>
             <p:ph type="body" idx="3"/>
           </p:nvPr>
@@ -1573,6 +1643,7 @@
         <p:spPr/>
         <p:txBody>
           <a:bodyPr/>
+          <a:lstStyle/>
           <a:p>
             <a:r>
               <a:rPr lang="en-US" altLang="zh-TW">
@@ -1601,11 +1672,20 @@
         <p:cNvGrpSpPr/>
         <p:nvPr/>
       </p:nvGrpSpPr>
-      <p:grpSpPr/>
+      <p:grpSpPr>
+        <a:xfrm>
+          <a:off x="0" y="0"/>
+          <a:ext cx="0" cy="0"/>
+          <a:chOff x="0" y="0"/>
+          <a:chExt cx="0" cy="0"/>
+        </a:xfrm>
+      </p:grpSpPr>
       <p:sp>
         <p:nvSpPr>
           <p:cNvPr id="2" name="投影片圖像版面配置區 1"/>
-          <p:cNvSpPr/>
+          <p:cNvSpPr>
+            <a:spLocks noGrp="1" noRot="1" noChangeAspect="1"/>
+          </p:cNvSpPr>
           <p:nvPr>
             <p:ph type="sldImg" idx="2"/>
           </p:nvPr>
@@ -1615,7 +1695,9 @@
       <p:sp>
         <p:nvSpPr>
           <p:cNvPr id="3" name="文字版面配置區 2"/>
-          <p:cNvSpPr/>
+          <p:cNvSpPr>
+            <a:spLocks noGrp="1"/>
+          </p:cNvSpPr>
           <p:nvPr>
             <p:ph type="body" idx="3"/>
           </p:nvPr>
@@ -1623,12 +1705,12 @@
         <p:spPr/>
         <p:txBody>
           <a:bodyPr/>
+          <a:lstStyle/>
           <a:p>
             <a:r>
               <a:rPr lang="zh-TW" altLang="en-US"/>
               <a:t>One common way to extract multi-scale features is to feed multiple resized input images to a shared deep network and then merge the resulting features for pixelwise classification.</a:t>
             </a:r>
-            <a:endParaRPr lang="zh-TW" altLang="en-US"/>
           </a:p>
         </p:txBody>
       </p:sp>
@@ -1649,11 +1731,20 @@
         <p:cNvGrpSpPr/>
         <p:nvPr/>
       </p:nvGrpSpPr>
-      <p:grpSpPr/>
+      <p:grpSpPr>
+        <a:xfrm>
+          <a:off x="0" y="0"/>
+          <a:ext cx="0" cy="0"/>
+          <a:chOff x="0" y="0"/>
+          <a:chExt cx="0" cy="0"/>
+        </a:xfrm>
+      </p:grpSpPr>
       <p:sp>
         <p:nvSpPr>
           <p:cNvPr id="2" name="投影片圖像版面配置區 1"/>
-          <p:cNvSpPr/>
+          <p:cNvSpPr>
+            <a:spLocks noGrp="1" noRot="1" noChangeAspect="1"/>
+          </p:cNvSpPr>
           <p:nvPr>
             <p:ph type="sldImg" idx="2"/>
           </p:nvPr>
@@ -1663,7 +1754,9 @@
       <p:sp>
         <p:nvSpPr>
           <p:cNvPr id="3" name="文字版面配置區 2"/>
-          <p:cNvSpPr/>
+          <p:cNvSpPr>
+            <a:spLocks noGrp="1"/>
+          </p:cNvSpPr>
           <p:nvPr>
             <p:ph type="body" idx="3"/>
           </p:nvPr>
@@ -1671,6 +1764,7 @@
         <p:spPr/>
         <p:txBody>
           <a:bodyPr/>
+          <a:lstStyle/>
           <a:p>
             <a:pPr marL="0" indent="0">
               <a:buNone/>
@@ -1741,11 +1835,20 @@
         <p:cNvGrpSpPr/>
         <p:nvPr/>
       </p:nvGrpSpPr>
-      <p:grpSpPr/>
+      <p:grpSpPr>
+        <a:xfrm>
+          <a:off x="0" y="0"/>
+          <a:ext cx="0" cy="0"/>
+          <a:chOff x="0" y="0"/>
+          <a:chExt cx="0" cy="0"/>
+        </a:xfrm>
+      </p:grpSpPr>
       <p:sp>
         <p:nvSpPr>
           <p:cNvPr id="2" name="投影片圖像版面配置區 1"/>
-          <p:cNvSpPr/>
+          <p:cNvSpPr>
+            <a:spLocks noGrp="1" noRot="1" noChangeAspect="1"/>
+          </p:cNvSpPr>
           <p:nvPr>
             <p:ph type="sldImg" idx="2"/>
           </p:nvPr>
@@ -1755,7 +1858,9 @@
       <p:sp>
         <p:nvSpPr>
           <p:cNvPr id="3" name="文字版面配置區 2"/>
-          <p:cNvSpPr/>
+          <p:cNvSpPr>
+            <a:spLocks noGrp="1"/>
+          </p:cNvSpPr>
           <p:nvPr>
             <p:ph type="body" idx="3"/>
           </p:nvPr>
@@ -1763,6 +1868,7 @@
         <p:spPr/>
         <p:txBody>
           <a:bodyPr/>
+          <a:lstStyle/>
           <a:p>
             <a:endParaRPr lang="zh-TW" altLang="en-US"/>
           </a:p>
@@ -1785,11 +1891,20 @@
         <p:cNvGrpSpPr/>
         <p:nvPr/>
       </p:nvGrpSpPr>
-      <p:grpSpPr/>
+      <p:grpSpPr>
+        <a:xfrm>
+          <a:off x="0" y="0"/>
+          <a:ext cx="0" cy="0"/>
+          <a:chOff x="0" y="0"/>
+          <a:chExt cx="0" cy="0"/>
+        </a:xfrm>
+      </p:grpSpPr>
       <p:sp>
         <p:nvSpPr>
           <p:cNvPr id="2" name="投影片圖像版面配置區 1"/>
-          <p:cNvSpPr/>
+          <p:cNvSpPr>
+            <a:spLocks noGrp="1" noRot="1" noChangeAspect="1"/>
+          </p:cNvSpPr>
           <p:nvPr>
             <p:ph type="sldImg" idx="2"/>
           </p:nvPr>
@@ -1799,7 +1914,9 @@
       <p:sp>
         <p:nvSpPr>
           <p:cNvPr id="3" name="文字版面配置區 2"/>
-          <p:cNvSpPr/>
+          <p:cNvSpPr>
+            <a:spLocks noGrp="1"/>
+          </p:cNvSpPr>
           <p:nvPr>
             <p:ph type="body" idx="3"/>
           </p:nvPr>
@@ -1807,26 +1924,24 @@
         <p:spPr/>
         <p:txBody>
           <a:bodyPr/>
+          <a:lstStyle/>
           <a:p>
             <a:r>
               <a:rPr lang="zh-TW" altLang="en-US"/>
               <a:t>https://zhuanlan.zhihu.com/p/145465507</a:t>
             </a:r>
-            <a:endParaRPr lang="zh-TW" altLang="en-US"/>
           </a:p>
           <a:p>
             <a:r>
               <a:rPr lang="zh-TW" altLang="en-US"/>
               <a:t>https://www.cnblogs.com/xiangs/p/12863173.html</a:t>
             </a:r>
-            <a:endParaRPr lang="zh-TW" altLang="en-US"/>
           </a:p>
           <a:p>
             <a:r>
               <a:rPr lang="zh-TW" altLang="en-US"/>
               <a:t>https://blog.csdn.net/qq_36268755/article/details/106542753</a:t>
             </a:r>
-            <a:endParaRPr lang="zh-TW" altLang="en-US"/>
           </a:p>
         </p:txBody>
       </p:sp>
@@ -1847,11 +1962,280 @@
         <p:cNvGrpSpPr/>
         <p:nvPr/>
       </p:nvGrpSpPr>
-      <p:grpSpPr/>
+      <p:grpSpPr>
+        <a:xfrm>
+          <a:off x="0" y="0"/>
+          <a:ext cx="0" cy="0"/>
+          <a:chOff x="0" y="0"/>
+          <a:chExt cx="0" cy="0"/>
+        </a:xfrm>
+      </p:grpSpPr>
+      <p:sp>
+        <p:nvSpPr>
+          <p:cNvPr id="2" name="投影片影像版面配置區 1"/>
+          <p:cNvSpPr>
+            <a:spLocks noGrp="1" noRot="1" noChangeAspect="1"/>
+          </p:cNvSpPr>
+          <p:nvPr>
+            <p:ph type="sldImg"/>
+          </p:nvPr>
+        </p:nvSpPr>
+        <p:spPr/>
+      </p:sp>
+      <p:sp>
+        <p:nvSpPr>
+          <p:cNvPr id="3" name="備忘稿版面配置區 2"/>
+          <p:cNvSpPr>
+            <a:spLocks noGrp="1"/>
+          </p:cNvSpPr>
+          <p:nvPr>
+            <p:ph type="body" idx="1"/>
+          </p:nvPr>
+        </p:nvSpPr>
+        <p:spPr/>
+        <p:txBody>
+          <a:bodyPr/>
+          <a:lstStyle/>
+          <a:p>
+            <a:pPr marL="0" marR="0" lvl="0" indent="0" algn="l" defTabSz="914400" rtl="0" eaLnBrk="1" fontAlgn="base" latinLnBrk="0" hangingPunct="1">
+              <a:lnSpc>
+                <a:spcPct val="100000"/>
+              </a:lnSpc>
+              <a:spcBef>
+                <a:spcPct val="30000"/>
+              </a:spcBef>
+              <a:spcAft>
+                <a:spcPct val="0"/>
+              </a:spcAft>
+              <a:buClrTx/>
+              <a:buSzTx/>
+              <a:buFontTx/>
+              <a:buNone/>
+              <a:tabLst/>
+              <a:defRPr/>
+            </a:pPr>
+            <a:r>
+              <a:rPr lang="en-US" altLang="zh-TW" sz="1200" dirty="0">
+                <a:sym typeface="+mn-ea"/>
+              </a:rPr>
+              <a:t>Adding 0.25x scale causes a 0.7 reduction in IOU for baseline method, whereas boosts accuracy by 0.6 IOU for multi-scale method.</a:t>
+            </a:r>
+          </a:p>
+          <a:p>
+            <a:r>
+              <a:rPr lang="en-US" altLang="zh-TW" sz="1200" dirty="0">
+                <a:sym typeface="+mn-ea"/>
+              </a:rPr>
+              <a:t>For the </a:t>
+            </a:r>
+            <a:r>
+              <a:rPr lang="en-US" altLang="zh-TW" sz="1200" b="1" dirty="0">
+                <a:sym typeface="+mn-ea"/>
+              </a:rPr>
+              <a:t>fine posts</a:t>
+            </a:r>
+            <a:r>
+              <a:rPr lang="en-US" altLang="zh-TW" sz="1200" dirty="0">
+                <a:sym typeface="+mn-ea"/>
+              </a:rPr>
+              <a:t> in the image on the left, very little of the posts are attended to by the 0.5x prediction, but a very strong attention signal is present in the 2.0x scale.</a:t>
+            </a:r>
+            <a:endParaRPr lang="en-US" altLang="zh-TW" sz="1200" dirty="0"/>
+          </a:p>
+          <a:p>
+            <a:r>
+              <a:rPr lang="en-US" altLang="zh-TW" sz="1200" dirty="0">
+                <a:sym typeface="+mn-ea"/>
+              </a:rPr>
+              <a:t>For the very </a:t>
+            </a:r>
+            <a:r>
+              <a:rPr lang="en-US" altLang="zh-TW" sz="1200" b="1" dirty="0">
+                <a:sym typeface="+mn-ea"/>
+              </a:rPr>
+              <a:t>large region</a:t>
+            </a:r>
+            <a:r>
+              <a:rPr lang="en-US" altLang="zh-TW" sz="1200" dirty="0">
+                <a:sym typeface="+mn-ea"/>
+              </a:rPr>
+              <a:t> on the right, the attention mechanism learns to most leverage the lower scale (0.5x) and very little of the erroneous 2.0x prediction.</a:t>
+            </a:r>
+          </a:p>
+          <a:p>
+            <a:endParaRPr lang="en-US" dirty="0"/>
+          </a:p>
+        </p:txBody>
+      </p:sp>
+      <p:sp>
+        <p:nvSpPr>
+          <p:cNvPr id="4" name="投影片編號版面配置區 3"/>
+          <p:cNvSpPr>
+            <a:spLocks noGrp="1"/>
+          </p:cNvSpPr>
+          <p:nvPr>
+            <p:ph type="sldNum" sz="quarter" idx="5"/>
+          </p:nvPr>
+        </p:nvSpPr>
+        <p:spPr/>
+        <p:txBody>
+          <a:bodyPr/>
+          <a:lstStyle/>
+          <a:p>
+            <a:pPr>
+              <a:defRPr/>
+            </a:pPr>
+            <a:fld id="{EBB4AB2C-4437-DD4D-A89A-D3B54F2FE92B}" type="slidenum">
+              <a:rPr lang="zh-TW" altLang="en-US" smtClean="0"/>
+              <a:t>13</a:t>
+            </a:fld>
+            <a:endParaRPr lang="zh-TW" altLang="en-US" dirty="0"/>
+          </a:p>
+        </p:txBody>
+      </p:sp>
+    </p:spTree>
+    <p:extLst>
+      <p:ext uri="{BB962C8B-B14F-4D97-AF65-F5344CB8AC3E}">
+        <p14:creationId xmlns:p14="http://schemas.microsoft.com/office/powerpoint/2010/main" val="3348828473"/>
+      </p:ext>
+    </p:extLst>
+  </p:cSld>
+  <p:clrMapOvr>
+    <a:masterClrMapping/>
+  </p:clrMapOvr>
+</p:notes>
+</file>
+
+<file path=ppt/notesSlides/notesSlide7.xml><?xml version="1.0" encoding="utf-8"?>
+<p:notes xmlns:a="http://schemas.openxmlformats.org/drawingml/2006/main" xmlns:r="http://schemas.openxmlformats.org/officeDocument/2006/relationships" xmlns:p="http://schemas.openxmlformats.org/presentationml/2006/main">
+  <p:cSld>
+    <p:spTree>
+      <p:nvGrpSpPr>
+        <p:cNvPr id="1" name=""/>
+        <p:cNvGrpSpPr/>
+        <p:nvPr/>
+      </p:nvGrpSpPr>
+      <p:grpSpPr>
+        <a:xfrm>
+          <a:off x="0" y="0"/>
+          <a:ext cx="0" cy="0"/>
+          <a:chOff x="0" y="0"/>
+          <a:chExt cx="0" cy="0"/>
+        </a:xfrm>
+      </p:grpSpPr>
+      <p:sp>
+        <p:nvSpPr>
+          <p:cNvPr id="2" name="投影片影像版面配置區 1"/>
+          <p:cNvSpPr>
+            <a:spLocks noGrp="1" noRot="1" noChangeAspect="1"/>
+          </p:cNvSpPr>
+          <p:nvPr>
+            <p:ph type="sldImg"/>
+          </p:nvPr>
+        </p:nvSpPr>
+        <p:spPr/>
+      </p:sp>
+      <p:sp>
+        <p:nvSpPr>
+          <p:cNvPr id="3" name="備忘稿版面配置區 2"/>
+          <p:cNvSpPr>
+            <a:spLocks noGrp="1"/>
+          </p:cNvSpPr>
+          <p:nvPr>
+            <p:ph type="body" idx="1"/>
+          </p:nvPr>
+        </p:nvSpPr>
+        <p:spPr/>
+        <p:txBody>
+          <a:bodyPr/>
+          <a:lstStyle/>
+          <a:p>
+            <a:pPr marL="0" marR="0" lvl="0" indent="0" algn="l" defTabSz="914400" rtl="0" eaLnBrk="1" fontAlgn="base" latinLnBrk="0" hangingPunct="1">
+              <a:lnSpc>
+                <a:spcPct val="100000"/>
+              </a:lnSpc>
+              <a:spcBef>
+                <a:spcPct val="30000"/>
+              </a:spcBef>
+              <a:spcAft>
+                <a:spcPct val="0"/>
+              </a:spcAft>
+              <a:buClrTx/>
+              <a:buSzTx/>
+              <a:buFontTx/>
+              <a:buNone/>
+              <a:tabLst/>
+              <a:defRPr/>
+            </a:pPr>
+            <a:r>
+              <a:rPr lang="en-US" altLang="zh-TW" sz="1200" dirty="0"/>
+              <a:t>There 20,000 coarsely labelled images to go along with the 3,500 finely labelled images.</a:t>
+            </a:r>
+          </a:p>
+        </p:txBody>
+      </p:sp>
+      <p:sp>
+        <p:nvSpPr>
+          <p:cNvPr id="4" name="投影片編號版面配置區 3"/>
+          <p:cNvSpPr>
+            <a:spLocks noGrp="1"/>
+          </p:cNvSpPr>
+          <p:nvPr>
+            <p:ph type="sldNum" sz="quarter" idx="5"/>
+          </p:nvPr>
+        </p:nvSpPr>
+        <p:spPr/>
+        <p:txBody>
+          <a:bodyPr/>
+          <a:lstStyle/>
+          <a:p>
+            <a:pPr>
+              <a:defRPr/>
+            </a:pPr>
+            <a:fld id="{EBB4AB2C-4437-DD4D-A89A-D3B54F2FE92B}" type="slidenum">
+              <a:rPr lang="zh-TW" altLang="en-US" smtClean="0"/>
+              <a:t>14</a:t>
+            </a:fld>
+            <a:endParaRPr lang="zh-TW" altLang="en-US" dirty="0"/>
+          </a:p>
+        </p:txBody>
+      </p:sp>
+    </p:spTree>
+    <p:extLst>
+      <p:ext uri="{BB962C8B-B14F-4D97-AF65-F5344CB8AC3E}">
+        <p14:creationId xmlns:p14="http://schemas.microsoft.com/office/powerpoint/2010/main" val="2075461259"/>
+      </p:ext>
+    </p:extLst>
+  </p:cSld>
+  <p:clrMapOvr>
+    <a:masterClrMapping/>
+  </p:clrMapOvr>
+</p:notes>
+</file>
+
+<file path=ppt/notesSlides/notesSlide8.xml><?xml version="1.0" encoding="utf-8"?>
+<p:notes xmlns:a="http://schemas.openxmlformats.org/drawingml/2006/main" xmlns:r="http://schemas.openxmlformats.org/officeDocument/2006/relationships" xmlns:p="http://schemas.openxmlformats.org/presentationml/2006/main">
+  <p:cSld>
+    <p:spTree>
+      <p:nvGrpSpPr>
+        <p:cNvPr id="1" name=""/>
+        <p:cNvGrpSpPr/>
+        <p:nvPr/>
+      </p:nvGrpSpPr>
+      <p:grpSpPr>
+        <a:xfrm>
+          <a:off x="0" y="0"/>
+          <a:ext cx="0" cy="0"/>
+          <a:chOff x="0" y="0"/>
+          <a:chExt cx="0" cy="0"/>
+        </a:xfrm>
+      </p:grpSpPr>
       <p:sp>
         <p:nvSpPr>
           <p:cNvPr id="2" name="投影片圖像版面配置區 1"/>
-          <p:cNvSpPr/>
+          <p:cNvSpPr>
+            <a:spLocks noGrp="1" noRot="1" noChangeAspect="1"/>
+          </p:cNvSpPr>
           <p:nvPr>
             <p:ph type="sldImg" idx="2"/>
           </p:nvPr>
@@ -1861,7 +2245,9 @@
       <p:sp>
         <p:nvSpPr>
           <p:cNvPr id="3" name="文字版面配置區 2"/>
-          <p:cNvSpPr/>
+          <p:cNvSpPr>
+            <a:spLocks noGrp="1"/>
+          </p:cNvSpPr>
           <p:nvPr>
             <p:ph type="body" idx="3"/>
           </p:nvPr>
@@ -1869,6 +2255,7 @@
         <p:spPr/>
         <p:txBody>
           <a:bodyPr/>
+          <a:lstStyle/>
           <a:p>
             <a:r>
               <a:rPr lang="en-US" altLang="zh-TW">
@@ -1907,7 +2294,7 @@
 </file>
 
 <file path=ppt/slideLayouts/slideLayout1.xml><?xml version="1.0" encoding="utf-8"?>
-<p:sldLayout xmlns:a="http://schemas.openxmlformats.org/drawingml/2006/main" xmlns:r="http://schemas.openxmlformats.org/officeDocument/2006/relationships" xmlns:p="http://schemas.openxmlformats.org/presentationml/2006/main" type="title" preserve="1" showMasterSp="0">
+<p:sldLayout xmlns:a="http://schemas.openxmlformats.org/drawingml/2006/main" xmlns:r="http://schemas.openxmlformats.org/officeDocument/2006/relationships" xmlns:p="http://schemas.openxmlformats.org/presentationml/2006/main" showMasterSp="0" type="title" preserve="1">
   <p:cSld name="1_標題投影片">
     <p:spTree>
       <p:nvGrpSpPr>
@@ -2016,7 +2403,7 @@
           </a:lstStyle>
           <a:p>
             <a:r>
-              <a:rPr lang="zh-TW" altLang="en-US" smtClean="0"/>
+              <a:rPr lang="zh-TW" altLang="en-US"/>
               <a:t>按一下以編輯母片標題樣式</a:t>
             </a:r>
             <a:endParaRPr lang="zh-TW" altLang="en-US" dirty="0"/>
@@ -2058,7 +2445,7 @@
           </a:lstStyle>
           <a:p>
             <a:r>
-              <a:rPr lang="zh-TW" altLang="en-US" smtClean="0"/>
+              <a:rPr lang="zh-TW" altLang="en-US"/>
               <a:t>按一下以編輯母片副標題樣式</a:t>
             </a:r>
             <a:endParaRPr lang="zh-TW" altLang="en-US" dirty="0"/>
@@ -2102,6 +2489,7 @@
                   <a:prstClr val="black"/>
                 </a:solidFill>
               </a:rPr>
+              <a:t>‹#›</a:t>
             </a:fld>
             <a:endParaRPr lang="zh-TW" altLang="en-US">
               <a:solidFill>
@@ -2163,7 +2551,7 @@
           </a:lstStyle>
           <a:p>
             <a:r>
-              <a:rPr lang="zh-TW" altLang="en-US" smtClean="0"/>
+              <a:rPr lang="zh-TW" altLang="en-US"/>
               <a:t>按一下以編輯母片標題樣式</a:t>
             </a:r>
             <a:endParaRPr lang="zh-TW" altLang="en-US" dirty="0"/>
@@ -2282,7 +2670,7 @@
           </a:lstStyle>
           <a:p>
             <a:r>
-              <a:rPr lang="zh-TW" altLang="en-US" smtClean="0"/>
+              <a:rPr lang="zh-TW" altLang="en-US"/>
               <a:t>按一下以編輯母片副標題樣式</a:t>
             </a:r>
             <a:endParaRPr lang="zh-TW" altLang="en-US" dirty="0"/>
@@ -2394,6 +2782,7 @@
             </a:pPr>
             <a:fld id="{B0CE2655-B8B8-4D4A-B745-DADB7227BEE7}" type="slidenum">
               <a:rPr lang="zh-TW" altLang="en-US"/>
+              <a:t>‹#›</a:t>
             </a:fld>
             <a:endParaRPr lang="zh-TW" altLang="en-US" dirty="0"/>
           </a:p>
@@ -2447,7 +2836,7 @@
           </a:lstStyle>
           <a:p>
             <a:r>
-              <a:rPr lang="zh-TW" altLang="en-US" smtClean="0"/>
+              <a:rPr lang="zh-TW" altLang="en-US"/>
               <a:t>按一下以編輯母片標題樣式</a:t>
             </a:r>
             <a:endParaRPr lang="zh-TW" altLang="en-US" dirty="0"/>
@@ -2557,39 +2946,35 @@
           <a:p>
             <a:pPr lvl="0"/>
             <a:r>
-              <a:rPr lang="zh-TW" altLang="en-US" smtClean="0"/>
+              <a:rPr lang="zh-TW" altLang="en-US"/>
               <a:t>按一下以編輯母片文字樣式</a:t>
             </a:r>
-            <a:endParaRPr lang="zh-TW" altLang="en-US" smtClean="0"/>
           </a:p>
           <a:p>
             <a:pPr lvl="1"/>
             <a:r>
-              <a:rPr lang="zh-TW" altLang="en-US" smtClean="0"/>
+              <a:rPr lang="zh-TW" altLang="en-US"/>
               <a:t>第二層</a:t>
             </a:r>
-            <a:endParaRPr lang="zh-TW" altLang="en-US" smtClean="0"/>
           </a:p>
           <a:p>
             <a:pPr lvl="2"/>
             <a:r>
-              <a:rPr lang="zh-TW" altLang="en-US" smtClean="0"/>
+              <a:rPr lang="zh-TW" altLang="en-US"/>
               <a:t>第三層</a:t>
             </a:r>
-            <a:endParaRPr lang="zh-TW" altLang="en-US" smtClean="0"/>
           </a:p>
           <a:p>
             <a:pPr lvl="3"/>
             <a:r>
-              <a:rPr lang="zh-TW" altLang="en-US" smtClean="0"/>
+              <a:rPr lang="zh-TW" altLang="en-US"/>
               <a:t>第四層</a:t>
             </a:r>
-            <a:endParaRPr lang="zh-TW" altLang="en-US" smtClean="0"/>
           </a:p>
           <a:p>
             <a:pPr lvl="4"/>
             <a:r>
-              <a:rPr lang="zh-TW" altLang="en-US" smtClean="0"/>
+              <a:rPr lang="zh-TW" altLang="en-US"/>
               <a:t>第五層</a:t>
             </a:r>
             <a:endParaRPr lang="zh-TW" altLang="en-US" dirty="0"/>
@@ -2706,6 +3091,7 @@
             </a:pPr>
             <a:fld id="{E3EBBCA1-BE45-46C8-848D-A53293ECE7DC}" type="slidenum">
               <a:rPr lang="zh-TW" altLang="en-US"/>
+              <a:t>‹#›</a:t>
             </a:fld>
             <a:endParaRPr lang="zh-TW" altLang="en-US" dirty="0"/>
           </a:p>
@@ -2716,18 +3102,11 @@
   <p:clrMapOvr>
     <a:masterClrMapping/>
   </p:clrMapOvr>
-  <p:timing>
-    <p:tnLst>
-      <p:par>
-        <p:cTn id="1" dur="indefinite" restart="never" nodeType="tmRoot"/>
-      </p:par>
-    </p:tnLst>
-  </p:timing>
 </p:sldLayout>
 </file>
 
 <file path=ppt/slideLayouts/slideLayout4.xml><?xml version="1.0" encoding="utf-8"?>
-<p:sldLayout xmlns:a="http://schemas.openxmlformats.org/drawingml/2006/main" xmlns:r="http://schemas.openxmlformats.org/officeDocument/2006/relationships" xmlns:p="http://schemas.openxmlformats.org/presentationml/2006/main" type="obj" preserve="1" showMasterSp="0">
+<p:sldLayout xmlns:a="http://schemas.openxmlformats.org/drawingml/2006/main" xmlns:r="http://schemas.openxmlformats.org/officeDocument/2006/relationships" xmlns:p="http://schemas.openxmlformats.org/presentationml/2006/main" showMasterSp="0" type="obj" preserve="1">
   <p:cSld name="1_標題及物件">
     <p:spTree>
       <p:nvGrpSpPr>
@@ -2777,7 +3156,7 @@
           </a:lstStyle>
           <a:p>
             <a:r>
-              <a:rPr lang="zh-TW" altLang="en-US" smtClean="0"/>
+              <a:rPr lang="zh-TW" altLang="en-US"/>
               <a:t>按一下以編輯母片標題樣式</a:t>
             </a:r>
             <a:endParaRPr lang="zh-TW" altLang="en-US" dirty="0"/>
@@ -2892,42 +3271,37 @@
           <a:p>
             <a:pPr lvl="0"/>
             <a:r>
-              <a:rPr lang="zh-TW" altLang="en-US" dirty="0" smtClean="0"/>
+              <a:rPr lang="zh-TW" altLang="en-US" dirty="0"/>
               <a:t>按一下以編輯母片文字樣式</a:t>
             </a:r>
-            <a:endParaRPr lang="zh-TW" altLang="en-US" dirty="0" smtClean="0"/>
           </a:p>
           <a:p>
             <a:pPr lvl="1"/>
             <a:r>
-              <a:rPr lang="zh-TW" altLang="en-US" dirty="0" smtClean="0"/>
+              <a:rPr lang="zh-TW" altLang="en-US" dirty="0"/>
               <a:t>第二層</a:t>
             </a:r>
-            <a:endParaRPr lang="zh-TW" altLang="en-US" dirty="0" smtClean="0"/>
           </a:p>
           <a:p>
             <a:pPr lvl="2"/>
             <a:r>
-              <a:rPr lang="zh-TW" altLang="en-US" dirty="0" smtClean="0"/>
+              <a:rPr lang="zh-TW" altLang="en-US" dirty="0"/>
               <a:t>第三層</a:t>
             </a:r>
-            <a:endParaRPr lang="zh-TW" altLang="en-US" dirty="0" smtClean="0"/>
           </a:p>
           <a:p>
             <a:pPr lvl="3"/>
             <a:r>
-              <a:rPr lang="zh-TW" altLang="en-US" dirty="0" smtClean="0"/>
+              <a:rPr lang="zh-TW" altLang="en-US" dirty="0"/>
               <a:t>第四層</a:t>
             </a:r>
-            <a:endParaRPr lang="zh-TW" altLang="en-US" dirty="0" smtClean="0"/>
           </a:p>
           <a:p>
             <a:pPr lvl="4"/>
             <a:r>
-              <a:rPr lang="zh-TW" altLang="en-US" dirty="0" smtClean="0"/>
+              <a:rPr lang="zh-TW" altLang="en-US" dirty="0"/>
               <a:t>第五層</a:t>
             </a:r>
-            <a:endParaRPr lang="zh-TW" altLang="en-US" dirty="0"/>
           </a:p>
         </p:txBody>
       </p:sp>
@@ -2944,6 +3318,7 @@
         <p:spPr/>
         <p:txBody>
           <a:bodyPr/>
+          <a:lstStyle/>
           <a:p>
             <a:pPr>
               <a:defRPr/>
@@ -2975,13 +3350,6 @@
   <p:clrMapOvr>
     <a:masterClrMapping/>
   </p:clrMapOvr>
-  <p:timing>
-    <p:tnLst>
-      <p:par>
-        <p:cTn id="1" dur="indefinite" restart="never" nodeType="tmRoot"/>
-      </p:par>
-    </p:tnLst>
-  </p:timing>
 </p:sldLayout>
 </file>
 
@@ -3024,7 +3392,7 @@
           </a:lstStyle>
           <a:p>
             <a:r>
-              <a:rPr lang="zh-TW" altLang="en-US" smtClean="0"/>
+              <a:rPr lang="zh-TW" altLang="en-US"/>
               <a:t>按一下以編輯母片標題樣式</a:t>
             </a:r>
             <a:endParaRPr lang="zh-TW" altLang="en-US" dirty="0"/>
@@ -3157,6 +3525,7 @@
             </a:pPr>
             <a:fld id="{5328E559-3B3F-4455-83CB-CB51180CACA8}" type="slidenum">
               <a:rPr lang="en-US" altLang="zh-TW"/>
+              <a:t>‹#›</a:t>
             </a:fld>
             <a:endParaRPr lang="en-US" dirty="0"/>
           </a:p>
@@ -3167,13 +3536,6 @@
   <p:clrMapOvr>
     <a:masterClrMapping/>
   </p:clrMapOvr>
-  <p:timing>
-    <p:tnLst>
-      <p:par>
-        <p:cTn id="1" dur="indefinite" restart="never" nodeType="tmRoot"/>
-      </p:par>
-    </p:tnLst>
-  </p:timing>
 </p:sldLayout>
 </file>
 
@@ -3320,6 +3682,7 @@
             </a:pPr>
             <a:fld id="{EF4C5574-2A5C-4C7A-950F-47F4BAB31828}" type="slidenum">
               <a:rPr lang="en-US" altLang="zh-TW"/>
+              <a:t>‹#›</a:t>
             </a:fld>
             <a:endParaRPr lang="en-US" dirty="0"/>
           </a:p>
@@ -3383,7 +3746,7 @@
           </a:lstStyle>
           <a:p>
             <a:r>
-              <a:rPr kumimoji="1" lang="zh-TW" altLang="en-US" smtClean="0"/>
+              <a:rPr kumimoji="1" lang="zh-TW" altLang="en-US"/>
               <a:t>按一下以編輯母片標題樣式</a:t>
             </a:r>
             <a:endParaRPr kumimoji="1" lang="zh-TW" altLang="en-US" dirty="0"/>
@@ -3432,6 +3795,7 @@
             </a:pPr>
             <a:fld id="{DF76A128-67C9-7A43-B8E3-12B0D3130DDB}" type="slidenum">
               <a:rPr lang="zh-TW" altLang="en-US" smtClean="0"/>
+              <a:t>‹#›</a:t>
             </a:fld>
             <a:endParaRPr lang="zh-TW" altLang="en-US" dirty="0"/>
           </a:p>
@@ -3523,6 +3887,7 @@
         <p:spPr/>
         <p:txBody>
           <a:bodyPr/>
+          <a:lstStyle/>
           <a:p>
             <a:pPr>
               <a:defRPr/>
@@ -3597,10 +3962,9 @@
           </a:lstStyle>
           <a:p>
             <a:r>
-              <a:rPr lang="zh-TW" altLang="en-US" smtClean="0"/>
+              <a:rPr lang="zh-TW" altLang="en-US"/>
               <a:t>按一下以編輯母片標題樣式</a:t>
             </a:r>
-            <a:endParaRPr lang="zh-TW" altLang="en-US"/>
           </a:p>
         </p:txBody>
       </p:sp>
@@ -3652,42 +4016,37 @@
           <a:p>
             <a:pPr lvl="0"/>
             <a:r>
-              <a:rPr lang="zh-TW" altLang="en-US" smtClean="0"/>
+              <a:rPr lang="zh-TW" altLang="en-US"/>
               <a:t>按一下以編輯母片文字樣式</a:t>
             </a:r>
-            <a:endParaRPr lang="zh-TW" altLang="en-US" smtClean="0"/>
           </a:p>
           <a:p>
             <a:pPr lvl="1"/>
             <a:r>
-              <a:rPr lang="zh-TW" altLang="en-US" smtClean="0"/>
+              <a:rPr lang="zh-TW" altLang="en-US"/>
               <a:t>第二層</a:t>
             </a:r>
-            <a:endParaRPr lang="zh-TW" altLang="en-US" smtClean="0"/>
           </a:p>
           <a:p>
             <a:pPr lvl="2"/>
             <a:r>
-              <a:rPr lang="zh-TW" altLang="en-US" smtClean="0"/>
+              <a:rPr lang="zh-TW" altLang="en-US"/>
               <a:t>第三層</a:t>
             </a:r>
-            <a:endParaRPr lang="zh-TW" altLang="en-US" smtClean="0"/>
           </a:p>
           <a:p>
             <a:pPr lvl="3"/>
             <a:r>
-              <a:rPr lang="zh-TW" altLang="en-US" smtClean="0"/>
+              <a:rPr lang="zh-TW" altLang="en-US"/>
               <a:t>第四層</a:t>
             </a:r>
-            <a:endParaRPr lang="zh-TW" altLang="en-US" smtClean="0"/>
           </a:p>
           <a:p>
             <a:pPr lvl="4"/>
             <a:r>
-              <a:rPr lang="zh-TW" altLang="en-US" smtClean="0"/>
+              <a:rPr lang="zh-TW" altLang="en-US"/>
               <a:t>第五層</a:t>
             </a:r>
-            <a:endParaRPr lang="zh-TW" altLang="en-US"/>
           </a:p>
         </p:txBody>
       </p:sp>
@@ -3761,6 +4120,7 @@
                   <a:srgbClr val="00B0F0"/>
                 </a:solidFill>
               </a:rPr>
+              <a:t>‹#›</a:t>
             </a:fld>
             <a:endParaRPr lang="en-US" altLang="zh-TW">
               <a:solidFill>
@@ -3775,13 +4135,6 @@
   <p:clrMapOvr>
     <a:masterClrMapping/>
   </p:clrMapOvr>
-  <p:timing>
-    <p:tnLst>
-      <p:par>
-        <p:cTn id="1" dur="indefinite" restart="never" nodeType="tmRoot"/>
-      </p:par>
-    </p:tnLst>
-  </p:timing>
   <p:hf hdr="0" ftr="0"/>
 </p:sldLayout>
 </file>
@@ -3838,10 +4191,9 @@
           <a:p>
             <a:pPr lvl="0"/>
             <a:r>
-              <a:rPr lang="zh-TW" altLang="en-US" smtClean="0"/>
+              <a:rPr lang="zh-TW" altLang="en-US"/>
               <a:t>按一下以編輯母片標題樣式</a:t>
             </a:r>
-            <a:endParaRPr lang="zh-TW" altLang="en-US" smtClean="0"/>
           </a:p>
         </p:txBody>
       </p:sp>
@@ -3875,42 +4227,37 @@
           <a:p>
             <a:pPr lvl="0"/>
             <a:r>
-              <a:rPr lang="zh-TW" altLang="en-US" smtClean="0"/>
+              <a:rPr lang="zh-TW" altLang="en-US"/>
               <a:t>按一下以編輯母片文字樣式</a:t>
             </a:r>
-            <a:endParaRPr lang="zh-TW" altLang="en-US" smtClean="0"/>
           </a:p>
           <a:p>
             <a:pPr lvl="1"/>
             <a:r>
-              <a:rPr lang="zh-TW" altLang="en-US" smtClean="0"/>
+              <a:rPr lang="zh-TW" altLang="en-US"/>
               <a:t>第二層</a:t>
             </a:r>
-            <a:endParaRPr lang="zh-TW" altLang="en-US" smtClean="0"/>
           </a:p>
           <a:p>
             <a:pPr lvl="2"/>
             <a:r>
-              <a:rPr lang="zh-TW" altLang="en-US" smtClean="0"/>
+              <a:rPr lang="zh-TW" altLang="en-US"/>
               <a:t>第三層</a:t>
             </a:r>
-            <a:endParaRPr lang="zh-TW" altLang="en-US" smtClean="0"/>
           </a:p>
           <a:p>
             <a:pPr lvl="3"/>
             <a:r>
-              <a:rPr lang="zh-TW" altLang="en-US" smtClean="0"/>
+              <a:rPr lang="zh-TW" altLang="en-US"/>
               <a:t>第四層</a:t>
             </a:r>
-            <a:endParaRPr lang="zh-TW" altLang="en-US" smtClean="0"/>
           </a:p>
           <a:p>
             <a:pPr lvl="4"/>
             <a:r>
-              <a:rPr lang="zh-TW" altLang="en-US" smtClean="0"/>
+              <a:rPr lang="zh-TW" altLang="en-US"/>
               <a:t>第五層</a:t>
             </a:r>
-            <a:endParaRPr lang="zh-TW" altLang="en-US" smtClean="0"/>
           </a:p>
         </p:txBody>
       </p:sp>
@@ -4082,6 +4429,7 @@
                 </a:solidFill>
                 <a:cs typeface="+mn-cs"/>
               </a:rPr>
+              <a:t>‹#›</a:t>
             </a:fld>
             <a:endParaRPr lang="en-US" altLang="zh-TW">
               <a:solidFill>
@@ -4101,7 +4449,7 @@
           <p:nvPr/>
         </p:nvPicPr>
         <p:blipFill>
-          <a:blip r:embed="rId9"/>
+          <a:blip r:embed="rId10"/>
           <a:srcRect/>
           <a:stretch>
             <a:fillRect/>
@@ -4613,9 +4961,6 @@
               </a:rPr>
               <a:t>Hierarchical Multi-Scale Attention for Semantic Segmentation</a:t>
             </a:r>
-            <a:endParaRPr lang="en-US" altLang="zh-TW" sz="3200">
-              <a:sym typeface="+mn-ea"/>
-            </a:endParaRPr>
           </a:p>
         </p:txBody>
       </p:sp>
@@ -4638,7 +4983,6 @@
               <a:rPr lang="en-US" altLang="zh-TW" b="1" dirty="0"/>
               <a:t>Jonathan Guo</a:t>
             </a:r>
-            <a:endParaRPr lang="en-US" altLang="zh-TW" b="1" dirty="0"/>
           </a:p>
         </p:txBody>
       </p:sp>
@@ -4647,13 +4991,6 @@
   <p:clrMapOvr>
     <a:masterClrMapping/>
   </p:clrMapOvr>
-  <p:timing>
-    <p:tnLst>
-      <p:par>
-        <p:cTn id="1" dur="indefinite" restart="never" nodeType="tmRoot"/>
-      </p:par>
-    </p:tnLst>
-  </p:timing>
 </p:sld>
 </file>
 
@@ -4666,7 +5003,14 @@
         <p:cNvGrpSpPr/>
         <p:nvPr/>
       </p:nvGrpSpPr>
-      <p:grpSpPr/>
+      <p:grpSpPr>
+        <a:xfrm>
+          <a:off x="0" y="0"/>
+          <a:ext cx="0" cy="0"/>
+          <a:chOff x="0" y="0"/>
+          <a:chExt cx="0" cy="0"/>
+        </a:xfrm>
+      </p:grpSpPr>
       <p:sp>
         <p:nvSpPr>
           <p:cNvPr id="2" name="標題 1"/>
@@ -4679,13 +5023,19 @@
         </p:nvSpPr>
         <p:spPr/>
         <p:txBody>
-          <a:bodyPr/>
-          <a:p>
-            <a:r>
-              <a:rPr lang="en-US" altLang="zh-TW"/>
-              <a:t>Comparing with Previous Works</a:t>
-            </a:r>
-            <a:endParaRPr lang="en-US" altLang="zh-TW"/>
+          <a:bodyPr>
+            <a:noAutofit/>
+          </a:bodyPr>
+          <a:lstStyle/>
+          <a:p>
+            <a:r>
+              <a:rPr lang="en-US" altLang="zh-TW" sz="2400" dirty="0" err="1"/>
+              <a:t>HRNet</a:t>
+            </a:r>
+            <a:r>
+              <a:rPr lang="en-US" altLang="zh-TW" sz="2400" dirty="0"/>
+              <a:t>: Deep High-Resolution Representation Learning for Visual Recognition</a:t>
+            </a:r>
           </a:p>
         </p:txBody>
       </p:sp>
@@ -4701,368 +5051,163 @@
         </p:nvSpPr>
         <p:spPr/>
         <p:txBody>
-          <a:bodyPr/>
-          <a:p>
-            <a:r>
-              <a:rPr lang="en-US" altLang="zh-TW"/>
-              <a:t>Flexibility of choosing extra scales at inference time </a:t>
-            </a:r>
-            <a:endParaRPr lang="en-US" altLang="zh-TW"/>
-          </a:p>
-          <a:p>
-            <a:r>
-              <a:rPr lang="en-US" altLang="zh-TW"/>
-              <a:t>Better training efficiency</a:t>
-            </a:r>
-            <a:endParaRPr lang="en-US" altLang="zh-TW"/>
-          </a:p>
-          <a:p>
-            <a:pPr lvl="1"/>
-            <a:r>
-              <a:rPr lang="en-US" altLang="zh-TW"/>
-              <a:t>Ex: Traning with scales 0.5, 1.0, 2.0</a:t>
-            </a:r>
-            <a:endParaRPr lang="en-US" altLang="zh-TW"/>
-          </a:p>
-          <a:p>
-            <a:pPr lvl="2"/>
-            <a:r>
-              <a:rPr lang="en-US" altLang="zh-TW"/>
-              <a:t>Explicit method cost: 0.5</a:t>
-            </a:r>
-            <a:r>
-              <a:rPr lang="en-US" altLang="zh-TW" baseline="30000"/>
-              <a:t>2</a:t>
-            </a:r>
-            <a:r>
-              <a:rPr lang="en-US" altLang="zh-TW"/>
-              <a:t> + 1.0</a:t>
-            </a:r>
-            <a:r>
-              <a:rPr lang="en-US" altLang="zh-TW" baseline="30000"/>
-              <a:t>2</a:t>
-            </a:r>
-            <a:r>
-              <a:rPr lang="en-US" altLang="zh-TW"/>
-              <a:t> + 2.0</a:t>
-            </a:r>
-            <a:r>
-              <a:rPr lang="en-US" altLang="zh-TW" baseline="30000"/>
-              <a:t>2</a:t>
-            </a:r>
-            <a:r>
-              <a:rPr lang="en-US" altLang="zh-TW"/>
-              <a:t> = 5.25</a:t>
-            </a:r>
-            <a:endParaRPr lang="en-US" altLang="zh-TW"/>
-          </a:p>
-          <a:p>
-            <a:pPr lvl="2"/>
-            <a:r>
-              <a:rPr lang="en-US" altLang="zh-TW"/>
-              <a:t>Hierarchical method cost: </a:t>
-            </a:r>
-            <a:r>
-              <a:rPr lang="en-US" altLang="zh-TW">
+          <a:bodyPr>
+            <a:normAutofit/>
+          </a:bodyPr>
+          <a:lstStyle/>
+          <a:p>
+            <a:r>
+              <a:rPr lang="en-US" altLang="zh-TW" sz="2400" dirty="0">
                 <a:sym typeface="+mn-ea"/>
               </a:rPr>
-              <a:t>0.5</a:t>
-            </a:r>
-            <a:r>
-              <a:rPr lang="en-US" altLang="zh-TW" baseline="30000">
+              <a:t>Maintain high-resolution representations:</a:t>
+            </a:r>
+          </a:p>
+          <a:p>
+            <a:pPr marL="914400" lvl="1" indent="-457200">
+              <a:buAutoNum type="arabicPeriod"/>
+            </a:pPr>
+            <a:r>
+              <a:rPr lang="en-US" altLang="zh-TW" sz="2000" b="1" dirty="0">
                 <a:sym typeface="+mn-ea"/>
               </a:rPr>
-              <a:t>2</a:t>
-            </a:r>
-            <a:r>
-              <a:rPr lang="en-US" altLang="zh-TW">
+              <a:t>Start from</a:t>
+            </a:r>
+            <a:r>
+              <a:rPr lang="en-US" altLang="zh-TW" sz="2000" dirty="0">
                 <a:sym typeface="+mn-ea"/>
               </a:rPr>
-              <a:t> + 1.0</a:t>
-            </a:r>
-            <a:r>
-              <a:rPr lang="en-US" altLang="zh-TW" baseline="30000">
+              <a:t> a </a:t>
+            </a:r>
+            <a:r>
+              <a:rPr lang="en-US" altLang="zh-TW" sz="2000" b="1" dirty="0">
                 <a:sym typeface="+mn-ea"/>
               </a:rPr>
-              <a:t>2</a:t>
-            </a:r>
-            <a:r>
-              <a:rPr lang="en-US" altLang="zh-TW">
+              <a:t>high-resolution</a:t>
+            </a:r>
+            <a:r>
+              <a:rPr lang="en-US" altLang="zh-TW" sz="2000" dirty="0">
                 <a:sym typeface="+mn-ea"/>
               </a:rPr>
-              <a:t> = 1.25</a:t>
-            </a:r>
-            <a:endParaRPr lang="en-US" altLang="zh-TW"/>
-          </a:p>
-        </p:txBody>
-      </p:sp>
-      <p:sp>
-        <p:nvSpPr>
-          <p:cNvPr id="4" name="投影片編號版面配置區 3"/>
+              <a:t> convolution stream, gradually add high-to-low resolution convolution streams one by one.</a:t>
+            </a:r>
+          </a:p>
+          <a:p>
+            <a:pPr marL="914400" lvl="1" indent="-457200">
+              <a:buAutoNum type="arabicPeriod"/>
+            </a:pPr>
+            <a:r>
+              <a:rPr lang="en-US" altLang="zh-TW" sz="2000" dirty="0">
+                <a:sym typeface="+mn-ea"/>
+              </a:rPr>
+              <a:t>Connect the high-to-low resolution convolution streams </a:t>
+            </a:r>
+            <a:r>
+              <a:rPr lang="en-US" altLang="zh-TW" sz="2000" b="1" dirty="0">
+                <a:sym typeface="+mn-ea"/>
+              </a:rPr>
+              <a:t>in parallel</a:t>
+            </a:r>
+            <a:r>
+              <a:rPr lang="en-US" altLang="zh-TW" sz="2000" dirty="0">
+                <a:sym typeface="+mn-ea"/>
+              </a:rPr>
+              <a:t>.</a:t>
+            </a:r>
+          </a:p>
+          <a:p>
+            <a:pPr marL="914400" lvl="1" indent="-457200">
+              <a:buAutoNum type="arabicPeriod"/>
+            </a:pPr>
+            <a:r>
+              <a:rPr lang="en-US" altLang="zh-TW" sz="2000" dirty="0">
+                <a:sym typeface="+mn-ea"/>
+              </a:rPr>
+              <a:t>Repeatedly </a:t>
+            </a:r>
+            <a:r>
+              <a:rPr lang="en-US" altLang="zh-TW" sz="2000" b="1" dirty="0">
+                <a:sym typeface="+mn-ea"/>
+              </a:rPr>
+              <a:t>exchange the information</a:t>
+            </a:r>
+            <a:r>
+              <a:rPr lang="en-US" altLang="zh-TW" sz="2000" dirty="0">
+                <a:sym typeface="+mn-ea"/>
+              </a:rPr>
+              <a:t> across resolutions.</a:t>
+            </a:r>
+          </a:p>
+          <a:p>
+            <a:r>
+              <a:rPr lang="en-US" altLang="zh-TW" sz="2400" dirty="0">
+                <a:sym typeface="+mn-ea"/>
+              </a:rPr>
+              <a:t>The resulting representation is </a:t>
+            </a:r>
+            <a:r>
+              <a:rPr lang="en-US" altLang="zh-TW" sz="2400" b="1" dirty="0">
+                <a:sym typeface="+mn-ea"/>
+              </a:rPr>
+              <a:t>semantically richer</a:t>
+            </a:r>
+            <a:r>
+              <a:rPr lang="en-US" altLang="zh-TW" sz="2400" dirty="0">
+                <a:sym typeface="+mn-ea"/>
+              </a:rPr>
+              <a:t> and </a:t>
+            </a:r>
+            <a:r>
+              <a:rPr lang="en-US" altLang="zh-TW" sz="2400" b="1" dirty="0">
+                <a:sym typeface="+mn-ea"/>
+              </a:rPr>
+              <a:t>spatially more precise</a:t>
+            </a:r>
+            <a:r>
+              <a:rPr lang="en-US" altLang="zh-TW" sz="2400" dirty="0">
+                <a:sym typeface="+mn-ea"/>
+              </a:rPr>
+              <a:t>.</a:t>
+            </a:r>
+          </a:p>
+          <a:p>
+            <a:endParaRPr lang="en-US" altLang="zh-TW" sz="2400" dirty="0">
+              <a:sym typeface="+mn-ea"/>
+            </a:endParaRPr>
+          </a:p>
+          <a:p>
+            <a:endParaRPr lang="zh-TW" altLang="en-US" sz="2400" dirty="0"/>
+          </a:p>
+        </p:txBody>
+      </p:sp>
+      <p:sp>
+        <p:nvSpPr>
+          <p:cNvPr id="13" name="投影片編號版面配置區 12"/>
           <p:cNvSpPr>
             <a:spLocks noGrp="1"/>
           </p:cNvSpPr>
           <p:nvPr>
-            <p:ph type="sldNum" sz="quarter" idx="12"/>
+            <p:ph type="sldNum" sz="quarter" idx="4294967295"/>
           </p:nvPr>
         </p:nvSpPr>
-        <p:spPr/>
+        <p:spPr>
+          <a:xfrm>
+            <a:off x="7424738" y="5681663"/>
+            <a:ext cx="2297112" cy="327025"/>
+          </a:xfrm>
+        </p:spPr>
         <p:txBody>
           <a:bodyPr/>
+          <a:lstStyle/>
           <a:p>
             <a:pPr>
               <a:defRPr/>
             </a:pPr>
             <a:fld id="{E3EBBCA1-BE45-46C8-848D-A53293ECE7DC}" type="slidenum">
               <a:rPr lang="zh-TW" altLang="en-US" sz="1430"/>
+              <a:t>10</a:t>
             </a:fld>
             <a:endParaRPr lang="zh-TW" altLang="en-US" sz="1430" dirty="0"/>
-          </a:p>
-        </p:txBody>
-      </p:sp>
-      <p:sp>
-        <p:nvSpPr>
-          <p:cNvPr id="5" name="日期版面配置區 4"/>
-          <p:cNvSpPr>
-            <a:spLocks noGrp="1"/>
-          </p:cNvSpPr>
-          <p:nvPr>
-            <p:ph type="dt" sz="half" idx="10"/>
-          </p:nvPr>
-        </p:nvSpPr>
-        <p:spPr/>
-        <p:txBody>
-          <a:bodyPr/>
-          <a:p>
-            <a:pPr>
-              <a:defRPr/>
-            </a:pPr>
-            <a:r>
-              <a:rPr lang="en-US" altLang="zh-TW" sz="1605"/>
-              <a:t>PEGA Confidential.</a:t>
-            </a:r>
-            <a:endParaRPr lang="zh-TW" altLang="en-US" sz="1605" dirty="0"/>
-          </a:p>
-        </p:txBody>
-      </p:sp>
-      <p:pic>
-        <p:nvPicPr>
-          <p:cNvPr id="7" name="圖片 6"/>
-          <p:cNvPicPr>
-            <a:picLocks noChangeAspect="1"/>
-          </p:cNvPicPr>
-          <p:nvPr/>
-        </p:nvPicPr>
-        <p:blipFill>
-          <a:blip r:embed="rId1"/>
-          <a:stretch>
-            <a:fillRect/>
-          </a:stretch>
-        </p:blipFill>
-        <p:spPr>
-          <a:xfrm>
-            <a:off x="2287670" y="2746695"/>
-            <a:ext cx="5147077" cy="2686048"/>
-          </a:xfrm>
-          <a:prstGeom prst="rect">
-            <a:avLst/>
-          </a:prstGeom>
-        </p:spPr>
-      </p:pic>
-    </p:spTree>
-  </p:cSld>
-  <p:clrMapOvr>
-    <a:masterClrMapping/>
-  </p:clrMapOvr>
-</p:sld>
-</file>
-
-<file path=ppt/slides/slide11.xml><?xml version="1.0" encoding="utf-8"?>
-<p:sld xmlns:a="http://schemas.openxmlformats.org/drawingml/2006/main" xmlns:r="http://schemas.openxmlformats.org/officeDocument/2006/relationships" xmlns:p="http://schemas.openxmlformats.org/presentationml/2006/main">
-  <p:cSld>
-    <p:spTree>
-      <p:nvGrpSpPr>
-        <p:cNvPr id="1" name=""/>
-        <p:cNvGrpSpPr/>
-        <p:nvPr/>
-      </p:nvGrpSpPr>
-      <p:grpSpPr/>
-      <p:sp>
-        <p:nvSpPr>
-          <p:cNvPr id="2" name="標題 1"/>
-          <p:cNvSpPr>
-            <a:spLocks noGrp="1"/>
-          </p:cNvSpPr>
-          <p:nvPr>
-            <p:ph type="title"/>
-          </p:nvPr>
-        </p:nvSpPr>
-        <p:spPr/>
-        <p:txBody>
-          <a:bodyPr>
-            <a:normAutofit fontScale="90000"/>
-          </a:bodyPr>
-          <a:p>
-            <a:r>
-              <a:rPr lang="en-US" altLang="zh-TW"/>
-              <a:t>HRNet: Deep High-Resolution Representation Learning for Visual Recognition</a:t>
-            </a:r>
-            <a:endParaRPr lang="en-US" altLang="zh-TW"/>
-          </a:p>
-        </p:txBody>
-      </p:sp>
-      <p:sp>
-        <p:nvSpPr>
-          <p:cNvPr id="3" name="內容版面配置區 2"/>
-          <p:cNvSpPr>
-            <a:spLocks noGrp="1"/>
-          </p:cNvSpPr>
-          <p:nvPr>
-            <p:ph idx="1"/>
-          </p:nvPr>
-        </p:nvSpPr>
-        <p:spPr/>
-        <p:txBody>
-          <a:bodyPr>
-            <a:normAutofit/>
-          </a:bodyPr>
-          <a:p>
-            <a:r>
-              <a:rPr lang="en-US" altLang="zh-TW">
-                <a:sym typeface="+mn-ea"/>
-              </a:rPr>
-              <a:t>Maintain high-resolution representations:</a:t>
-            </a:r>
-            <a:endParaRPr lang="en-US" altLang="zh-TW">
-              <a:sym typeface="+mn-ea"/>
-            </a:endParaRPr>
-          </a:p>
-          <a:p>
-            <a:pPr marL="914400" lvl="1" indent="-457200">
-              <a:buAutoNum type="arabicPeriod"/>
-            </a:pPr>
-            <a:r>
-              <a:rPr lang="en-US" altLang="zh-TW" b="1">
-                <a:sym typeface="+mn-ea"/>
-              </a:rPr>
-              <a:t>Start from</a:t>
-            </a:r>
-            <a:r>
-              <a:rPr lang="en-US" altLang="zh-TW">
-                <a:sym typeface="+mn-ea"/>
-              </a:rPr>
-              <a:t> a </a:t>
-            </a:r>
-            <a:r>
-              <a:rPr lang="en-US" altLang="zh-TW" b="1">
-                <a:sym typeface="+mn-ea"/>
-              </a:rPr>
-              <a:t>high resolution</a:t>
-            </a:r>
-            <a:r>
-              <a:rPr lang="en-US" altLang="zh-TW">
-                <a:sym typeface="+mn-ea"/>
-              </a:rPr>
-              <a:t> convolution stream, gradually add high-to-low resolution convolution streams one by one.</a:t>
-            </a:r>
-            <a:endParaRPr lang="en-US" altLang="zh-TW">
-              <a:sym typeface="+mn-ea"/>
-            </a:endParaRPr>
-          </a:p>
-          <a:p>
-            <a:pPr marL="914400" lvl="1" indent="-457200">
-              <a:buAutoNum type="arabicPeriod"/>
-            </a:pPr>
-            <a:r>
-              <a:rPr lang="en-US" altLang="zh-TW">
-                <a:sym typeface="+mn-ea"/>
-              </a:rPr>
-              <a:t>Connect the high-to-low resolution convolution streams </a:t>
-            </a:r>
-            <a:r>
-              <a:rPr lang="en-US" altLang="zh-TW" b="1">
-                <a:sym typeface="+mn-ea"/>
-              </a:rPr>
-              <a:t>in parallel</a:t>
-            </a:r>
-            <a:r>
-              <a:rPr lang="en-US" altLang="zh-TW">
-                <a:sym typeface="+mn-ea"/>
-              </a:rPr>
-              <a:t>.</a:t>
-            </a:r>
-            <a:endParaRPr lang="en-US" altLang="zh-TW">
-              <a:sym typeface="+mn-ea"/>
-            </a:endParaRPr>
-          </a:p>
-          <a:p>
-            <a:pPr marL="914400" lvl="1" indent="-457200">
-              <a:buAutoNum type="arabicPeriod"/>
-            </a:pPr>
-            <a:r>
-              <a:rPr lang="en-US" altLang="zh-TW">
-                <a:sym typeface="+mn-ea"/>
-              </a:rPr>
-              <a:t>Repeatedly </a:t>
-            </a:r>
-            <a:r>
-              <a:rPr lang="en-US" altLang="zh-TW" b="1">
-                <a:sym typeface="+mn-ea"/>
-              </a:rPr>
-              <a:t>exchange the information</a:t>
-            </a:r>
-            <a:r>
-              <a:rPr lang="en-US" altLang="zh-TW">
-                <a:sym typeface="+mn-ea"/>
-              </a:rPr>
-              <a:t> across resolutions.</a:t>
-            </a:r>
-            <a:endParaRPr lang="en-US" altLang="zh-TW">
-              <a:sym typeface="+mn-ea"/>
-            </a:endParaRPr>
-          </a:p>
-          <a:p>
-            <a:r>
-              <a:rPr lang="en-US" altLang="zh-TW">
-                <a:sym typeface="+mn-ea"/>
-              </a:rPr>
-              <a:t>The resulting representation is </a:t>
-            </a:r>
-            <a:r>
-              <a:rPr lang="en-US" altLang="zh-TW" b="1">
-                <a:sym typeface="+mn-ea"/>
-              </a:rPr>
-              <a:t>semantically richer</a:t>
-            </a:r>
-            <a:r>
-              <a:rPr lang="en-US" altLang="zh-TW">
-                <a:sym typeface="+mn-ea"/>
-              </a:rPr>
-              <a:t> and </a:t>
-            </a:r>
-            <a:r>
-              <a:rPr lang="en-US" altLang="zh-TW" b="1">
-                <a:sym typeface="+mn-ea"/>
-              </a:rPr>
-              <a:t>spatially more precise</a:t>
-            </a:r>
-            <a:r>
-              <a:rPr lang="en-US" altLang="zh-TW">
-                <a:sym typeface="+mn-ea"/>
-              </a:rPr>
-              <a:t>.</a:t>
-            </a:r>
-            <a:endParaRPr lang="en-US" altLang="zh-TW">
-              <a:sym typeface="+mn-ea"/>
-            </a:endParaRPr>
-          </a:p>
-          <a:p>
-            <a:endParaRPr lang="en-US" altLang="zh-TW">
-              <a:sym typeface="+mn-ea"/>
-            </a:endParaRPr>
-          </a:p>
-          <a:p>
-            <a:endParaRPr lang="zh-TW" altLang="en-US"/>
           </a:p>
         </p:txBody>
       </p:sp>
@@ -5074,7 +5219,7 @@
         </p:nvSpPr>
         <p:spPr>
           <a:xfrm>
-            <a:off x="1189502" y="5518613"/>
+            <a:off x="3099780" y="5696631"/>
             <a:ext cx="3520440" cy="229870"/>
           </a:xfrm>
           <a:prstGeom prst="rect">
@@ -5086,17 +5231,15 @@
           <a:bodyPr wrap="none" rtlCol="0">
             <a:spAutoFit/>
           </a:bodyPr>
+          <a:lstStyle/>
           <a:p>
             <a:pPr algn="l"/>
             <a:r>
-              <a:rPr lang="en-US" altLang="zh-TW" sz="895">
+              <a:rPr lang="en-US" altLang="zh-TW" sz="895" dirty="0">
                 <a:sym typeface="+mn-ea"/>
               </a:rPr>
               <a:t>https://github.com/HRNet/HRNet-Semantic-Segmentation/tree/master</a:t>
             </a:r>
-            <a:endParaRPr lang="en-US" altLang="zh-TW" sz="895">
-              <a:sym typeface="+mn-ea"/>
-            </a:endParaRPr>
           </a:p>
         </p:txBody>
       </p:sp>
@@ -5108,8 +5251,8 @@
         </p:nvGrpSpPr>
         <p:grpSpPr>
           <a:xfrm>
-            <a:off x="1189785" y="3361669"/>
-            <a:ext cx="7345680" cy="840559"/>
+            <a:off x="1189785" y="3516285"/>
+            <a:ext cx="7315200" cy="840559"/>
             <a:chOff x="723" y="5398"/>
             <a:chExt cx="12960" cy="1483"/>
           </a:xfrm>
@@ -5123,7 +5266,7 @@
             <p:nvPr/>
           </p:nvPicPr>
           <p:blipFill>
-            <a:blip r:embed="rId1"/>
+            <a:blip r:embed="rId3"/>
             <a:stretch>
               <a:fillRect/>
             </a:stretch>
@@ -5158,12 +5301,12 @@
             <a:bodyPr wrap="none" rtlCol="0">
               <a:spAutoFit/>
             </a:bodyPr>
+            <a:lstStyle/>
             <a:p>
               <a:r>
                 <a:rPr lang="en-US" altLang="zh-TW" sz="895"/>
                 <a:t>Previous</a:t>
               </a:r>
-              <a:endParaRPr lang="en-US" altLang="zh-TW" sz="895"/>
             </a:p>
           </p:txBody>
         </p:sp>
@@ -5176,8 +5319,8 @@
         </p:nvGrpSpPr>
         <p:grpSpPr>
           <a:xfrm>
-            <a:off x="1189785" y="4138180"/>
-            <a:ext cx="7343980" cy="1333672"/>
+            <a:off x="1189785" y="4356844"/>
+            <a:ext cx="7315200" cy="1333672"/>
             <a:chOff x="723" y="6976"/>
             <a:chExt cx="12957" cy="2353"/>
           </a:xfrm>
@@ -5191,7 +5334,7 @@
             <p:nvPr/>
           </p:nvPicPr>
           <p:blipFill>
-            <a:blip r:embed="rId2"/>
+            <a:blip r:embed="rId4"/>
             <a:stretch>
               <a:fillRect/>
             </a:stretch>
@@ -5226,41 +5369,194 @@
             <a:bodyPr wrap="none" rtlCol="0">
               <a:spAutoFit/>
             </a:bodyPr>
+            <a:lstStyle/>
             <a:p>
               <a:r>
                 <a:rPr lang="en-US" altLang="zh-TW" sz="895"/>
                 <a:t>HRNet</a:t>
               </a:r>
-              <a:endParaRPr lang="en-US" altLang="zh-TW" sz="895"/>
             </a:p>
           </p:txBody>
         </p:sp>
       </p:grpSp>
       <p:sp>
         <p:nvSpPr>
-          <p:cNvPr id="13" name="投影片編號版面配置區 12"/>
+          <p:cNvPr id="14" name="日期版面配置區 3">
+            <a:extLst>
+              <a:ext uri="{FF2B5EF4-FFF2-40B4-BE49-F238E27FC236}">
+                <a16:creationId xmlns:a16="http://schemas.microsoft.com/office/drawing/2014/main" id="{36483C89-6279-40CF-A24D-CBF90C1C6331}"/>
+              </a:ext>
+            </a:extLst>
+          </p:cNvPr>
           <p:cNvSpPr>
             <a:spLocks noGrp="1"/>
           </p:cNvSpPr>
           <p:nvPr>
-            <p:ph type="sldNum" sz="quarter" idx="12"/>
+            <p:ph type="dt" sz="half" idx="10"/>
           </p:nvPr>
         </p:nvSpPr>
-        <p:spPr/>
+        <p:spPr>
+          <a:xfrm>
+            <a:off x="486092" y="5673631"/>
+            <a:ext cx="2268432" cy="325908"/>
+          </a:xfrm>
+        </p:spPr>
         <p:txBody>
           <a:bodyPr/>
+          <a:lstStyle/>
           <a:p>
             <a:pPr>
               <a:defRPr/>
             </a:pPr>
-            <a:fld id="{E3EBBCA1-BE45-46C8-848D-A53293ECE7DC}" type="slidenum">
-              <a:rPr lang="zh-TW" altLang="en-US" sz="1430"/>
-            </a:fld>
-            <a:endParaRPr lang="zh-TW" altLang="en-US" sz="1430" dirty="0"/>
+            <a:r>
+              <a:rPr lang="en-US" altLang="zh-TW" dirty="0">
+                <a:solidFill>
+                  <a:prstClr val="black">
+                    <a:lumMod val="65000"/>
+                    <a:lumOff val="35000"/>
+                  </a:prstClr>
+                </a:solidFill>
+              </a:rPr>
+              <a:t>PEGA Confidential.</a:t>
+            </a:r>
+            <a:endParaRPr lang="zh-TW" altLang="en-US" dirty="0">
+              <a:solidFill>
+                <a:prstClr val="black">
+                  <a:lumMod val="65000"/>
+                  <a:lumOff val="35000"/>
+                </a:prstClr>
+              </a:solidFill>
+            </a:endParaRPr>
           </a:p>
         </p:txBody>
       </p:sp>
     </p:spTree>
+  </p:cSld>
+  <p:clrMapOvr>
+    <a:masterClrMapping/>
+  </p:clrMapOvr>
+</p:sld>
+</file>
+
+<file path=ppt/slides/slide11.xml><?xml version="1.0" encoding="utf-8"?>
+<p:sld xmlns:a="http://schemas.openxmlformats.org/drawingml/2006/main" xmlns:r="http://schemas.openxmlformats.org/officeDocument/2006/relationships" xmlns:p="http://schemas.openxmlformats.org/presentationml/2006/main">
+  <p:cSld>
+    <p:spTree>
+      <p:nvGrpSpPr>
+        <p:cNvPr id="1" name=""/>
+        <p:cNvGrpSpPr/>
+        <p:nvPr/>
+      </p:nvGrpSpPr>
+      <p:grpSpPr>
+        <a:xfrm>
+          <a:off x="0" y="0"/>
+          <a:ext cx="0" cy="0"/>
+          <a:chOff x="0" y="0"/>
+          <a:chExt cx="0" cy="0"/>
+        </a:xfrm>
+      </p:grpSpPr>
+      <p:sp>
+        <p:nvSpPr>
+          <p:cNvPr id="2" name="標題 1">
+            <a:extLst>
+              <a:ext uri="{FF2B5EF4-FFF2-40B4-BE49-F238E27FC236}">
+                <a16:creationId xmlns:a16="http://schemas.microsoft.com/office/drawing/2014/main" id="{A78065CA-55BF-4829-A3A1-1C9CDFA9B6B6}"/>
+              </a:ext>
+            </a:extLst>
+          </p:cNvPr>
+          <p:cNvSpPr>
+            <a:spLocks noGrp="1"/>
+          </p:cNvSpPr>
+          <p:nvPr>
+            <p:ph type="title"/>
+          </p:nvPr>
+        </p:nvSpPr>
+        <p:spPr/>
+        <p:txBody>
+          <a:bodyPr/>
+          <a:lstStyle/>
+          <a:p>
+            <a:endParaRPr lang="en-US"/>
+          </a:p>
+        </p:txBody>
+      </p:sp>
+      <p:sp>
+        <p:nvSpPr>
+          <p:cNvPr id="3" name="內容版面配置區 2">
+            <a:extLst>
+              <a:ext uri="{FF2B5EF4-FFF2-40B4-BE49-F238E27FC236}">
+                <a16:creationId xmlns:a16="http://schemas.microsoft.com/office/drawing/2014/main" id="{20968249-6100-41FC-AE28-6F4EE25C7E19}"/>
+              </a:ext>
+            </a:extLst>
+          </p:cNvPr>
+          <p:cNvSpPr>
+            <a:spLocks noGrp="1"/>
+          </p:cNvSpPr>
+          <p:nvPr>
+            <p:ph idx="1"/>
+          </p:nvPr>
+        </p:nvSpPr>
+        <p:spPr/>
+        <p:txBody>
+          <a:bodyPr/>
+          <a:lstStyle/>
+          <a:p>
+            <a:endParaRPr lang="en-US"/>
+          </a:p>
+        </p:txBody>
+      </p:sp>
+      <p:sp>
+        <p:nvSpPr>
+          <p:cNvPr id="4" name="日期版面配置區 3">
+            <a:extLst>
+              <a:ext uri="{FF2B5EF4-FFF2-40B4-BE49-F238E27FC236}">
+                <a16:creationId xmlns:a16="http://schemas.microsoft.com/office/drawing/2014/main" id="{988AA53C-FB2E-4EFA-A10A-D9CFCFB36248}"/>
+              </a:ext>
+            </a:extLst>
+          </p:cNvPr>
+          <p:cNvSpPr>
+            <a:spLocks noGrp="1"/>
+          </p:cNvSpPr>
+          <p:nvPr>
+            <p:ph type="dt" sz="half" idx="10"/>
+          </p:nvPr>
+        </p:nvSpPr>
+        <p:spPr/>
+        <p:txBody>
+          <a:bodyPr/>
+          <a:lstStyle/>
+          <a:p>
+            <a:pPr>
+              <a:defRPr/>
+            </a:pPr>
+            <a:r>
+              <a:rPr lang="en-US" altLang="zh-TW" dirty="0">
+                <a:solidFill>
+                  <a:prstClr val="black">
+                    <a:lumMod val="65000"/>
+                    <a:lumOff val="35000"/>
+                  </a:prstClr>
+                </a:solidFill>
+              </a:rPr>
+              <a:t>PEGA Confidential.</a:t>
+            </a:r>
+            <a:endParaRPr lang="zh-TW" altLang="en-US" dirty="0">
+              <a:solidFill>
+                <a:prstClr val="black">
+                  <a:lumMod val="65000"/>
+                  <a:lumOff val="35000"/>
+                </a:prstClr>
+              </a:solidFill>
+            </a:endParaRPr>
+          </a:p>
+        </p:txBody>
+      </p:sp>
+    </p:spTree>
+    <p:extLst>
+      <p:ext uri="{BB962C8B-B14F-4D97-AF65-F5344CB8AC3E}">
+        <p14:creationId xmlns:p14="http://schemas.microsoft.com/office/powerpoint/2010/main" val="4117890000"/>
+      </p:ext>
+    </p:extLst>
   </p:cSld>
   <p:clrMapOvr>
     <a:masterClrMapping/>
@@ -5277,7 +5573,14 @@
         <p:cNvGrpSpPr/>
         <p:nvPr/>
       </p:nvGrpSpPr>
-      <p:grpSpPr/>
+      <p:grpSpPr>
+        <a:xfrm>
+          <a:off x="0" y="0"/>
+          <a:ext cx="0" cy="0"/>
+          <a:chOff x="0" y="0"/>
+          <a:chExt cx="0" cy="0"/>
+        </a:xfrm>
+      </p:grpSpPr>
       <p:sp>
         <p:nvSpPr>
           <p:cNvPr id="2" name="標題 1"/>
@@ -5291,14 +5594,14 @@
         <p:spPr/>
         <p:txBody>
           <a:bodyPr>
-            <a:normAutofit fontScale="90000"/>
+            <a:noAutofit/>
           </a:bodyPr>
-          <a:p>
-            <a:r>
-              <a:rPr lang="en-US" altLang="zh-TW"/>
+          <a:lstStyle/>
+          <a:p>
+            <a:r>
+              <a:rPr lang="en-US" altLang="zh-TW" sz="2400" dirty="0"/>
               <a:t>OCR: Object-Contextual Representations for Semantic Segmentation</a:t>
             </a:r>
-            <a:endParaRPr lang="en-US" altLang="zh-TW"/>
           </a:p>
         </p:txBody>
       </p:sp>
@@ -5315,85 +5618,112 @@
         <p:spPr/>
         <p:txBody>
           <a:bodyPr/>
-          <a:p>
-            <a:r>
-              <a:rPr lang="en-US" altLang="zh-TW"/>
+          <a:lstStyle/>
+          <a:p>
+            <a:r>
+              <a:rPr lang="en-US" altLang="zh-TW" sz="2400" dirty="0"/>
               <a:t>C</a:t>
             </a:r>
             <a:r>
-              <a:rPr lang="zh-TW" altLang="en-US"/>
+              <a:rPr lang="zh-TW" altLang="en-US" sz="2400" dirty="0"/>
               <a:t>haracterizing a pixel by exploiting the representation of the corresponding object class</a:t>
             </a:r>
-            <a:endParaRPr lang="zh-TW" altLang="en-US" sz="1785"/>
-          </a:p>
-          <a:p>
-            <a:r>
-              <a:rPr lang="en-US" altLang="zh-TW"/>
+          </a:p>
+          <a:p>
+            <a:r>
+              <a:rPr lang="en-US" altLang="zh-TW" sz="2400" dirty="0"/>
               <a:t>Steps:</a:t>
             </a:r>
-            <a:endParaRPr lang="en-US" altLang="zh-TW" sz="1785"/>
           </a:p>
           <a:p>
             <a:pPr marL="914400" lvl="1" indent="-457200">
               <a:buAutoNum type="arabicPeriod"/>
             </a:pPr>
             <a:r>
-              <a:rPr lang="en-US" altLang="zh-TW" sz="1605"/>
+              <a:rPr lang="en-US" altLang="zh-TW" sz="2000" dirty="0"/>
               <a:t>Learn </a:t>
             </a:r>
             <a:r>
-              <a:rPr lang="en-US" altLang="zh-TW" sz="1605" b="1"/>
+              <a:rPr lang="en-US" altLang="zh-TW" sz="2000" b="1" dirty="0"/>
               <a:t>object regions</a:t>
             </a:r>
             <a:r>
-              <a:rPr lang="en-US" altLang="zh-TW" sz="1605"/>
+              <a:rPr lang="en-US" altLang="zh-TW" sz="2000" dirty="0"/>
               <a:t> under the supervision of the ground-truth segmentation.</a:t>
             </a:r>
-            <a:endParaRPr lang="en-US" altLang="zh-TW" sz="1605"/>
           </a:p>
           <a:p>
             <a:pPr marL="914400" lvl="1" indent="-457200">
               <a:buAutoNum type="arabicPeriod"/>
             </a:pPr>
             <a:r>
-              <a:rPr lang="en-US" altLang="zh-TW" sz="1605"/>
+              <a:rPr lang="en-US" altLang="zh-TW" sz="2000" dirty="0"/>
               <a:t>Compute the</a:t>
             </a:r>
             <a:r>
-              <a:rPr lang="en-US" altLang="zh-TW" sz="1605" b="1"/>
+              <a:rPr lang="en-US" altLang="zh-TW" sz="2000" b="1" dirty="0"/>
               <a:t> object region representation</a:t>
             </a:r>
             <a:r>
-              <a:rPr lang="en-US" altLang="zh-TW" sz="1605"/>
+              <a:rPr lang="en-US" altLang="zh-TW" sz="2000" dirty="0"/>
               <a:t> by aggregating the representations of the pixels lying in the object region.</a:t>
             </a:r>
-            <a:endParaRPr lang="en-US" altLang="zh-TW" sz="1605"/>
           </a:p>
           <a:p>
             <a:pPr marL="914400" lvl="1" indent="-457200">
               <a:buAutoNum type="arabicPeriod"/>
             </a:pPr>
             <a:r>
-              <a:rPr lang="en-US" altLang="zh-TW" sz="1605"/>
+              <a:rPr lang="en-US" altLang="zh-TW" sz="2000" dirty="0"/>
               <a:t>Compute the </a:t>
             </a:r>
             <a:r>
-              <a:rPr lang="en-US" altLang="zh-TW" sz="1605" b="1"/>
+              <a:rPr lang="en-US" altLang="zh-TW" sz="2000" b="1" dirty="0"/>
               <a:t>relation</a:t>
             </a:r>
             <a:r>
-              <a:rPr lang="en-US" altLang="zh-TW" sz="1605"/>
-              <a:t> between each pixel and each object region, and augment the representation of each pixel with the </a:t>
-            </a:r>
-            <a:r>
-              <a:rPr lang="en-US" altLang="zh-TW" sz="1605" b="1"/>
+              <a:rPr lang="en-US" altLang="zh-TW" sz="2000" dirty="0"/>
+              <a:t> between each pixel and each object region and augment the representation of each pixel with the </a:t>
+            </a:r>
+            <a:r>
+              <a:rPr lang="en-US" altLang="zh-TW" sz="2000" b="1" dirty="0"/>
               <a:t>object-contextual representation</a:t>
             </a:r>
             <a:r>
-              <a:rPr lang="en-US" altLang="zh-TW" sz="1605"/>
+              <a:rPr lang="en-US" altLang="zh-TW" sz="2000" dirty="0"/>
               <a:t>.</a:t>
             </a:r>
-            <a:endParaRPr lang="en-US" altLang="zh-TW" sz="1605"/>
+          </a:p>
+        </p:txBody>
+      </p:sp>
+      <p:sp>
+        <p:nvSpPr>
+          <p:cNvPr id="4" name="投影片編號版面配置區 3"/>
+          <p:cNvSpPr>
+            <a:spLocks noGrp="1"/>
+          </p:cNvSpPr>
+          <p:nvPr>
+            <p:ph type="sldNum" sz="quarter" idx="4294967295"/>
+          </p:nvPr>
+        </p:nvSpPr>
+        <p:spPr>
+          <a:xfrm>
+            <a:off x="7424738" y="5681663"/>
+            <a:ext cx="2297112" cy="327025"/>
+          </a:xfrm>
+        </p:spPr>
+        <p:txBody>
+          <a:bodyPr/>
+          <a:lstStyle/>
+          <a:p>
+            <a:pPr>
+              <a:defRPr/>
+            </a:pPr>
+            <a:fld id="{E3EBBCA1-BE45-46C8-848D-A53293ECE7DC}" type="slidenum">
+              <a:rPr lang="zh-TW" altLang="en-US" sz="1430"/>
+              <a:t>12</a:t>
+            </a:fld>
+            <a:endParaRPr lang="zh-TW" altLang="en-US" sz="1430" dirty="0"/>
           </a:p>
         </p:txBody>
       </p:sp>
@@ -5405,7 +5735,7 @@
         </p:nvSpPr>
         <p:spPr>
           <a:xfrm>
-            <a:off x="1187802" y="5213817"/>
+            <a:off x="2989287" y="5668402"/>
             <a:ext cx="3730625" cy="229870"/>
           </a:xfrm>
           <a:prstGeom prst="rect">
@@ -5417,41 +5747,15 @@
           <a:bodyPr wrap="none" rtlCol="0">
             <a:spAutoFit/>
           </a:bodyPr>
+          <a:lstStyle/>
           <a:p>
             <a:pPr algn="l"/>
             <a:r>
-              <a:rPr lang="en-US" altLang="zh-TW" sz="895">
+              <a:rPr lang="en-US" altLang="zh-TW" sz="895" dirty="0">
                 <a:sym typeface="+mn-ea"/>
               </a:rPr>
               <a:t>https://github.com/HRNet/HRNet-Semantic-Segmentation/tree/HRNet-OCR</a:t>
             </a:r>
-            <a:endParaRPr lang="en-US" altLang="zh-TW" sz="895">
-              <a:sym typeface="+mn-ea"/>
-            </a:endParaRPr>
-          </a:p>
-        </p:txBody>
-      </p:sp>
-      <p:sp>
-        <p:nvSpPr>
-          <p:cNvPr id="4" name="投影片編號版面配置區 3"/>
-          <p:cNvSpPr>
-            <a:spLocks noGrp="1"/>
-          </p:cNvSpPr>
-          <p:nvPr>
-            <p:ph type="sldNum" sz="quarter" idx="12"/>
-          </p:nvPr>
-        </p:nvSpPr>
-        <p:spPr/>
-        <p:txBody>
-          <a:bodyPr/>
-          <a:p>
-            <a:pPr>
-              <a:defRPr/>
-            </a:pPr>
-            <a:fld id="{E3EBBCA1-BE45-46C8-848D-A53293ECE7DC}" type="slidenum">
-              <a:rPr lang="zh-TW" altLang="en-US" sz="1430"/>
-            </a:fld>
-            <a:endParaRPr lang="zh-TW" altLang="en-US" sz="1430" dirty="0"/>
           </a:p>
         </p:txBody>
       </p:sp>
@@ -5464,14 +5768,14 @@
           <p:nvPr/>
         </p:nvPicPr>
         <p:blipFill>
-          <a:blip r:embed="rId1"/>
+          <a:blip r:embed="rId3"/>
           <a:stretch>
             <a:fillRect/>
           </a:stretch>
         </p:blipFill>
         <p:spPr>
           <a:xfrm>
-            <a:off x="2290504" y="3963040"/>
+            <a:off x="2284462" y="4430744"/>
             <a:ext cx="5140276" cy="1250919"/>
           </a:xfrm>
           <a:prstGeom prst="rect">
@@ -5479,6 +5783,57 @@
           </a:prstGeom>
         </p:spPr>
       </p:pic>
+      <p:sp>
+        <p:nvSpPr>
+          <p:cNvPr id="7" name="日期版面配置區 3">
+            <a:extLst>
+              <a:ext uri="{FF2B5EF4-FFF2-40B4-BE49-F238E27FC236}">
+                <a16:creationId xmlns:a16="http://schemas.microsoft.com/office/drawing/2014/main" id="{2E28BE41-6380-4282-ABCF-F800E82DEB3B}"/>
+              </a:ext>
+            </a:extLst>
+          </p:cNvPr>
+          <p:cNvSpPr>
+            <a:spLocks noGrp="1"/>
+          </p:cNvSpPr>
+          <p:nvPr>
+            <p:ph type="dt" sz="half" idx="10"/>
+          </p:nvPr>
+        </p:nvSpPr>
+        <p:spPr>
+          <a:xfrm>
+            <a:off x="486092" y="5673631"/>
+            <a:ext cx="2268432" cy="325908"/>
+          </a:xfrm>
+        </p:spPr>
+        <p:txBody>
+          <a:bodyPr/>
+          <a:lstStyle/>
+          <a:p>
+            <a:pPr>
+              <a:defRPr/>
+            </a:pPr>
+            <a:r>
+              <a:rPr lang="en-US" altLang="zh-TW" dirty="0">
+                <a:solidFill>
+                  <a:prstClr val="black">
+                    <a:lumMod val="65000"/>
+                    <a:lumOff val="35000"/>
+                  </a:prstClr>
+                </a:solidFill>
+              </a:rPr>
+              <a:t>PEGA Confidential.</a:t>
+            </a:r>
+            <a:endParaRPr lang="zh-TW" altLang="en-US" dirty="0">
+              <a:solidFill>
+                <a:prstClr val="black">
+                  <a:lumMod val="65000"/>
+                  <a:lumOff val="35000"/>
+                </a:prstClr>
+              </a:solidFill>
+            </a:endParaRPr>
+          </a:p>
+        </p:txBody>
+      </p:sp>
     </p:spTree>
   </p:cSld>
   <p:clrMapOvr>
@@ -5496,7 +5851,14 @@
         <p:cNvGrpSpPr/>
         <p:nvPr/>
       </p:nvGrpSpPr>
-      <p:grpSpPr/>
+      <p:grpSpPr>
+        <a:xfrm>
+          <a:off x="0" y="0"/>
+          <a:ext cx="0" cy="0"/>
+          <a:chOff x="0" y="0"/>
+          <a:chExt cx="0" cy="0"/>
+        </a:xfrm>
+      </p:grpSpPr>
       <p:sp>
         <p:nvSpPr>
           <p:cNvPr id="2" name="標題 1"/>
@@ -5510,6 +5872,7 @@
         <p:spPr/>
         <p:txBody>
           <a:bodyPr/>
+          <a:lstStyle/>
           <a:p>
             <a:r>
               <a:rPr lang="en-US" altLang="zh-TW">
@@ -5518,94 +5881,6 @@
               <a:t>Multi-Scale Attention Mechanism</a:t>
             </a:r>
             <a:endParaRPr lang="zh-TW" altLang="en-US"/>
-          </a:p>
-        </p:txBody>
-      </p:sp>
-      <p:sp>
-        <p:nvSpPr>
-          <p:cNvPr id="3" name="內容版面配置區 2"/>
-          <p:cNvSpPr>
-            <a:spLocks noGrp="1"/>
-          </p:cNvSpPr>
-          <p:nvPr>
-            <p:ph idx="1"/>
-          </p:nvPr>
-        </p:nvSpPr>
-        <p:spPr>
-          <a:xfrm>
-            <a:off x="1188085" y="2519976"/>
-            <a:ext cx="4013485" cy="2912766"/>
-          </a:xfrm>
-        </p:spPr>
-        <p:txBody>
-          <a:bodyPr/>
-          <a:p>
-            <a:r>
-              <a:rPr lang="en-US" altLang="zh-TW" sz="1785">
-                <a:sym typeface="+mn-ea"/>
-              </a:rPr>
-              <a:t>For the </a:t>
-            </a:r>
-            <a:r>
-              <a:rPr lang="en-US" altLang="zh-TW" sz="1785" b="1">
-                <a:sym typeface="+mn-ea"/>
-              </a:rPr>
-              <a:t>fine posts</a:t>
-            </a:r>
-            <a:r>
-              <a:rPr lang="en-US" altLang="zh-TW" sz="1785">
-                <a:sym typeface="+mn-ea"/>
-              </a:rPr>
-              <a:t> in the image on the left, very little of the posts are attended to by the 0.5x prediction, but a very strong attention signal is present in the 2.0x scale.</a:t>
-            </a:r>
-            <a:endParaRPr lang="en-US" altLang="zh-TW" sz="1785"/>
-          </a:p>
-          <a:p>
-            <a:r>
-              <a:rPr lang="en-US" altLang="zh-TW" sz="1785">
-                <a:sym typeface="+mn-ea"/>
-              </a:rPr>
-              <a:t>For the very </a:t>
-            </a:r>
-            <a:r>
-              <a:rPr lang="en-US" altLang="zh-TW" sz="1785" b="1">
-                <a:sym typeface="+mn-ea"/>
-              </a:rPr>
-              <a:t>large region</a:t>
-            </a:r>
-            <a:r>
-              <a:rPr lang="en-US" altLang="zh-TW" sz="1785">
-                <a:sym typeface="+mn-ea"/>
-              </a:rPr>
-              <a:t> on the right, the attention mechanism learns to most leverage the lower scale (0.5x) and very little of the erroneous 2.0x prediction.</a:t>
-            </a:r>
-            <a:endParaRPr lang="en-US" altLang="zh-TW" sz="1785">
-              <a:sym typeface="+mn-ea"/>
-            </a:endParaRPr>
-          </a:p>
-        </p:txBody>
-      </p:sp>
-      <p:sp>
-        <p:nvSpPr>
-          <p:cNvPr id="4" name="投影片編號版面配置區 3"/>
-          <p:cNvSpPr>
-            <a:spLocks noGrp="1"/>
-          </p:cNvSpPr>
-          <p:nvPr>
-            <p:ph type="sldNum" sz="quarter" idx="12"/>
-          </p:nvPr>
-        </p:nvSpPr>
-        <p:spPr/>
-        <p:txBody>
-          <a:bodyPr/>
-          <a:p>
-            <a:pPr>
-              <a:defRPr/>
-            </a:pPr>
-            <a:fld id="{E3EBBCA1-BE45-46C8-848D-A53293ECE7DC}" type="slidenum">
-              <a:rPr lang="zh-TW" altLang="en-US" sz="1430"/>
-            </a:fld>
-            <a:endParaRPr lang="zh-TW" altLang="en-US" sz="1430" dirty="0"/>
           </a:p>
         </p:txBody>
       </p:sp>
@@ -5622,15 +5897,47 @@
         <p:spPr/>
         <p:txBody>
           <a:bodyPr/>
+          <a:lstStyle/>
           <a:p>
             <a:pPr>
               <a:defRPr/>
             </a:pPr>
             <a:r>
-              <a:rPr lang="en-US" altLang="zh-TW" sz="1605"/>
+              <a:rPr lang="en-US" altLang="zh-TW" sz="1605" dirty="0"/>
               <a:t>PEGA Confidential.</a:t>
             </a:r>
             <a:endParaRPr lang="zh-TW" altLang="en-US" sz="1605" dirty="0"/>
+          </a:p>
+        </p:txBody>
+      </p:sp>
+      <p:sp>
+        <p:nvSpPr>
+          <p:cNvPr id="4" name="投影片編號版面配置區 3"/>
+          <p:cNvSpPr>
+            <a:spLocks noGrp="1"/>
+          </p:cNvSpPr>
+          <p:nvPr>
+            <p:ph type="sldNum" sz="quarter" idx="4294967295"/>
+          </p:nvPr>
+        </p:nvSpPr>
+        <p:spPr>
+          <a:xfrm>
+            <a:off x="7424738" y="5681663"/>
+            <a:ext cx="2297112" cy="327025"/>
+          </a:xfrm>
+        </p:spPr>
+        <p:txBody>
+          <a:bodyPr/>
+          <a:lstStyle/>
+          <a:p>
+            <a:pPr>
+              <a:defRPr/>
+            </a:pPr>
+            <a:fld id="{E3EBBCA1-BE45-46C8-848D-A53293ECE7DC}" type="slidenum">
+              <a:rPr lang="zh-TW" altLang="en-US" sz="1430"/>
+              <a:t>13</a:t>
+            </a:fld>
+            <a:endParaRPr lang="zh-TW" altLang="en-US" sz="1430" dirty="0"/>
           </a:p>
         </p:txBody>
       </p:sp>
@@ -5643,14 +5950,14 @@
           <p:nvPr/>
         </p:nvPicPr>
         <p:blipFill>
-          <a:blip r:embed="rId1"/>
+          <a:blip r:embed="rId3"/>
           <a:stretch>
             <a:fillRect/>
           </a:stretch>
         </p:blipFill>
         <p:spPr>
           <a:xfrm>
-            <a:off x="5201428" y="2519551"/>
+            <a:off x="3193831" y="2700660"/>
             <a:ext cx="3332337" cy="2913191"/>
           </a:xfrm>
           <a:prstGeom prst="rect">
@@ -5667,15 +5974,15 @@
           <p:nvPr/>
         </p:nvPicPr>
         <p:blipFill>
-          <a:blip r:embed="rId2"/>
+          <a:blip r:embed="rId4"/>
           <a:stretch>
             <a:fillRect/>
           </a:stretch>
         </p:blipFill>
         <p:spPr>
           <a:xfrm>
-            <a:off x="1188085" y="1354076"/>
-            <a:ext cx="4127411" cy="796349"/>
+            <a:off x="2268637" y="1332508"/>
+            <a:ext cx="4985619" cy="961933"/>
           </a:xfrm>
           <a:prstGeom prst="rect">
             <a:avLst/>
@@ -5684,189 +5991,116 @@
       </p:pic>
       <p:sp>
         <p:nvSpPr>
-          <p:cNvPr id="8" name="內容版面配置區 2"/>
-          <p:cNvSpPr>
-            <a:spLocks noGrp="1"/>
-          </p:cNvSpPr>
+          <p:cNvPr id="14" name="矩形 13">
+            <a:extLst>
+              <a:ext uri="{FF2B5EF4-FFF2-40B4-BE49-F238E27FC236}">
+                <a16:creationId xmlns:a16="http://schemas.microsoft.com/office/drawing/2014/main" id="{CC1F592E-3365-4B1A-AA49-79516F74C835}"/>
+              </a:ext>
+            </a:extLst>
+          </p:cNvPr>
+          <p:cNvSpPr/>
           <p:nvPr/>
         </p:nvSpPr>
         <p:spPr>
           <a:xfrm>
-            <a:off x="5314929" y="1044039"/>
-            <a:ext cx="3218836" cy="1416424"/>
+            <a:off x="4291965" y="1609756"/>
+            <a:ext cx="341871" cy="288032"/>
           </a:xfrm>
           <a:prstGeom prst="rect">
             <a:avLst/>
           </a:prstGeom>
           <a:noFill/>
-          <a:ln w="9525">
-            <a:noFill/>
-            <a:miter lim="800000"/>
+          <a:ln w="19050">
+            <a:solidFill>
+              <a:schemeClr val="accent2"/>
+            </a:solidFill>
           </a:ln>
         </p:spPr>
-        <p:txBody>
-          <a:bodyPr vert="horz" wrap="square" lIns="81618" tIns="40809" rIns="81618" bIns="40809" numCol="1" anchor="t" anchorCtr="0" compatLnSpc="1"/>
-          <a:lstStyle>
-            <a:lvl1pPr marL="268605" indent="-268605" algn="l" rtl="0" eaLnBrk="0" fontAlgn="base" hangingPunct="0">
-              <a:spcBef>
-                <a:spcPct val="20000"/>
-              </a:spcBef>
-              <a:spcAft>
-                <a:spcPct val="0"/>
-              </a:spcAft>
-              <a:buFont typeface="Arial" panose="020B0604020202020204" pitchFamily="34" charset="0"/>
-              <a:buChar char="•"/>
-              <a:defRPr lang="zh-TW" altLang="en-US" sz="2400" kern="1200" dirty="0" smtClean="0">
-                <a:solidFill>
-                  <a:schemeClr val="tx1"/>
-                </a:solidFill>
-                <a:latin typeface="+mn-lt"/>
-                <a:ea typeface="+mn-ea"/>
-                <a:cs typeface="+mn-cs"/>
-              </a:defRPr>
-            </a:lvl1pPr>
-            <a:lvl2pPr marL="725805" indent="-268605" algn="l" rtl="0" eaLnBrk="0" fontAlgn="base" hangingPunct="0">
-              <a:spcBef>
-                <a:spcPct val="20000"/>
-              </a:spcBef>
-              <a:spcAft>
-                <a:spcPct val="0"/>
-              </a:spcAft>
-              <a:buFont typeface="Arial" panose="020B0604020202020204" pitchFamily="34" charset="0"/>
-              <a:buChar char="–"/>
-              <a:defRPr lang="zh-TW" altLang="en-US" sz="2000" kern="1200" dirty="0" smtClean="0">
-                <a:solidFill>
-                  <a:schemeClr val="tx1"/>
-                </a:solidFill>
-                <a:latin typeface="+mn-lt"/>
-                <a:ea typeface="+mn-ea"/>
-                <a:cs typeface="+mn-cs"/>
-              </a:defRPr>
-            </a:lvl2pPr>
-            <a:lvl3pPr marL="1143000" indent="-228600" algn="l" rtl="0" eaLnBrk="0" fontAlgn="base" hangingPunct="0">
-              <a:spcBef>
-                <a:spcPct val="20000"/>
-              </a:spcBef>
-              <a:spcAft>
-                <a:spcPct val="0"/>
-              </a:spcAft>
-              <a:buFont typeface="Arial" panose="020B0604020202020204" pitchFamily="34" charset="0"/>
-              <a:buChar char="•"/>
-              <a:defRPr lang="zh-TW" altLang="en-US" sz="1800" kern="1200" dirty="0" smtClean="0">
-                <a:solidFill>
-                  <a:schemeClr val="tx1"/>
-                </a:solidFill>
-                <a:latin typeface="+mn-lt"/>
-                <a:ea typeface="+mn-ea"/>
-                <a:cs typeface="+mn-cs"/>
-              </a:defRPr>
-            </a:lvl3pPr>
-            <a:lvl4pPr marL="1600200" indent="-228600" algn="l" rtl="0" eaLnBrk="0" fontAlgn="base" hangingPunct="0">
-              <a:spcBef>
-                <a:spcPct val="20000"/>
-              </a:spcBef>
-              <a:spcAft>
-                <a:spcPct val="0"/>
-              </a:spcAft>
-              <a:buFont typeface="Arial" panose="020B0604020202020204" pitchFamily="34" charset="0"/>
-              <a:buChar char="–"/>
-              <a:defRPr lang="zh-TW" altLang="en-US" sz="1600" kern="1200" dirty="0" smtClean="0">
-                <a:solidFill>
-                  <a:schemeClr val="tx1"/>
-                </a:solidFill>
-                <a:latin typeface="+mn-lt"/>
-                <a:ea typeface="+mn-ea"/>
-                <a:cs typeface="+mn-cs"/>
-              </a:defRPr>
-            </a:lvl4pPr>
-            <a:lvl5pPr marL="2057400" indent="-228600" algn="l" rtl="0" eaLnBrk="0" fontAlgn="base" hangingPunct="0">
-              <a:spcBef>
-                <a:spcPct val="20000"/>
-              </a:spcBef>
-              <a:spcAft>
-                <a:spcPct val="0"/>
-              </a:spcAft>
-              <a:buFont typeface="Arial" panose="020B0604020202020204" pitchFamily="34" charset="0"/>
-              <a:buChar char="»"/>
-              <a:defRPr lang="zh-TW" altLang="en-US" sz="1600" kern="1200" dirty="0">
-                <a:solidFill>
-                  <a:schemeClr val="tx1"/>
-                </a:solidFill>
-                <a:latin typeface="+mn-lt"/>
-                <a:ea typeface="+mn-ea"/>
-                <a:cs typeface="+mn-cs"/>
-              </a:defRPr>
-            </a:lvl5pPr>
-            <a:lvl6pPr marL="2514600" indent="-228600" algn="l" defTabSz="914400" rtl="0" eaLnBrk="1" latinLnBrk="0" hangingPunct="1">
-              <a:spcBef>
-                <a:spcPct val="20000"/>
-              </a:spcBef>
-              <a:buFont typeface="Arial" panose="020B0604020202020204" pitchFamily="34" charset="0"/>
-              <a:buChar char="•"/>
-              <a:defRPr sz="2000" kern="1200">
-                <a:solidFill>
-                  <a:schemeClr val="tx1"/>
-                </a:solidFill>
-                <a:latin typeface="+mn-lt"/>
-                <a:ea typeface="+mn-ea"/>
-                <a:cs typeface="+mn-cs"/>
-              </a:defRPr>
-            </a:lvl6pPr>
-            <a:lvl7pPr marL="2971800" indent="-228600" algn="l" defTabSz="914400" rtl="0" eaLnBrk="1" latinLnBrk="0" hangingPunct="1">
-              <a:spcBef>
-                <a:spcPct val="20000"/>
-              </a:spcBef>
-              <a:buFont typeface="Arial" panose="020B0604020202020204" pitchFamily="34" charset="0"/>
-              <a:buChar char="•"/>
-              <a:defRPr sz="2000" kern="1200">
-                <a:solidFill>
-                  <a:schemeClr val="tx1"/>
-                </a:solidFill>
-                <a:latin typeface="+mn-lt"/>
-                <a:ea typeface="+mn-ea"/>
-                <a:cs typeface="+mn-cs"/>
-              </a:defRPr>
-            </a:lvl7pPr>
-            <a:lvl8pPr marL="3429000" indent="-228600" algn="l" defTabSz="914400" rtl="0" eaLnBrk="1" latinLnBrk="0" hangingPunct="1">
-              <a:spcBef>
-                <a:spcPct val="20000"/>
-              </a:spcBef>
-              <a:buFont typeface="Arial" panose="020B0604020202020204" pitchFamily="34" charset="0"/>
-              <a:buChar char="•"/>
-              <a:defRPr sz="2000" kern="1200">
-                <a:solidFill>
-                  <a:schemeClr val="tx1"/>
-                </a:solidFill>
-                <a:latin typeface="+mn-lt"/>
-                <a:ea typeface="+mn-ea"/>
-                <a:cs typeface="+mn-cs"/>
-              </a:defRPr>
-            </a:lvl8pPr>
-            <a:lvl9pPr marL="3886200" indent="-228600" algn="l" defTabSz="914400" rtl="0" eaLnBrk="1" latinLnBrk="0" hangingPunct="1">
-              <a:spcBef>
-                <a:spcPct val="20000"/>
-              </a:spcBef>
-              <a:buFont typeface="Arial" panose="020B0604020202020204" pitchFamily="34" charset="0"/>
-              <a:buChar char="•"/>
-              <a:defRPr sz="2000" kern="1200">
-                <a:solidFill>
-                  <a:schemeClr val="tx1"/>
-                </a:solidFill>
-                <a:latin typeface="+mn-lt"/>
-                <a:ea typeface="+mn-ea"/>
-                <a:cs typeface="+mn-cs"/>
-              </a:defRPr>
-            </a:lvl9pPr>
-          </a:lstStyle>
-          <a:p>
-            <a:r>
-              <a:rPr lang="en-US" altLang="zh-TW" sz="1785">
-                <a:sym typeface="+mn-ea"/>
-              </a:rPr>
-              <a:t>Adding 0.25x scale causes a 0.7 reduction in IOU for baseline method, whereas boosts accuracy by 0.6 IOU for multi-scale method.</a:t>
-            </a:r>
-            <a:endParaRPr lang="en-US" altLang="zh-TW" sz="1785">
-              <a:sym typeface="+mn-ea"/>
+        <p:style>
+          <a:lnRef idx="2">
+            <a:schemeClr val="accent1">
+              <a:shade val="50000"/>
+            </a:schemeClr>
+          </a:lnRef>
+          <a:fillRef idx="1">
+            <a:schemeClr val="accent1"/>
+          </a:fillRef>
+          <a:effectRef idx="0">
+            <a:schemeClr val="accent1"/>
+          </a:effectRef>
+          <a:fontRef idx="minor">
+            <a:schemeClr val="lt1"/>
+          </a:fontRef>
+        </p:style>
+        <p:txBody>
+          <a:bodyPr rot="0" spcFirstLastPara="0" vertOverflow="overflow" horzOverflow="overflow" vert="horz" wrap="square" lIns="91440" tIns="45720" rIns="91440" bIns="45720" numCol="1" spcCol="0" rtlCol="0" fromWordArt="0" anchor="ctr" anchorCtr="0" forceAA="0" compatLnSpc="1">
+            <a:noAutofit/>
+          </a:bodyPr>
+          <a:lstStyle/>
+          <a:p>
+            <a:pPr algn="ctr"/>
+            <a:endParaRPr lang="en-US" dirty="0">
+              <a:solidFill>
+                <a:schemeClr val="tx1"/>
+              </a:solidFill>
+            </a:endParaRPr>
+          </a:p>
+        </p:txBody>
+      </p:sp>
+      <p:sp>
+        <p:nvSpPr>
+          <p:cNvPr id="16" name="矩形 15">
+            <a:extLst>
+              <a:ext uri="{FF2B5EF4-FFF2-40B4-BE49-F238E27FC236}">
+                <a16:creationId xmlns:a16="http://schemas.microsoft.com/office/drawing/2014/main" id="{9AEA6257-66F7-47C2-A802-3F728410B6B1}"/>
+              </a:ext>
+            </a:extLst>
+          </p:cNvPr>
+          <p:cNvSpPr/>
+          <p:nvPr/>
+        </p:nvSpPr>
+        <p:spPr>
+          <a:xfrm>
+            <a:off x="4291964" y="2005560"/>
+            <a:ext cx="341871" cy="288032"/>
+          </a:xfrm>
+          <a:prstGeom prst="rect">
+            <a:avLst/>
+          </a:prstGeom>
+          <a:noFill/>
+          <a:ln w="19050">
+            <a:solidFill>
+              <a:schemeClr val="accent6"/>
+            </a:solidFill>
+          </a:ln>
+        </p:spPr>
+        <p:style>
+          <a:lnRef idx="2">
+            <a:schemeClr val="accent1">
+              <a:shade val="50000"/>
+            </a:schemeClr>
+          </a:lnRef>
+          <a:fillRef idx="1">
+            <a:schemeClr val="accent1"/>
+          </a:fillRef>
+          <a:effectRef idx="0">
+            <a:schemeClr val="accent1"/>
+          </a:effectRef>
+          <a:fontRef idx="minor">
+            <a:schemeClr val="lt1"/>
+          </a:fontRef>
+        </p:style>
+        <p:txBody>
+          <a:bodyPr rot="0" spcFirstLastPara="0" vertOverflow="overflow" horzOverflow="overflow" vert="horz" wrap="square" lIns="91440" tIns="45720" rIns="91440" bIns="45720" numCol="1" spcCol="0" rtlCol="0" fromWordArt="0" anchor="ctr" anchorCtr="0" forceAA="0" compatLnSpc="1">
+            <a:noAutofit/>
+          </a:bodyPr>
+          <a:lstStyle/>
+          <a:p>
+            <a:pPr algn="ctr"/>
+            <a:endParaRPr lang="en-US" dirty="0">
+              <a:solidFill>
+                <a:schemeClr val="tx1"/>
+              </a:solidFill>
             </a:endParaRPr>
           </a:p>
         </p:txBody>
@@ -5888,7 +6122,14 @@
         <p:cNvGrpSpPr/>
         <p:nvPr/>
       </p:nvGrpSpPr>
-      <p:grpSpPr/>
+      <p:grpSpPr>
+        <a:xfrm>
+          <a:off x="0" y="0"/>
+          <a:ext cx="0" cy="0"/>
+          <a:chOff x="0" y="0"/>
+          <a:chExt cx="0" cy="0"/>
+        </a:xfrm>
+      </p:grpSpPr>
       <p:sp>
         <p:nvSpPr>
           <p:cNvPr id="2" name="標題 1"/>
@@ -5902,12 +6143,12 @@
         <p:spPr/>
         <p:txBody>
           <a:bodyPr/>
+          <a:lstStyle/>
           <a:p>
             <a:r>
               <a:rPr lang="en-US" altLang="zh-TW"/>
               <a:t>Auto-Labelling on Cityscapes</a:t>
             </a:r>
-            <a:endParaRPr lang="en-US" altLang="zh-TW"/>
           </a:p>
         </p:txBody>
       </p:sp>
@@ -5924,66 +6165,76 @@
         <p:spPr/>
         <p:txBody>
           <a:bodyPr/>
-          <a:p>
-            <a:r>
-              <a:rPr lang="en-US" altLang="zh-TW" sz="1785"/>
-              <a:t>There 20,000 coarsely labelled images to go along with the 3,500 finely labelled images.</a:t>
-            </a:r>
-            <a:endParaRPr lang="en-US" altLang="zh-TW" sz="1785"/>
-          </a:p>
-          <a:p>
-            <a:r>
-              <a:rPr lang="en-US" altLang="zh-TW" sz="1785"/>
+          <a:lstStyle/>
+          <a:p>
+            <a:endParaRPr lang="en-US" altLang="zh-TW" sz="1785" dirty="0"/>
+          </a:p>
+          <a:p>
+            <a:endParaRPr lang="en-US" altLang="zh-TW" sz="1785" dirty="0"/>
+          </a:p>
+          <a:p>
+            <a:endParaRPr lang="en-US" altLang="zh-TW" sz="1785" dirty="0"/>
+          </a:p>
+          <a:p>
+            <a:endParaRPr lang="en-US" altLang="zh-TW" sz="1785" dirty="0"/>
+          </a:p>
+          <a:p>
+            <a:endParaRPr lang="en-US" altLang="zh-TW" sz="1785" dirty="0"/>
+          </a:p>
+          <a:p>
+            <a:endParaRPr lang="en-US" altLang="zh-TW" sz="1785" dirty="0"/>
+          </a:p>
+          <a:p>
+            <a:r>
+              <a:rPr lang="en-US" altLang="zh-TW" sz="1785" dirty="0"/>
               <a:t>A</a:t>
             </a:r>
             <a:r>
-              <a:rPr lang="zh-TW" altLang="en-US" sz="1785"/>
+              <a:rPr lang="zh-TW" altLang="en-US" sz="1785" dirty="0"/>
               <a:t> teacher network provides a target </a:t>
             </a:r>
             <a:r>
-              <a:rPr lang="zh-TW" altLang="en-US" sz="1785" b="1"/>
+              <a:rPr lang="zh-TW" altLang="en-US" sz="1785" b="1" dirty="0"/>
               <a:t>probability</a:t>
             </a:r>
             <a:r>
-              <a:rPr lang="zh-TW" altLang="en-US" sz="1785"/>
+              <a:rPr lang="zh-TW" altLang="en-US" sz="1785" dirty="0"/>
               <a:t> for each of N classes for every pixel of every image</a:t>
             </a:r>
             <a:r>
-              <a:rPr lang="en-US" altLang="zh-TW" sz="1785"/>
+              <a:rPr lang="en-US" altLang="zh-TW" sz="1785" dirty="0"/>
               <a:t>. </a:t>
             </a:r>
             <a:r>
-              <a:rPr lang="zh-TW" altLang="en-US" sz="1785"/>
+              <a:rPr lang="zh-TW" altLang="en-US" sz="1785" dirty="0"/>
               <a:t>Teacher predictions that exceed the </a:t>
             </a:r>
             <a:r>
-              <a:rPr lang="zh-TW" altLang="en-US" sz="1785" b="1"/>
+              <a:rPr lang="zh-TW" altLang="en-US" sz="1785" b="1" dirty="0"/>
               <a:t>threshold</a:t>
             </a:r>
             <a:r>
-              <a:rPr lang="zh-TW" altLang="en-US" sz="1785"/>
+              <a:rPr lang="zh-TW" altLang="en-US" sz="1785" dirty="0"/>
               <a:t> become true labels, otherwise the pixel is labelled as ignore class. In practice we use a threshold of 0.9</a:t>
             </a:r>
             <a:r>
-              <a:rPr lang="en-US" altLang="zh-TW" sz="1785"/>
+              <a:rPr lang="en-US" altLang="zh-TW" sz="1785" dirty="0"/>
               <a:t>.</a:t>
             </a:r>
-            <a:endParaRPr lang="en-US" altLang="zh-TW" sz="1785"/>
-          </a:p>
-          <a:p>
-            <a:r>
-              <a:rPr lang="en-US" altLang="zh-TW" sz="1785"/>
+          </a:p>
+          <a:p>
+            <a:r>
+              <a:rPr lang="en-US" altLang="zh-TW" sz="1785" dirty="0"/>
               <a:t>Perform a </a:t>
             </a:r>
             <a:r>
-              <a:rPr lang="en-US" altLang="zh-TW" sz="1785" b="1"/>
+              <a:rPr lang="en-US" altLang="zh-TW" sz="1785" b="1" dirty="0"/>
               <a:t>single iteration</a:t>
             </a:r>
             <a:r>
-              <a:rPr lang="en-US" altLang="zh-TW" sz="1785"/>
+              <a:rPr lang="en-US" altLang="zh-TW" sz="1785" dirty="0"/>
               <a:t> of full training of our teacher model with the default coarse and fine labelled provided images</a:t>
             </a:r>
-            <a:endParaRPr lang="en-US" altLang="zh-TW" sz="1785"/>
           </a:p>
         </p:txBody>
       </p:sp>
@@ -5994,18 +6245,25 @@
             <a:spLocks noGrp="1"/>
           </p:cNvSpPr>
           <p:nvPr>
-            <p:ph type="sldNum" sz="quarter" idx="12"/>
+            <p:ph type="sldNum" sz="quarter" idx="4294967295"/>
           </p:nvPr>
         </p:nvSpPr>
-        <p:spPr/>
+        <p:spPr>
+          <a:xfrm>
+            <a:off x="7424738" y="5681663"/>
+            <a:ext cx="2297112" cy="327025"/>
+          </a:xfrm>
+        </p:spPr>
         <p:txBody>
           <a:bodyPr/>
+          <a:lstStyle/>
           <a:p>
             <a:pPr>
               <a:defRPr/>
             </a:pPr>
             <a:fld id="{E3EBBCA1-BE45-46C8-848D-A53293ECE7DC}" type="slidenum">
               <a:rPr lang="zh-TW" altLang="en-US" sz="1430"/>
+              <a:t>14</a:t>
             </a:fld>
             <a:endParaRPr lang="zh-TW" altLang="en-US" sz="1430" dirty="0"/>
           </a:p>
@@ -6020,15 +6278,15 @@
           <p:nvPr/>
         </p:nvPicPr>
         <p:blipFill>
-          <a:blip r:embed="rId1"/>
+          <a:blip r:embed="rId3"/>
           <a:stretch>
             <a:fillRect/>
           </a:stretch>
         </p:blipFill>
         <p:spPr>
           <a:xfrm>
-            <a:off x="1188085" y="3693245"/>
-            <a:ext cx="4427813" cy="1554722"/>
+            <a:off x="2172414" y="900460"/>
+            <a:ext cx="5375170" cy="1887364"/>
           </a:xfrm>
           <a:prstGeom prst="rect">
             <a:avLst/>
@@ -6044,14 +6302,14 @@
           <p:nvPr/>
         </p:nvPicPr>
         <p:blipFill>
-          <a:blip r:embed="rId2"/>
+          <a:blip r:embed="rId4"/>
           <a:stretch>
             <a:fillRect/>
           </a:stretch>
         </p:blipFill>
         <p:spPr>
           <a:xfrm>
-            <a:off x="5922534" y="4028788"/>
+            <a:off x="3448676" y="4544095"/>
             <a:ext cx="2822646" cy="883635"/>
           </a:xfrm>
           <a:prstGeom prst="rect">
@@ -6059,6 +6317,43 @@
           </a:prstGeom>
         </p:spPr>
       </p:pic>
+      <p:sp>
+        <p:nvSpPr>
+          <p:cNvPr id="7" name="日期版面配置區 4">
+            <a:extLst>
+              <a:ext uri="{FF2B5EF4-FFF2-40B4-BE49-F238E27FC236}">
+                <a16:creationId xmlns:a16="http://schemas.microsoft.com/office/drawing/2014/main" id="{28A4633D-8CED-431A-9596-524D37B15995}"/>
+              </a:ext>
+            </a:extLst>
+          </p:cNvPr>
+          <p:cNvSpPr>
+            <a:spLocks noGrp="1"/>
+          </p:cNvSpPr>
+          <p:nvPr>
+            <p:ph type="dt" sz="half" idx="10"/>
+          </p:nvPr>
+        </p:nvSpPr>
+        <p:spPr>
+          <a:xfrm>
+            <a:off x="486092" y="5673631"/>
+            <a:ext cx="2268432" cy="325908"/>
+          </a:xfrm>
+        </p:spPr>
+        <p:txBody>
+          <a:bodyPr/>
+          <a:lstStyle/>
+          <a:p>
+            <a:pPr>
+              <a:defRPr/>
+            </a:pPr>
+            <a:r>
+              <a:rPr lang="en-US" altLang="zh-TW" sz="1605" dirty="0"/>
+              <a:t>PEGA Confidential.</a:t>
+            </a:r>
+            <a:endParaRPr lang="zh-TW" altLang="en-US" sz="1605" dirty="0"/>
+          </a:p>
+        </p:txBody>
+      </p:sp>
     </p:spTree>
   </p:cSld>
   <p:clrMapOvr>
@@ -6076,7 +6371,14 @@
         <p:cNvGrpSpPr/>
         <p:nvPr/>
       </p:nvGrpSpPr>
-      <p:grpSpPr/>
+      <p:grpSpPr>
+        <a:xfrm>
+          <a:off x="0" y="0"/>
+          <a:ext cx="0" cy="0"/>
+          <a:chOff x="0" y="0"/>
+          <a:chExt cx="0" cy="0"/>
+        </a:xfrm>
+      </p:grpSpPr>
       <p:sp>
         <p:nvSpPr>
           <p:cNvPr id="2" name="標題 1"/>
@@ -6092,12 +6394,12 @@
           <a:bodyPr>
             <a:normAutofit/>
           </a:bodyPr>
+          <a:lstStyle/>
           <a:p>
             <a:r>
               <a:rPr lang="en-US" altLang="zh-TW"/>
               <a:t>Training Strategy</a:t>
             </a:r>
-            <a:endParaRPr lang="en-US" altLang="zh-TW"/>
           </a:p>
         </p:txBody>
       </p:sp>
@@ -6116,133 +6418,143 @@
           <a:bodyPr>
             <a:normAutofit fontScale="90000"/>
           </a:bodyPr>
-          <a:p>
-            <a:r>
-              <a:rPr lang="en-US" altLang="zh-TW"/>
-              <a:t>Optimization: </a:t>
-            </a:r>
-            <a:endParaRPr lang="en-US" altLang="zh-TW"/>
+          <a:lstStyle/>
+          <a:p>
+            <a:r>
+              <a:rPr lang="en-US" altLang="zh-TW" sz="2700" dirty="0"/>
+              <a:t>Optimization:</a:t>
+            </a:r>
+            <a:r>
+              <a:rPr lang="en-US" altLang="zh-TW" dirty="0"/>
+              <a:t> </a:t>
+            </a:r>
           </a:p>
           <a:p>
             <a:pPr lvl="1"/>
             <a:r>
-              <a:rPr lang="en-US" altLang="zh-TW"/>
+              <a:rPr lang="en-US" altLang="zh-TW" sz="2200" dirty="0"/>
               <a:t>SGD, Batch size=8, Momentum=0.9, Weight decay=5</a:t>
             </a:r>
             <a:r>
-              <a:rPr lang="en-US" altLang="zh-TW" i="1"/>
+              <a:rPr lang="en-US" altLang="zh-TW" sz="2200" i="1" dirty="0"/>
               <a:t>e</a:t>
             </a:r>
             <a:r>
-              <a:rPr lang="en-US" altLang="zh-TW" baseline="30000"/>
+              <a:rPr lang="en-US" altLang="zh-TW" sz="2200" baseline="30000" dirty="0"/>
               <a:t>-4</a:t>
             </a:r>
             <a:r>
-              <a:rPr lang="en-US" altLang="zh-TW"/>
+              <a:rPr lang="en-US" altLang="zh-TW" sz="2200" dirty="0"/>
               <a:t> (L2 penalty)</a:t>
             </a:r>
-            <a:endParaRPr lang="en-US" altLang="zh-TW"/>
-          </a:p>
-          <a:p>
-            <a:r>
-              <a:rPr lang="en-US" altLang="zh-TW"/>
+          </a:p>
+          <a:p>
+            <a:r>
+              <a:rPr lang="en-US" altLang="zh-TW" sz="2700" dirty="0"/>
               <a:t>Learning rate Scheduling: (</a:t>
             </a:r>
             <a:r>
-              <a:rPr lang="en-US" altLang="zh-TW">
+              <a:rPr lang="en-US" altLang="zh-TW" sz="2700" dirty="0">
                 <a:sym typeface="+mn-ea"/>
               </a:rPr>
               <a:t>Polynomial policy)</a:t>
             </a:r>
-            <a:endParaRPr lang="en-US" altLang="zh-TW"/>
+            <a:endParaRPr lang="en-US" altLang="zh-TW" sz="2700" dirty="0"/>
           </a:p>
           <a:p>
             <a:pPr lvl="1"/>
             <a:r>
-              <a:rPr lang="en-US" altLang="zh-TW">
+              <a:rPr lang="en-US" altLang="zh-TW" sz="2200" dirty="0">
                 <a:sym typeface="+mn-ea"/>
               </a:rPr>
               <a:t>Cityscapes: p</a:t>
             </a:r>
             <a:r>
-              <a:rPr lang="en-US" altLang="zh-TW"/>
+              <a:rPr lang="en-US" altLang="zh-TW" sz="2200" dirty="0"/>
               <a:t>oly exponent=2.0, learning rate=0.01, epochs=175</a:t>
             </a:r>
-            <a:endParaRPr lang="en-US" altLang="zh-TW"/>
           </a:p>
           <a:p>
             <a:pPr lvl="1"/>
             <a:r>
-              <a:rPr lang="en-US" altLang="zh-TW">
+              <a:rPr lang="en-US" altLang="zh-TW" sz="2200" dirty="0" err="1">
                 <a:sym typeface="+mn-ea"/>
               </a:rPr>
-              <a:t>Mapillary: poly exponent=</a:t>
-            </a:r>
-            <a:r>
-              <a:rPr lang="en-US" altLang="zh-TW"/>
+              <a:t>Mapillary</a:t>
+            </a:r>
+            <a:r>
+              <a:rPr lang="en-US" altLang="zh-TW" sz="2200" dirty="0">
+                <a:sym typeface="+mn-ea"/>
+              </a:rPr>
+              <a:t>: poly exponent=</a:t>
+            </a:r>
+            <a:r>
+              <a:rPr lang="en-US" altLang="zh-TW" sz="2200" dirty="0"/>
               <a:t>1.0, </a:t>
             </a:r>
             <a:r>
-              <a:rPr lang="en-US" altLang="zh-TW">
+              <a:rPr lang="en-US" altLang="zh-TW" sz="2200" dirty="0">
                 <a:sym typeface="+mn-ea"/>
               </a:rPr>
               <a:t>learning rate=0.02, epochs=200</a:t>
             </a:r>
-            <a:endParaRPr lang="en-US" altLang="zh-TW"/>
+            <a:endParaRPr lang="en-US" altLang="zh-TW" sz="2200" dirty="0"/>
           </a:p>
           <a:p>
             <a:pPr lvl="0"/>
             <a:r>
-              <a:rPr lang="en-US" altLang="zh-TW"/>
-              <a:t>Loss: </a:t>
-            </a:r>
-            <a:endParaRPr lang="en-US" altLang="zh-TW"/>
+              <a:rPr lang="en-US" altLang="zh-TW" sz="2700" dirty="0"/>
+              <a:t>Loss:</a:t>
+            </a:r>
+            <a:r>
+              <a:rPr lang="en-US" altLang="zh-TW" dirty="0"/>
+              <a:t> </a:t>
+            </a:r>
           </a:p>
           <a:p>
             <a:pPr lvl="1"/>
             <a:r>
-              <a:rPr lang="en-US" altLang="zh-TW"/>
+              <a:rPr lang="en-US" altLang="zh-TW" sz="2200" dirty="0"/>
               <a:t>Primary: regional mutual information (RMI)</a:t>
             </a:r>
-            <a:endParaRPr lang="en-US" altLang="zh-TW"/>
-          </a:p>
-          <a:p>
-            <a:pPr lvl="2"/>
-            <a:r>
-              <a:rPr lang="en-US" altLang="zh-TW"/>
-              <a:t>https://papers.nips.cc/paper/9291-region-mutual-information-loss-for-semantic-segmentation.pdf</a:t>
-            </a:r>
-            <a:endParaRPr lang="en-US" altLang="zh-TW"/>
           </a:p>
           <a:p>
             <a:pPr lvl="1"/>
             <a:r>
-              <a:rPr lang="en-US" altLang="zh-TW" sz="1605"/>
-              <a:t>Auxiliary: cross-entropy	</a:t>
-            </a:r>
-            <a:endParaRPr lang="en-US" altLang="zh-TW"/>
-          </a:p>
-          <a:p>
-            <a:r>
-              <a:rPr lang="en-US" altLang="zh-TW"/>
-              <a:t>Data loader: class uniform sampling</a:t>
-            </a:r>
-            <a:endParaRPr lang="en-US" altLang="zh-TW"/>
-          </a:p>
-          <a:p>
-            <a:r>
-              <a:rPr lang="en-US" altLang="zh-TW"/>
+              <a:rPr lang="en-US" altLang="zh-TW" sz="2200" dirty="0"/>
+              <a:t>Auxiliary: cross-entropy</a:t>
+            </a:r>
+            <a:r>
+              <a:rPr lang="en-US" altLang="zh-TW" sz="1605" dirty="0"/>
+              <a:t>	</a:t>
+            </a:r>
+            <a:endParaRPr lang="en-US" altLang="zh-TW" dirty="0"/>
+          </a:p>
+          <a:p>
+            <a:r>
+              <a:rPr lang="en-US" altLang="zh-TW" sz="2700" dirty="0"/>
+              <a:t>Data loader: </a:t>
+            </a:r>
+          </a:p>
+          <a:p>
+            <a:pPr lvl="1"/>
+            <a:r>
+              <a:rPr lang="en-US" altLang="zh-TW" sz="2200" b="0" dirty="0"/>
+              <a:t>class uniform sampling</a:t>
+            </a:r>
+          </a:p>
+          <a:p>
+            <a:r>
+              <a:rPr lang="en-US" altLang="zh-TW" sz="2700" dirty="0"/>
               <a:t>Data augmentation: </a:t>
             </a:r>
-            <a:endParaRPr lang="en-US" altLang="zh-TW"/>
           </a:p>
           <a:p>
             <a:pPr lvl="1"/>
             <a:r>
-              <a:rPr lang="en-US" altLang="zh-TW"/>
+              <a:rPr lang="en-US" altLang="zh-TW" sz="2200" dirty="0"/>
               <a:t>Gaussian blur, color augmentation, random horizontal flip and random scaling</a:t>
             </a:r>
-            <a:endParaRPr lang="en-US" altLang="zh-TW"/>
           </a:p>
         </p:txBody>
       </p:sp>
@@ -6253,20 +6565,64 @@
             <a:spLocks noGrp="1"/>
           </p:cNvSpPr>
           <p:nvPr>
-            <p:ph type="sldNum" sz="quarter" idx="12"/>
+            <p:ph type="sldNum" sz="quarter" idx="4294967295"/>
           </p:nvPr>
         </p:nvSpPr>
-        <p:spPr/>
+        <p:spPr>
+          <a:xfrm>
+            <a:off x="7424738" y="5681663"/>
+            <a:ext cx="2297112" cy="327025"/>
+          </a:xfrm>
+        </p:spPr>
         <p:txBody>
           <a:bodyPr/>
+          <a:lstStyle/>
           <a:p>
             <a:pPr>
               <a:defRPr/>
             </a:pPr>
             <a:fld id="{E3EBBCA1-BE45-46C8-848D-A53293ECE7DC}" type="slidenum">
               <a:rPr lang="zh-TW" altLang="en-US" sz="1430"/>
+              <a:t>15</a:t>
             </a:fld>
             <a:endParaRPr lang="zh-TW" altLang="en-US" sz="1430" dirty="0"/>
+          </a:p>
+        </p:txBody>
+      </p:sp>
+      <p:sp>
+        <p:nvSpPr>
+          <p:cNvPr id="5" name="日期版面配置區 4">
+            <a:extLst>
+              <a:ext uri="{FF2B5EF4-FFF2-40B4-BE49-F238E27FC236}">
+                <a16:creationId xmlns:a16="http://schemas.microsoft.com/office/drawing/2014/main" id="{74E21A0A-5156-4E9F-859D-C6EB8F020B2A}"/>
+              </a:ext>
+            </a:extLst>
+          </p:cNvPr>
+          <p:cNvSpPr>
+            <a:spLocks noGrp="1"/>
+          </p:cNvSpPr>
+          <p:nvPr>
+            <p:ph type="dt" sz="half" idx="10"/>
+          </p:nvPr>
+        </p:nvSpPr>
+        <p:spPr>
+          <a:xfrm>
+            <a:off x="486092" y="5673631"/>
+            <a:ext cx="2268432" cy="325908"/>
+          </a:xfrm>
+        </p:spPr>
+        <p:txBody>
+          <a:bodyPr/>
+          <a:lstStyle/>
+          <a:p>
+            <a:pPr>
+              <a:defRPr/>
+            </a:pPr>
+            <a:r>
+              <a:rPr lang="en-US" altLang="zh-TW" sz="1605" dirty="0"/>
+              <a:t>PEGA Confidential.</a:t>
+            </a:r>
+            <a:endParaRPr lang="zh-TW" altLang="en-US" sz="1605" dirty="0"/>
           </a:p>
         </p:txBody>
       </p:sp>
@@ -6287,7 +6643,14 @@
         <p:cNvGrpSpPr/>
         <p:nvPr/>
       </p:nvGrpSpPr>
-      <p:grpSpPr/>
+      <p:grpSpPr>
+        <a:xfrm>
+          <a:off x="0" y="0"/>
+          <a:ext cx="0" cy="0"/>
+          <a:chOff x="0" y="0"/>
+          <a:chExt cx="0" cy="0"/>
+        </a:xfrm>
+      </p:grpSpPr>
       <p:sp>
         <p:nvSpPr>
           <p:cNvPr id="2" name="標題 1"/>
@@ -6301,6 +6664,7 @@
         <p:spPr/>
         <p:txBody>
           <a:bodyPr/>
+          <a:lstStyle/>
           <a:p>
             <a:r>
               <a:rPr lang="en-US" altLang="zh-TW">
@@ -6325,94 +6689,58 @@
         <p:spPr/>
         <p:txBody>
           <a:bodyPr/>
-          <a:p>
-            <a:r>
-              <a:rPr lang="en-US" altLang="zh-TW"/>
+          <a:lstStyle/>
+          <a:p>
+            <a:r>
+              <a:rPr lang="en-US" altLang="zh-TW" sz="2400" dirty="0"/>
               <a:t>Problem:</a:t>
             </a:r>
-            <a:endParaRPr lang="en-US" altLang="zh-TW"/>
           </a:p>
           <a:p>
             <a:pPr lvl="1"/>
             <a:r>
-              <a:rPr lang="en-US" altLang="zh-TW"/>
-              <a:t>Some approaches treat semantic segmentation as a </a:t>
-            </a:r>
-            <a:r>
-              <a:rPr lang="en-US" altLang="zh-TW" b="1"/>
-              <a:t>pixel-wise classification problem</a:t>
-            </a:r>
-            <a:r>
-              <a:rPr lang="en-US" altLang="zh-TW"/>
-              <a:t>. It </a:t>
-            </a:r>
-            <a:r>
-              <a:rPr lang="en-US" altLang="zh-TW" b="1"/>
+              <a:rPr lang="en-US" altLang="zh-TW" sz="2000" dirty="0"/>
+              <a:t>Some approaches treat semantic segmentation as a pixel-wise classification problem. It </a:t>
+            </a:r>
+            <a:r>
+              <a:rPr lang="en-US" altLang="zh-TW" sz="2000" b="1" dirty="0"/>
               <a:t>ignores the relationship between pixels</a:t>
             </a:r>
             <a:r>
-              <a:rPr lang="en-US" altLang="zh-TW"/>
+              <a:rPr lang="en-US" altLang="zh-TW" sz="2000" dirty="0"/>
               <a:t>. </a:t>
             </a:r>
-            <a:endParaRPr lang="en-US" altLang="zh-TW"/>
-          </a:p>
-          <a:p>
-            <a:r>
-              <a:rPr lang="en-US" altLang="zh-TW"/>
+          </a:p>
+          <a:p>
+            <a:r>
+              <a:rPr lang="en-US" altLang="zh-TW" sz="2400" dirty="0"/>
               <a:t>Solution:</a:t>
             </a:r>
-            <a:endParaRPr lang="en-US" altLang="zh-TW"/>
           </a:p>
           <a:p>
             <a:pPr lvl="1"/>
             <a:r>
-              <a:rPr lang="en-US" altLang="zh-TW"/>
+              <a:rPr lang="en-US" altLang="zh-TW" sz="2000" dirty="0"/>
               <a:t>Use the pixel and its 8-neighbours to represent this pixel.</a:t>
             </a:r>
-            <a:endParaRPr lang="en-US" altLang="zh-TW"/>
           </a:p>
           <a:p>
             <a:pPr lvl="1"/>
             <a:r>
-              <a:rPr lang="en-US" altLang="zh-TW"/>
+              <a:rPr lang="en-US" altLang="zh-TW" sz="2000" dirty="0"/>
               <a:t>Maximize the similarity </a:t>
             </a:r>
             <a:r>
-              <a:rPr lang="en-US" altLang="zh-TW" i="1">
+              <a:rPr lang="en-US" altLang="zh-TW" sz="2000" i="1" dirty="0">
                 <a:latin typeface="Times New Roman" panose="02020603050405020304" charset="0"/>
                 <a:cs typeface="Times New Roman" panose="02020603050405020304" charset="0"/>
               </a:rPr>
               <a:t>Ι</a:t>
             </a:r>
             <a:r>
-              <a:rPr lang="en-US" altLang="zh-TW"/>
+              <a:rPr lang="en-US" altLang="zh-TW" sz="2000" dirty="0"/>
               <a:t> between two distributions of ground truth and the prediction given by the model.</a:t>
             </a:r>
-            <a:endParaRPr lang="en-US" altLang="zh-TW"/>
-          </a:p>
-        </p:txBody>
-      </p:sp>
-      <p:sp>
-        <p:nvSpPr>
-          <p:cNvPr id="4" name="投影片編號版面配置區 3"/>
-          <p:cNvSpPr>
-            <a:spLocks noGrp="1"/>
-          </p:cNvSpPr>
-          <p:nvPr>
-            <p:ph type="sldNum" sz="quarter" idx="12"/>
-          </p:nvPr>
-        </p:nvSpPr>
-        <p:spPr/>
-        <p:txBody>
-          <a:bodyPr/>
-          <a:p>
-            <a:pPr>
-              <a:defRPr/>
-            </a:pPr>
-            <a:fld id="{E3EBBCA1-BE45-46C8-848D-A53293ECE7DC}" type="slidenum">
-              <a:rPr lang="zh-TW" altLang="en-US" sz="1430"/>
-            </a:fld>
-            <a:endParaRPr lang="zh-TW" altLang="en-US" sz="1430" dirty="0"/>
           </a:p>
         </p:txBody>
       </p:sp>
@@ -6429,6 +6757,7 @@
         <p:spPr/>
         <p:txBody>
           <a:bodyPr/>
+          <a:lstStyle/>
           <a:p>
             <a:pPr>
               <a:defRPr/>
@@ -6438,6 +6767,37 @@
               <a:t>PEGA Confidential.</a:t>
             </a:r>
             <a:endParaRPr lang="zh-TW" altLang="en-US" sz="1605" dirty="0"/>
+          </a:p>
+        </p:txBody>
+      </p:sp>
+      <p:sp>
+        <p:nvSpPr>
+          <p:cNvPr id="4" name="投影片編號版面配置區 3"/>
+          <p:cNvSpPr>
+            <a:spLocks noGrp="1"/>
+          </p:cNvSpPr>
+          <p:nvPr>
+            <p:ph type="sldNum" sz="quarter" idx="4294967295"/>
+          </p:nvPr>
+        </p:nvSpPr>
+        <p:spPr>
+          <a:xfrm>
+            <a:off x="7424738" y="5681663"/>
+            <a:ext cx="2297112" cy="327025"/>
+          </a:xfrm>
+        </p:spPr>
+        <p:txBody>
+          <a:bodyPr/>
+          <a:lstStyle/>
+          <a:p>
+            <a:pPr>
+              <a:defRPr/>
+            </a:pPr>
+            <a:fld id="{E3EBBCA1-BE45-46C8-848D-A53293ECE7DC}" type="slidenum">
+              <a:rPr lang="zh-TW" altLang="en-US" sz="1430"/>
+              <a:t>16</a:t>
+            </a:fld>
+            <a:endParaRPr lang="zh-TW" altLang="en-US" sz="1430" dirty="0"/>
           </a:p>
         </p:txBody>
       </p:sp>
@@ -6450,14 +6810,14 @@
           <p:nvPr/>
         </p:nvPicPr>
         <p:blipFill>
-          <a:blip r:embed="rId1"/>
+          <a:blip r:embed="rId3"/>
           <a:stretch>
             <a:fillRect/>
           </a:stretch>
         </p:blipFill>
         <p:spPr>
           <a:xfrm>
-            <a:off x="2890174" y="3663771"/>
+            <a:off x="2888680" y="3782793"/>
             <a:ext cx="3942635" cy="1768971"/>
           </a:xfrm>
           <a:prstGeom prst="rect">
@@ -6474,6 +6834,268 @@
           <p:nvPr/>
         </p:nvPicPr>
         <p:blipFill>
+          <a:blip r:embed="rId4"/>
+          <a:stretch>
+            <a:fillRect/>
+          </a:stretch>
+        </p:blipFill>
+        <p:spPr>
+          <a:xfrm>
+            <a:off x="3253414" y="3595183"/>
+            <a:ext cx="3213168" cy="187610"/>
+          </a:xfrm>
+          <a:prstGeom prst="rect">
+            <a:avLst/>
+          </a:prstGeom>
+        </p:spPr>
+      </p:pic>
+      <p:sp>
+        <p:nvSpPr>
+          <p:cNvPr id="8" name="文字方塊 7">
+            <a:extLst>
+              <a:ext uri="{FF2B5EF4-FFF2-40B4-BE49-F238E27FC236}">
+                <a16:creationId xmlns:a16="http://schemas.microsoft.com/office/drawing/2014/main" id="{F46C9668-F6EB-4733-834E-BD259B8A4542}"/>
+              </a:ext>
+            </a:extLst>
+          </p:cNvPr>
+          <p:cNvSpPr txBox="1"/>
+          <p:nvPr/>
+        </p:nvSpPr>
+        <p:spPr>
+          <a:xfrm>
+            <a:off x="2195648" y="5491701"/>
+            <a:ext cx="5328703" cy="246221"/>
+          </a:xfrm>
+          <a:prstGeom prst="rect">
+            <a:avLst/>
+          </a:prstGeom>
+          <a:noFill/>
+        </p:spPr>
+        <p:txBody>
+          <a:bodyPr wrap="none" rtlCol="0">
+            <a:spAutoFit/>
+          </a:bodyPr>
+          <a:lstStyle/>
+          <a:p>
+            <a:r>
+              <a:rPr lang="en-US" altLang="zh-TW" sz="1000" dirty="0"/>
+              <a:t>https://papers.nips.cc/paper/9291-region-mutual-information-loss-for-semantic-segmentation.pdf</a:t>
+            </a:r>
+          </a:p>
+        </p:txBody>
+      </p:sp>
+    </p:spTree>
+  </p:cSld>
+  <p:clrMapOvr>
+    <a:masterClrMapping/>
+  </p:clrMapOvr>
+</p:sld>
+</file>
+
+<file path=ppt/slides/slide17.xml><?xml version="1.0" encoding="utf-8"?>
+<p:sld xmlns:a="http://schemas.openxmlformats.org/drawingml/2006/main" xmlns:r="http://schemas.openxmlformats.org/officeDocument/2006/relationships" xmlns:p="http://schemas.openxmlformats.org/presentationml/2006/main" show="0">
+  <p:cSld>
+    <p:spTree>
+      <p:nvGrpSpPr>
+        <p:cNvPr id="1" name=""/>
+        <p:cNvGrpSpPr/>
+        <p:nvPr/>
+      </p:nvGrpSpPr>
+      <p:grpSpPr>
+        <a:xfrm>
+          <a:off x="0" y="0"/>
+          <a:ext cx="0" cy="0"/>
+          <a:chOff x="0" y="0"/>
+          <a:chExt cx="0" cy="0"/>
+        </a:xfrm>
+      </p:grpSpPr>
+      <p:sp>
+        <p:nvSpPr>
+          <p:cNvPr id="2" name="標題 1"/>
+          <p:cNvSpPr>
+            <a:spLocks noGrp="1"/>
+          </p:cNvSpPr>
+          <p:nvPr>
+            <p:ph type="title"/>
+          </p:nvPr>
+        </p:nvSpPr>
+        <p:spPr/>
+        <p:txBody>
+          <a:bodyPr/>
+          <a:lstStyle/>
+          <a:p>
+            <a:r>
+              <a:rPr lang="en-US" altLang="zh-TW"/>
+              <a:t>Comparing with Previous Works</a:t>
+            </a:r>
+          </a:p>
+        </p:txBody>
+      </p:sp>
+      <p:sp>
+        <p:nvSpPr>
+          <p:cNvPr id="3" name="內容版面配置區 2"/>
+          <p:cNvSpPr>
+            <a:spLocks noGrp="1"/>
+          </p:cNvSpPr>
+          <p:nvPr>
+            <p:ph idx="1"/>
+          </p:nvPr>
+        </p:nvSpPr>
+        <p:spPr/>
+        <p:txBody>
+          <a:bodyPr/>
+          <a:lstStyle/>
+          <a:p>
+            <a:r>
+              <a:rPr lang="en-US" altLang="zh-TW"/>
+              <a:t>Flexibility of choosing extra scales at inference time </a:t>
+            </a:r>
+          </a:p>
+          <a:p>
+            <a:r>
+              <a:rPr lang="en-US" altLang="zh-TW"/>
+              <a:t>Better training efficiency</a:t>
+            </a:r>
+          </a:p>
+          <a:p>
+            <a:pPr lvl="1"/>
+            <a:r>
+              <a:rPr lang="en-US" altLang="zh-TW"/>
+              <a:t>Ex: Traning with scales 0.5, 1.0, 2.0</a:t>
+            </a:r>
+          </a:p>
+          <a:p>
+            <a:pPr lvl="2"/>
+            <a:r>
+              <a:rPr lang="en-US" altLang="zh-TW"/>
+              <a:t>Explicit method cost: 0.5</a:t>
+            </a:r>
+            <a:r>
+              <a:rPr lang="en-US" altLang="zh-TW" baseline="30000"/>
+              <a:t>2</a:t>
+            </a:r>
+            <a:r>
+              <a:rPr lang="en-US" altLang="zh-TW"/>
+              <a:t> + 1.0</a:t>
+            </a:r>
+            <a:r>
+              <a:rPr lang="en-US" altLang="zh-TW" baseline="30000"/>
+              <a:t>2</a:t>
+            </a:r>
+            <a:r>
+              <a:rPr lang="en-US" altLang="zh-TW"/>
+              <a:t> + 2.0</a:t>
+            </a:r>
+            <a:r>
+              <a:rPr lang="en-US" altLang="zh-TW" baseline="30000"/>
+              <a:t>2</a:t>
+            </a:r>
+            <a:r>
+              <a:rPr lang="en-US" altLang="zh-TW"/>
+              <a:t> = 5.25</a:t>
+            </a:r>
+          </a:p>
+          <a:p>
+            <a:pPr lvl="2"/>
+            <a:r>
+              <a:rPr lang="en-US" altLang="zh-TW"/>
+              <a:t>Hierarchical method cost: </a:t>
+            </a:r>
+            <a:r>
+              <a:rPr lang="en-US" altLang="zh-TW">
+                <a:sym typeface="+mn-ea"/>
+              </a:rPr>
+              <a:t>0.5</a:t>
+            </a:r>
+            <a:r>
+              <a:rPr lang="en-US" altLang="zh-TW" baseline="30000">
+                <a:sym typeface="+mn-ea"/>
+              </a:rPr>
+              <a:t>2</a:t>
+            </a:r>
+            <a:r>
+              <a:rPr lang="en-US" altLang="zh-TW">
+                <a:sym typeface="+mn-ea"/>
+              </a:rPr>
+              <a:t> + 1.0</a:t>
+            </a:r>
+            <a:r>
+              <a:rPr lang="en-US" altLang="zh-TW" baseline="30000">
+                <a:sym typeface="+mn-ea"/>
+              </a:rPr>
+              <a:t>2</a:t>
+            </a:r>
+            <a:r>
+              <a:rPr lang="en-US" altLang="zh-TW">
+                <a:sym typeface="+mn-ea"/>
+              </a:rPr>
+              <a:t> = 1.25</a:t>
+            </a:r>
+            <a:endParaRPr lang="en-US" altLang="zh-TW"/>
+          </a:p>
+        </p:txBody>
+      </p:sp>
+      <p:sp>
+        <p:nvSpPr>
+          <p:cNvPr id="4" name="投影片編號版面配置區 3"/>
+          <p:cNvSpPr>
+            <a:spLocks noGrp="1"/>
+          </p:cNvSpPr>
+          <p:nvPr>
+            <p:ph type="sldNum" sz="quarter" idx="12"/>
+          </p:nvPr>
+        </p:nvSpPr>
+        <p:spPr/>
+        <p:txBody>
+          <a:bodyPr/>
+          <a:lstStyle/>
+          <a:p>
+            <a:pPr>
+              <a:defRPr/>
+            </a:pPr>
+            <a:fld id="{E3EBBCA1-BE45-46C8-848D-A53293ECE7DC}" type="slidenum">
+              <a:rPr lang="zh-TW" altLang="en-US" sz="1430"/>
+              <a:t>17</a:t>
+            </a:fld>
+            <a:endParaRPr lang="zh-TW" altLang="en-US" sz="1430" dirty="0"/>
+          </a:p>
+        </p:txBody>
+      </p:sp>
+      <p:sp>
+        <p:nvSpPr>
+          <p:cNvPr id="5" name="日期版面配置區 4"/>
+          <p:cNvSpPr>
+            <a:spLocks noGrp="1"/>
+          </p:cNvSpPr>
+          <p:nvPr>
+            <p:ph type="dt" sz="half" idx="10"/>
+          </p:nvPr>
+        </p:nvSpPr>
+        <p:spPr/>
+        <p:txBody>
+          <a:bodyPr/>
+          <a:lstStyle/>
+          <a:p>
+            <a:pPr>
+              <a:defRPr/>
+            </a:pPr>
+            <a:r>
+              <a:rPr lang="en-US" altLang="zh-TW" sz="1605"/>
+              <a:t>PEGA Confidential.</a:t>
+            </a:r>
+            <a:endParaRPr lang="zh-TW" altLang="en-US" sz="1605" dirty="0"/>
+          </a:p>
+        </p:txBody>
+      </p:sp>
+      <p:pic>
+        <p:nvPicPr>
+          <p:cNvPr id="7" name="圖片 6"/>
+          <p:cNvPicPr>
+            <a:picLocks noChangeAspect="1"/>
+          </p:cNvPicPr>
+          <p:nvPr/>
+        </p:nvPicPr>
+        <p:blipFill>
           <a:blip r:embed="rId2"/>
           <a:stretch>
             <a:fillRect/>
@@ -6481,8 +7103,8 @@
         </p:blipFill>
         <p:spPr>
           <a:xfrm>
-            <a:off x="3254624" y="3421749"/>
-            <a:ext cx="3213168" cy="187610"/>
+            <a:off x="2287670" y="2746695"/>
+            <a:ext cx="5147077" cy="2686048"/>
           </a:xfrm>
           <a:prstGeom prst="rect">
             <a:avLst/>
@@ -6506,7 +7128,14 @@
         <p:cNvGrpSpPr/>
         <p:nvPr/>
       </p:nvGrpSpPr>
-      <p:grpSpPr/>
+      <p:grpSpPr>
+        <a:xfrm>
+          <a:off x="0" y="0"/>
+          <a:ext cx="0" cy="0"/>
+          <a:chOff x="0" y="0"/>
+          <a:chExt cx="0" cy="0"/>
+        </a:xfrm>
+      </p:grpSpPr>
       <p:sp>
         <p:nvSpPr>
           <p:cNvPr id="2" name="標題 1"/>
@@ -6520,12 +7149,12 @@
         <p:spPr/>
         <p:txBody>
           <a:bodyPr/>
+          <a:lstStyle/>
           <a:p>
             <a:r>
               <a:rPr lang="en-US" altLang="zh-TW"/>
               <a:t>Outline</a:t>
             </a:r>
-            <a:endParaRPr lang="en-US" altLang="zh-TW"/>
           </a:p>
         </p:txBody>
       </p:sp>
@@ -6542,6 +7171,7 @@
         <p:spPr/>
         <p:txBody>
           <a:bodyPr/>
+          <a:lstStyle/>
           <a:p>
             <a:r>
               <a:rPr lang="en-US" altLang="zh-TW" sz="2135" b="1">
@@ -6560,7 +7190,6 @@
               <a:rPr lang="en-US" altLang="zh-TW"/>
               <a:t>Recent Approaches</a:t>
             </a:r>
-            <a:endParaRPr lang="en-US" altLang="zh-TW"/>
           </a:p>
           <a:p>
             <a:pPr lvl="1"/>
@@ -6568,7 +7197,6 @@
               <a:rPr lang="en-US" altLang="zh-TW" sz="2000"/>
               <a:t>Naive</a:t>
             </a:r>
-            <a:endParaRPr lang="en-US" altLang="zh-TW" sz="2000"/>
           </a:p>
           <a:p>
             <a:pPr lvl="1"/>
@@ -6576,7 +7204,6 @@
               <a:rPr lang="en-US" altLang="zh-TW" sz="2000"/>
               <a:t>Context</a:t>
             </a:r>
-            <a:endParaRPr lang="en-US" altLang="zh-TW" sz="2000"/>
           </a:p>
           <a:p>
             <a:pPr lvl="1"/>
@@ -6586,9 +7213,6 @@
               </a:rPr>
               <a:t>Explict Multi-Scale Attention</a:t>
             </a:r>
-            <a:endParaRPr lang="en-US" altLang="zh-TW" sz="1995">
-              <a:sym typeface="+mn-ea"/>
-            </a:endParaRPr>
           </a:p>
           <a:p>
             <a:pPr lvl="0"/>
@@ -6598,9 +7222,6 @@
               </a:rPr>
               <a:t>Hierarchical Multi-Scale Attention</a:t>
             </a:r>
-            <a:endParaRPr lang="en-US" altLang="zh-TW" sz="2135">
-              <a:sym typeface="+mn-ea"/>
-            </a:endParaRPr>
           </a:p>
           <a:p>
             <a:pPr lvl="0"/>
@@ -6610,9 +7231,6 @@
               </a:rPr>
               <a:t>Results on Cityscapes</a:t>
             </a:r>
-            <a:endParaRPr lang="en-US" altLang="zh-TW" sz="2140" b="1">
-              <a:sym typeface="+mn-ea"/>
-            </a:endParaRPr>
           </a:p>
           <a:p>
             <a:pPr lvl="0"/>
@@ -6622,9 +7240,6 @@
               </a:rPr>
               <a:t>Results on Mapillary</a:t>
             </a:r>
-            <a:endParaRPr lang="en-US" altLang="zh-TW" sz="2140" b="1">
-              <a:sym typeface="+mn-ea"/>
-            </a:endParaRPr>
           </a:p>
         </p:txBody>
       </p:sp>
@@ -6641,6 +7256,7 @@
         <p:spPr/>
         <p:txBody>
           <a:bodyPr/>
+          <a:lstStyle/>
           <a:p>
             <a:pPr>
               <a:defRPr/>
@@ -6666,12 +7282,14 @@
         <p:spPr/>
         <p:txBody>
           <a:bodyPr/>
+          <a:lstStyle/>
           <a:p>
             <a:pPr>
               <a:defRPr/>
             </a:pPr>
             <a:fld id="{E3EBBCA1-BE45-46C8-848D-A53293ECE7DC}" type="slidenum">
               <a:rPr lang="zh-TW" altLang="en-US" sz="1430"/>
+              <a:t>2</a:t>
             </a:fld>
             <a:endParaRPr lang="zh-TW" altLang="en-US" sz="1430" dirty="0"/>
           </a:p>
@@ -6694,7 +7312,14 @@
         <p:cNvGrpSpPr/>
         <p:nvPr/>
       </p:nvGrpSpPr>
-      <p:grpSpPr/>
+      <p:grpSpPr>
+        <a:xfrm>
+          <a:off x="0" y="0"/>
+          <a:ext cx="0" cy="0"/>
+          <a:chOff x="0" y="0"/>
+          <a:chExt cx="0" cy="0"/>
+        </a:xfrm>
+      </p:grpSpPr>
       <p:sp>
         <p:nvSpPr>
           <p:cNvPr id="5" name="標題 4"/>
@@ -6708,12 +7333,12 @@
         <p:spPr/>
         <p:txBody>
           <a:bodyPr/>
+          <a:lstStyle/>
           <a:p>
             <a:r>
               <a:rPr lang="en-US" altLang="zh-TW"/>
               <a:t>HiaRarchical Multi-Scale Attention</a:t>
             </a:r>
-            <a:endParaRPr lang="en-US" altLang="zh-TW"/>
           </a:p>
         </p:txBody>
       </p:sp>
@@ -6730,6 +7355,7 @@
         <p:spPr/>
         <p:txBody>
           <a:bodyPr/>
+          <a:lstStyle/>
           <a:p>
             <a:pPr>
               <a:defRPr/>
@@ -6740,6 +7366,7 @@
                   <a:prstClr val="black"/>
                 </a:solidFill>
               </a:rPr>
+              <a:t>3</a:t>
             </a:fld>
             <a:endParaRPr lang="zh-TW" altLang="en-US">
               <a:solidFill>
@@ -6754,16 +7381,6 @@
   <p:clrMapOvr>
     <a:masterClrMapping/>
   </p:clrMapOvr>
-  <p:timing>
-    <p:tnLst>
-      <p:par>
-        <p:cTn id="1" dur="indefinite" restart="never" nodeType="tmRoot"/>
-      </p:par>
-    </p:tnLst>
-    <p:bldLst>
-      <p:bldP spid="5" grpId="0"/>
-    </p:bldLst>
-  </p:timing>
 </p:sld>
 </file>
 
@@ -6776,7 +7393,14 @@
         <p:cNvGrpSpPr/>
         <p:nvPr/>
       </p:nvGrpSpPr>
-      <p:grpSpPr/>
+      <p:grpSpPr>
+        <a:xfrm>
+          <a:off x="0" y="0"/>
+          <a:ext cx="0" cy="0"/>
+          <a:chOff x="0" y="0"/>
+          <a:chExt cx="0" cy="0"/>
+        </a:xfrm>
+      </p:grpSpPr>
       <p:sp>
         <p:nvSpPr>
           <p:cNvPr id="2" name="標題 1"/>
@@ -6790,12 +7414,12 @@
         <p:spPr/>
         <p:txBody>
           <a:bodyPr/>
+          <a:lstStyle/>
           <a:p>
             <a:r>
               <a:rPr lang="en-US" altLang="zh-TW"/>
               <a:t>Different Tasks Need Different Scales</a:t>
             </a:r>
-            <a:endParaRPr lang="en-US" altLang="zh-TW"/>
           </a:p>
         </p:txBody>
       </p:sp>
@@ -6812,6 +7436,7 @@
         <p:spPr/>
         <p:txBody>
           <a:bodyPr/>
+          <a:lstStyle/>
           <a:p>
             <a:endParaRPr lang="en-US" altLang="zh-TW" sz="1785" b="0"/>
           </a:p>
@@ -6842,12 +7467,14 @@
         </p:spPr>
         <p:txBody>
           <a:bodyPr/>
+          <a:lstStyle/>
           <a:p>
             <a:pPr>
               <a:defRPr/>
             </a:pPr>
             <a:fld id="{E3EBBCA1-BE45-46C8-848D-A53293ECE7DC}" type="slidenum">
               <a:rPr lang="zh-TW" altLang="en-US" sz="1430"/>
+              <a:t>4</a:t>
             </a:fld>
             <a:endParaRPr lang="zh-TW" altLang="en-US" sz="1430" dirty="0"/>
           </a:p>
@@ -6866,6 +7493,7 @@
         <p:spPr/>
         <p:txBody>
           <a:bodyPr/>
+          <a:lstStyle/>
           <a:p>
             <a:pPr>
               <a:defRPr/>
@@ -6887,7 +7515,7 @@
           <p:nvPr/>
         </p:nvPicPr>
         <p:blipFill>
-          <a:blip r:embed="rId1"/>
+          <a:blip r:embed="rId3"/>
           <a:stretch>
             <a:fillRect/>
           </a:stretch>
@@ -6943,6 +7571,7 @@
           <a:bodyPr rot="0" vertOverflow="overflow" horzOverflow="overflow" vert="horz" wrap="square" lIns="91440" tIns="45720" rIns="91440" bIns="45720" numCol="1" spcCol="0" rtlCol="0" fromWordArt="0" anchor="ctr" anchorCtr="0" forceAA="0" compatLnSpc="1">
             <a:noAutofit/>
           </a:bodyPr>
+          <a:lstStyle/>
           <a:p>
             <a:pPr algn="ctr"/>
             <a:endParaRPr lang="zh-TW" altLang="en-US" dirty="0">
@@ -6994,6 +7623,7 @@
           <a:bodyPr rot="0" vertOverflow="overflow" horzOverflow="overflow" vert="horz" wrap="square" lIns="91440" tIns="45720" rIns="91440" bIns="45720" numCol="1" spcCol="0" rtlCol="0" fromWordArt="0" anchor="ctr" anchorCtr="0" forceAA="0" compatLnSpc="1">
             <a:noAutofit/>
           </a:bodyPr>
+          <a:lstStyle/>
           <a:p>
             <a:pPr algn="ctr"/>
             <a:endParaRPr lang="zh-TW" altLang="en-US" dirty="0">
@@ -7045,6 +7675,7 @@
           <a:bodyPr rot="0" vertOverflow="overflow" horzOverflow="overflow" vert="horz" wrap="square" lIns="91440" tIns="45720" rIns="91440" bIns="45720" numCol="1" spcCol="0" rtlCol="0" fromWordArt="0" anchor="ctr" anchorCtr="0" forceAA="0" compatLnSpc="1">
             <a:noAutofit/>
           </a:bodyPr>
+          <a:lstStyle/>
           <a:p>
             <a:pPr algn="ctr"/>
             <a:endParaRPr lang="zh-TW" altLang="en-US" dirty="0">
@@ -7096,6 +7727,7 @@
           <a:bodyPr rot="0" vertOverflow="overflow" horzOverflow="overflow" vert="horz" wrap="square" lIns="91440" tIns="45720" rIns="91440" bIns="45720" numCol="1" spcCol="0" rtlCol="0" fromWordArt="0" anchor="ctr" anchorCtr="0" forceAA="0" compatLnSpc="1">
             <a:noAutofit/>
           </a:bodyPr>
+          <a:lstStyle/>
           <a:p>
             <a:pPr algn="ctr"/>
             <a:endParaRPr lang="zh-TW" altLang="en-US" dirty="0">
@@ -7147,6 +7779,7 @@
           <a:bodyPr rot="0" vertOverflow="overflow" horzOverflow="overflow" vert="horz" wrap="square" lIns="91440" tIns="45720" rIns="91440" bIns="45720" numCol="1" spcCol="0" rtlCol="0" fromWordArt="0" anchor="ctr" anchorCtr="0" forceAA="0" compatLnSpc="1">
             <a:noAutofit/>
           </a:bodyPr>
+          <a:lstStyle/>
           <a:p>
             <a:pPr algn="ctr"/>
             <a:endParaRPr lang="zh-TW" altLang="en-US" dirty="0">
@@ -7198,6 +7831,7 @@
           <a:bodyPr rot="0" vertOverflow="overflow" horzOverflow="overflow" vert="horz" wrap="square" lIns="91440" tIns="45720" rIns="91440" bIns="45720" numCol="1" spcCol="0" rtlCol="0" fromWordArt="0" anchor="ctr" anchorCtr="0" forceAA="0" compatLnSpc="1">
             <a:noAutofit/>
           </a:bodyPr>
+          <a:lstStyle/>
           <a:p>
             <a:pPr algn="ctr"/>
             <a:endParaRPr lang="zh-TW" altLang="en-US" dirty="0">
@@ -7537,7 +8171,14 @@
         <p:cNvGrpSpPr/>
         <p:nvPr/>
       </p:nvGrpSpPr>
-      <p:grpSpPr/>
+      <p:grpSpPr>
+        <a:xfrm>
+          <a:off x="0" y="0"/>
+          <a:ext cx="0" cy="0"/>
+          <a:chOff x="0" y="0"/>
+          <a:chExt cx="0" cy="0"/>
+        </a:xfrm>
+      </p:grpSpPr>
       <p:sp>
         <p:nvSpPr>
           <p:cNvPr id="2" name="標題 1"/>
@@ -7551,6 +8192,7 @@
         <p:spPr/>
         <p:txBody>
           <a:bodyPr/>
+          <a:lstStyle/>
           <a:p>
             <a:r>
               <a:rPr lang="en-US" altLang="zh-TW" sz="2800"/>
@@ -7560,7 +8202,6 @@
               <a:rPr lang="en-US" altLang="zh-TW"/>
               <a:t> </a:t>
             </a:r>
-            <a:endParaRPr lang="en-US" altLang="zh-TW"/>
           </a:p>
         </p:txBody>
       </p:sp>
@@ -7582,39 +8223,16 @@
         </p:spPr>
         <p:txBody>
           <a:bodyPr/>
+          <a:lstStyle/>
           <a:p>
             <a:pPr>
               <a:defRPr/>
             </a:pPr>
             <a:fld id="{E3EBBCA1-BE45-46C8-848D-A53293ECE7DC}" type="slidenum">
               <a:rPr lang="zh-TW" altLang="en-US" sz="1430"/>
+              <a:t>5</a:t>
             </a:fld>
             <a:endParaRPr lang="zh-TW" altLang="en-US" sz="1430" dirty="0"/>
-          </a:p>
-        </p:txBody>
-      </p:sp>
-      <p:sp>
-        <p:nvSpPr>
-          <p:cNvPr id="5" name="日期版面配置區 4"/>
-          <p:cNvSpPr>
-            <a:spLocks noGrp="1"/>
-          </p:cNvSpPr>
-          <p:nvPr>
-            <p:ph type="dt" sz="half" idx="10"/>
-          </p:nvPr>
-        </p:nvSpPr>
-        <p:spPr/>
-        <p:txBody>
-          <a:bodyPr/>
-          <a:p>
-            <a:pPr>
-              <a:defRPr/>
-            </a:pPr>
-            <a:r>
-              <a:rPr lang="en-US" altLang="zh-TW" sz="1605"/>
-              <a:t>PEGA Confidential.</a:t>
-            </a:r>
-            <a:endParaRPr lang="zh-TW" altLang="en-US" sz="1605" dirty="0"/>
           </a:p>
         </p:txBody>
       </p:sp>
@@ -7681,6 +8299,7 @@
             <a:bodyPr rot="0" vertOverflow="overflow" horzOverflow="overflow" vert="horz" wrap="square" lIns="91440" tIns="45720" rIns="91440" bIns="45720" numCol="1" spcCol="0" rtlCol="0" fromWordArt="0" anchor="ctr" anchorCtr="0" forceAA="0" compatLnSpc="1">
               <a:noAutofit/>
             </a:bodyPr>
+            <a:lstStyle/>
             <a:p>
               <a:pPr algn="ctr"/>
               <a:endParaRPr lang="zh-TW" altLang="en-US" dirty="0">
@@ -7740,6 +8359,7 @@
             <a:bodyPr rot="0" vertOverflow="overflow" horzOverflow="overflow" vert="horz" wrap="square" lIns="91440" tIns="45720" rIns="91440" bIns="45720" numCol="1" spcCol="0" rtlCol="0" fromWordArt="0" anchor="ctr" anchorCtr="0" forceAA="0" compatLnSpc="1">
               <a:noAutofit/>
             </a:bodyPr>
+            <a:lstStyle/>
             <a:p>
               <a:pPr algn="ctr"/>
               <a:endParaRPr lang="zh-TW" altLang="en-US" dirty="0">
@@ -7799,6 +8419,7 @@
             <a:bodyPr rot="0" vertOverflow="overflow" horzOverflow="overflow" vert="horz" wrap="square" lIns="91440" tIns="45720" rIns="91440" bIns="45720" numCol="1" spcCol="0" rtlCol="0" fromWordArt="0" anchor="ctr" anchorCtr="0" forceAA="0" compatLnSpc="1">
               <a:noAutofit/>
             </a:bodyPr>
+            <a:lstStyle/>
             <a:p>
               <a:pPr algn="ctr"/>
               <a:endParaRPr lang="zh-TW" altLang="en-US" dirty="0">
@@ -7873,6 +8494,7 @@
             <a:bodyPr rot="0" vertOverflow="overflow" horzOverflow="overflow" vert="horz" wrap="square" lIns="91440" tIns="45720" rIns="91440" bIns="45720" numCol="1" spcCol="0" rtlCol="0" fromWordArt="0" anchor="ctr" anchorCtr="0" forceAA="0" compatLnSpc="1">
               <a:noAutofit/>
             </a:bodyPr>
+            <a:lstStyle/>
             <a:p>
               <a:pPr algn="ctr"/>
               <a:endParaRPr lang="zh-TW" altLang="en-US" dirty="0">
@@ -7932,6 +8554,7 @@
             <a:bodyPr rot="0" vertOverflow="overflow" horzOverflow="overflow" vert="horz" wrap="square" lIns="91440" tIns="45720" rIns="91440" bIns="45720" numCol="1" spcCol="0" rtlCol="0" fromWordArt="0" anchor="ctr" anchorCtr="0" forceAA="0" compatLnSpc="1">
               <a:noAutofit/>
             </a:bodyPr>
+            <a:lstStyle/>
             <a:p>
               <a:pPr algn="ctr"/>
               <a:endParaRPr lang="zh-TW" altLang="en-US" dirty="0">
@@ -7992,6 +8615,7 @@
           <a:bodyPr rot="0" vertOverflow="overflow" horzOverflow="overflow" vert="horz" wrap="square" lIns="91440" tIns="45720" rIns="91440" bIns="45720" numCol="1" spcCol="0" rtlCol="0" fromWordArt="0" anchor="ctr" anchorCtr="0" forceAA="0" compatLnSpc="1">
             <a:noAutofit/>
           </a:bodyPr>
+          <a:lstStyle/>
           <a:p>
             <a:pPr algn="ctr"/>
             <a:endParaRPr lang="zh-TW" altLang="en-US" dirty="0">
@@ -8065,6 +8689,7 @@
             <a:bodyPr rot="0" vertOverflow="overflow" horzOverflow="overflow" vert="horz" wrap="square" lIns="91440" tIns="45720" rIns="91440" bIns="45720" numCol="1" spcCol="0" rtlCol="0" fromWordArt="0" anchor="ctr" anchorCtr="0" forceAA="0" compatLnSpc="1">
               <a:noAutofit/>
             </a:bodyPr>
+            <a:lstStyle/>
             <a:p>
               <a:pPr algn="ctr"/>
               <a:endParaRPr lang="zh-TW" altLang="en-US" dirty="0">
@@ -8124,6 +8749,7 @@
             <a:bodyPr rot="0" vertOverflow="overflow" horzOverflow="overflow" vert="horz" wrap="square" lIns="91440" tIns="45720" rIns="91440" bIns="45720" numCol="1" spcCol="0" rtlCol="0" fromWordArt="0" anchor="ctr" anchorCtr="0" forceAA="0" compatLnSpc="1">
               <a:noAutofit/>
             </a:bodyPr>
+            <a:lstStyle/>
             <a:p>
               <a:pPr algn="ctr"/>
               <a:endParaRPr lang="zh-TW" altLang="en-US" dirty="0">
@@ -8183,6 +8809,7 @@
             <a:bodyPr rot="0" vertOverflow="overflow" horzOverflow="overflow" vert="horz" wrap="square" lIns="91440" tIns="45720" rIns="91440" bIns="45720" numCol="1" spcCol="0" rtlCol="0" fromWordArt="0" anchor="ctr" anchorCtr="0" forceAA="0" compatLnSpc="1">
               <a:noAutofit/>
             </a:bodyPr>
+            <a:lstStyle/>
             <a:p>
               <a:pPr algn="ctr"/>
               <a:endParaRPr lang="zh-TW" altLang="en-US" dirty="0">
@@ -8242,6 +8869,7 @@
             <a:bodyPr rot="0" vertOverflow="overflow" horzOverflow="overflow" vert="horz" wrap="square" lIns="91440" tIns="45720" rIns="91440" bIns="45720" numCol="1" spcCol="0" rtlCol="0" fromWordArt="0" anchor="ctr" anchorCtr="0" forceAA="0" compatLnSpc="1">
               <a:noAutofit/>
             </a:bodyPr>
+            <a:lstStyle/>
             <a:p>
               <a:pPr algn="ctr"/>
               <a:endParaRPr lang="zh-TW" altLang="en-US" dirty="0">
@@ -8301,6 +8929,7 @@
             <a:bodyPr rot="0" vertOverflow="overflow" horzOverflow="overflow" vert="horz" wrap="square" lIns="91440" tIns="45720" rIns="91440" bIns="45720" numCol="1" spcCol="0" rtlCol="0" fromWordArt="0" anchor="ctr" anchorCtr="0" forceAA="0" compatLnSpc="1">
               <a:noAutofit/>
             </a:bodyPr>
+            <a:lstStyle/>
             <a:p>
               <a:pPr algn="ctr"/>
               <a:endParaRPr lang="zh-TW" altLang="en-US" dirty="0">
@@ -8360,6 +8989,7 @@
             <a:bodyPr rot="0" vertOverflow="overflow" horzOverflow="overflow" vert="horz" wrap="square" lIns="91440" tIns="45720" rIns="91440" bIns="45720" numCol="1" spcCol="0" rtlCol="0" fromWordArt="0" anchor="ctr" anchorCtr="0" forceAA="0" compatLnSpc="1">
               <a:noAutofit/>
             </a:bodyPr>
+            <a:lstStyle/>
             <a:p>
               <a:pPr algn="ctr"/>
               <a:endParaRPr lang="zh-TW" altLang="en-US" dirty="0">
@@ -8420,6 +9050,7 @@
           <a:bodyPr rot="0" vertOverflow="overflow" horzOverflow="overflow" vert="horz" wrap="square" lIns="91440" tIns="45720" rIns="91440" bIns="45720" numCol="1" spcCol="0" rtlCol="0" fromWordArt="0" anchor="ctr" anchorCtr="0" forceAA="0" compatLnSpc="1">
             <a:noAutofit/>
           </a:bodyPr>
+          <a:lstStyle/>
           <a:p>
             <a:pPr algn="ctr"/>
             <a:endParaRPr lang="zh-TW" altLang="en-US" dirty="0">
@@ -8450,12 +9081,12 @@
           <a:bodyPr wrap="none" rtlCol="0">
             <a:spAutoFit/>
           </a:bodyPr>
+          <a:lstStyle/>
           <a:p>
             <a:r>
               <a:rPr lang="en-US" altLang="zh-TW"/>
               <a:t>1.5x scale</a:t>
             </a:r>
-            <a:endParaRPr lang="en-US" altLang="zh-TW"/>
           </a:p>
         </p:txBody>
       </p:sp>
@@ -8479,12 +9110,12 @@
           <a:bodyPr wrap="none" rtlCol="0">
             <a:spAutoFit/>
           </a:bodyPr>
+          <a:lstStyle/>
           <a:p>
             <a:r>
               <a:rPr lang="en-US" altLang="zh-TW"/>
               <a:t>1.0x scale</a:t>
             </a:r>
-            <a:endParaRPr lang="en-US" altLang="zh-TW"/>
           </a:p>
         </p:txBody>
       </p:sp>
@@ -8508,12 +9139,12 @@
           <a:bodyPr wrap="none" rtlCol="0">
             <a:spAutoFit/>
           </a:bodyPr>
+          <a:lstStyle/>
           <a:p>
             <a:r>
               <a:rPr lang="en-US" altLang="zh-TW"/>
               <a:t>0.5x scale</a:t>
             </a:r>
-            <a:endParaRPr lang="en-US" altLang="zh-TW"/>
           </a:p>
         </p:txBody>
       </p:sp>
@@ -8548,6 +9179,7 @@
         </p:style>
         <p:txBody>
           <a:bodyPr rtlCol="0" anchor="ctr"/>
+          <a:lstStyle/>
           <a:p>
             <a:pPr algn="ctr"/>
             <a:endParaRPr lang="zh-TW" altLang="en-US"/>
@@ -8574,12 +9206,12 @@
           <a:bodyPr wrap="none" rtlCol="0">
             <a:spAutoFit/>
           </a:bodyPr>
+          <a:lstStyle/>
           <a:p>
             <a:r>
               <a:rPr lang="en-US" altLang="zh-TW"/>
               <a:t>Average Pooling</a:t>
             </a:r>
-            <a:endParaRPr lang="en-US" altLang="zh-TW"/>
           </a:p>
         </p:txBody>
       </p:sp>
@@ -8603,12 +9235,12 @@
           <a:bodyPr wrap="none" rtlCol="0">
             <a:spAutoFit/>
           </a:bodyPr>
+          <a:lstStyle/>
           <a:p>
             <a:r>
               <a:rPr lang="en-US" altLang="zh-TW"/>
               <a:t>Max Pooling</a:t>
             </a:r>
-            <a:endParaRPr lang="en-US" altLang="zh-TW"/>
           </a:p>
         </p:txBody>
       </p:sp>
@@ -8632,12 +9264,12 @@
           <a:bodyPr wrap="none" rtlCol="0">
             <a:spAutoFit/>
           </a:bodyPr>
+          <a:lstStyle/>
           <a:p>
             <a:r>
               <a:rPr lang="en-US" altLang="zh-TW"/>
               <a:t>Optimal Answer 1</a:t>
             </a:r>
-            <a:endParaRPr lang="en-US" altLang="zh-TW"/>
           </a:p>
         </p:txBody>
       </p:sp>
@@ -8677,6 +9309,7 @@
           <a:bodyPr rot="0" vertOverflow="overflow" horzOverflow="overflow" vert="horz" wrap="square" lIns="91440" tIns="45720" rIns="91440" bIns="45720" numCol="1" spcCol="0" rtlCol="0" fromWordArt="0" anchor="ctr" anchorCtr="0" forceAA="0" compatLnSpc="1">
             <a:noAutofit/>
           </a:bodyPr>
+          <a:lstStyle/>
           <a:p>
             <a:pPr algn="ctr"/>
             <a:endParaRPr lang="zh-TW" altLang="en-US" dirty="0">
@@ -8750,6 +9383,7 @@
             <a:bodyPr rot="0" vertOverflow="overflow" horzOverflow="overflow" vert="horz" wrap="square" lIns="91440" tIns="45720" rIns="91440" bIns="45720" numCol="1" spcCol="0" rtlCol="0" fromWordArt="0" anchor="ctr" anchorCtr="0" forceAA="0" compatLnSpc="1">
               <a:noAutofit/>
             </a:bodyPr>
+            <a:lstStyle/>
             <a:p>
               <a:pPr algn="ctr"/>
               <a:endParaRPr lang="zh-TW" altLang="en-US" dirty="0">
@@ -8809,6 +9443,7 @@
             <a:bodyPr rot="0" vertOverflow="overflow" horzOverflow="overflow" vert="horz" wrap="square" lIns="91440" tIns="45720" rIns="91440" bIns="45720" numCol="1" spcCol="0" rtlCol="0" fromWordArt="0" anchor="ctr" anchorCtr="0" forceAA="0" compatLnSpc="1">
               <a:noAutofit/>
             </a:bodyPr>
+            <a:lstStyle/>
             <a:p>
               <a:pPr algn="ctr"/>
               <a:endParaRPr lang="zh-TW" altLang="en-US" dirty="0">
@@ -8868,6 +9503,7 @@
             <a:bodyPr rot="0" vertOverflow="overflow" horzOverflow="overflow" vert="horz" wrap="square" lIns="91440" tIns="45720" rIns="91440" bIns="45720" numCol="1" spcCol="0" rtlCol="0" fromWordArt="0" anchor="ctr" anchorCtr="0" forceAA="0" compatLnSpc="1">
               <a:noAutofit/>
             </a:bodyPr>
+            <a:lstStyle/>
             <a:p>
               <a:pPr algn="ctr"/>
               <a:endParaRPr lang="zh-TW" altLang="en-US" dirty="0">
@@ -8927,6 +9563,7 @@
             <a:bodyPr rot="0" vertOverflow="overflow" horzOverflow="overflow" vert="horz" wrap="square" lIns="91440" tIns="45720" rIns="91440" bIns="45720" numCol="1" spcCol="0" rtlCol="0" fromWordArt="0" anchor="ctr" anchorCtr="0" forceAA="0" compatLnSpc="1">
               <a:noAutofit/>
             </a:bodyPr>
+            <a:lstStyle/>
             <a:p>
               <a:pPr lvl="0" algn="ctr">
                 <a:buClrTx/>
@@ -8991,6 +9628,7 @@
             <a:bodyPr rot="0" vertOverflow="overflow" horzOverflow="overflow" vert="horz" wrap="square" lIns="91440" tIns="45720" rIns="91440" bIns="45720" numCol="1" spcCol="0" rtlCol="0" fromWordArt="0" anchor="ctr" anchorCtr="0" forceAA="0" compatLnSpc="1">
               <a:noAutofit/>
             </a:bodyPr>
+            <a:lstStyle/>
             <a:p>
               <a:pPr algn="ctr"/>
               <a:endParaRPr lang="zh-TW" altLang="en-US" dirty="0">
@@ -9050,6 +9688,7 @@
             <a:bodyPr rot="0" vertOverflow="overflow" horzOverflow="overflow" vert="horz" wrap="square" lIns="91440" tIns="45720" rIns="91440" bIns="45720" numCol="1" spcCol="0" rtlCol="0" fromWordArt="0" anchor="ctr" anchorCtr="0" forceAA="0" compatLnSpc="1">
               <a:noAutofit/>
             </a:bodyPr>
+            <a:lstStyle/>
             <a:p>
               <a:pPr algn="ctr"/>
               <a:endParaRPr lang="zh-TW" altLang="en-US" dirty="0">
@@ -9081,12 +9720,12 @@
           <a:bodyPr wrap="none" rtlCol="0">
             <a:spAutoFit/>
           </a:bodyPr>
+          <a:lstStyle/>
           <a:p>
             <a:r>
               <a:rPr lang="en-US" altLang="zh-TW"/>
               <a:t>Optimal Answer 2</a:t>
             </a:r>
-            <a:endParaRPr lang="en-US" altLang="zh-TW"/>
           </a:p>
         </p:txBody>
       </p:sp>
@@ -9139,11 +9778,63 @@
           <a:bodyPr rot="0" vertOverflow="overflow" horzOverflow="overflow" vert="horz" wrap="square" lIns="91440" tIns="45720" rIns="91440" bIns="45720" numCol="1" spcCol="0" rtlCol="0" fromWordArt="0" anchor="ctr" anchorCtr="0" forceAA="0" compatLnSpc="1">
             <a:noAutofit/>
           </a:bodyPr>
+          <a:lstStyle/>
           <a:p>
             <a:pPr algn="ctr"/>
             <a:endParaRPr lang="zh-TW" altLang="en-US" dirty="0">
               <a:solidFill>
                 <a:schemeClr val="tx1"/>
+              </a:solidFill>
+            </a:endParaRPr>
+          </a:p>
+        </p:txBody>
+      </p:sp>
+      <p:sp>
+        <p:nvSpPr>
+          <p:cNvPr id="53" name="日期版面配置區 3">
+            <a:extLst>
+              <a:ext uri="{FF2B5EF4-FFF2-40B4-BE49-F238E27FC236}">
+                <a16:creationId xmlns:a16="http://schemas.microsoft.com/office/drawing/2014/main" id="{C14D0BC4-A9B4-4308-BE9B-27C1746AD11F}"/>
+              </a:ext>
+            </a:extLst>
+          </p:cNvPr>
+          <p:cNvSpPr>
+            <a:spLocks noGrp="1"/>
+          </p:cNvSpPr>
+          <p:nvPr>
+            <p:ph type="dt" sz="half" idx="10"/>
+          </p:nvPr>
+        </p:nvSpPr>
+        <p:spPr>
+          <a:xfrm>
+            <a:off x="486092" y="5673631"/>
+            <a:ext cx="2268432" cy="325908"/>
+          </a:xfrm>
+        </p:spPr>
+        <p:txBody>
+          <a:bodyPr/>
+          <a:lstStyle/>
+          <a:p>
+            <a:pPr>
+              <a:defRPr/>
+            </a:pPr>
+            <a:r>
+              <a:rPr lang="en-US" altLang="zh-TW" dirty="0">
+                <a:solidFill>
+                  <a:prstClr val="black">
+                    <a:lumMod val="65000"/>
+                    <a:lumOff val="35000"/>
+                  </a:prstClr>
+                </a:solidFill>
+              </a:rPr>
+              <a:t>PEGA Confidential.</a:t>
+            </a:r>
+            <a:endParaRPr lang="zh-TW" altLang="en-US" dirty="0">
+              <a:solidFill>
+                <a:prstClr val="black">
+                  <a:lumMod val="65000"/>
+                  <a:lumOff val="35000"/>
+                </a:prstClr>
               </a:solidFill>
             </a:endParaRPr>
           </a:p>
@@ -9598,14 +10289,14 @@
       </p:par>
     </p:tnLst>
     <p:bldLst>
+      <p:bldP spid="21" grpId="0" animBg="1"/>
       <p:bldP spid="38" grpId="0" animBg="1"/>
-      <p:bldP spid="41" grpId="0"/>
       <p:bldP spid="39" grpId="0"/>
       <p:bldP spid="40" grpId="0"/>
-      <p:bldP spid="21" grpId="0" animBg="1"/>
+      <p:bldP spid="41" grpId="0"/>
+      <p:bldP spid="43" grpId="0" animBg="1"/>
       <p:bldP spid="51" grpId="0"/>
       <p:bldP spid="52" grpId="0" bldLvl="0" animBg="1"/>
-      <p:bldP spid="43" grpId="0" animBg="1"/>
     </p:bldLst>
   </p:timing>
 </p:sld>
@@ -9620,7 +10311,14 @@
         <p:cNvGrpSpPr/>
         <p:nvPr/>
       </p:nvGrpSpPr>
-      <p:grpSpPr/>
+      <p:grpSpPr>
+        <a:xfrm>
+          <a:off x="0" y="0"/>
+          <a:ext cx="0" cy="0"/>
+          <a:chOff x="0" y="0"/>
+          <a:chExt cx="0" cy="0"/>
+        </a:xfrm>
+      </p:grpSpPr>
       <p:sp>
         <p:nvSpPr>
           <p:cNvPr id="6" name="標題 5"/>
@@ -9634,51 +10332,12 @@
         <p:spPr/>
         <p:txBody>
           <a:bodyPr/>
+          <a:lstStyle/>
           <a:p>
             <a:r>
               <a:rPr lang="en-US" altLang="zh-TW"/>
               <a:t>High Training Costs &amp; Low Inference Flexibility</a:t>
             </a:r>
-            <a:endParaRPr lang="en-US" altLang="zh-TW"/>
-          </a:p>
-        </p:txBody>
-      </p:sp>
-      <p:sp>
-        <p:nvSpPr>
-          <p:cNvPr id="4" name="日期版面配置區 3"/>
-          <p:cNvSpPr>
-            <a:spLocks noGrp="1"/>
-          </p:cNvSpPr>
-          <p:nvPr>
-            <p:ph type="dt" sz="half" idx="10"/>
-          </p:nvPr>
-        </p:nvSpPr>
-        <p:spPr/>
-        <p:txBody>
-          <a:bodyPr/>
-          <a:p>
-            <a:pPr>
-              <a:defRPr/>
-            </a:pPr>
-            <a:r>
-              <a:rPr lang="en-US" altLang="zh-TW">
-                <a:solidFill>
-                  <a:prstClr val="black">
-                    <a:lumMod val="65000"/>
-                    <a:lumOff val="35000"/>
-                  </a:prstClr>
-                </a:solidFill>
-              </a:rPr>
-              <a:t>PEGA Confidential.</a:t>
-            </a:r>
-            <a:endParaRPr lang="zh-TW" altLang="en-US" dirty="0">
-              <a:solidFill>
-                <a:prstClr val="black">
-                  <a:lumMod val="65000"/>
-                  <a:lumOff val="35000"/>
-                </a:prstClr>
-              </a:solidFill>
-            </a:endParaRPr>
           </a:p>
         </p:txBody>
       </p:sp>
@@ -9700,12 +10359,14 @@
         </p:spPr>
         <p:txBody>
           <a:bodyPr/>
+          <a:lstStyle/>
           <a:p>
             <a:pPr>
               <a:defRPr/>
             </a:pPr>
             <a:fld id="{E3EBBCA1-BE45-46C8-848D-A53293ECE7DC}" type="slidenum">
               <a:rPr lang="zh-TW" altLang="en-US"/>
+              <a:t>6</a:t>
             </a:fld>
             <a:endParaRPr lang="zh-TW" altLang="en-US" dirty="0"/>
           </a:p>
@@ -9723,7 +10384,7 @@
         </p:xfrm>
         <a:graphic>
           <a:graphicData uri="http://schemas.openxmlformats.org/drawingml/2006/chart">
-            <c:chart xmlns:c="http://schemas.openxmlformats.org/drawingml/2006/chart" xmlns:r="http://schemas.openxmlformats.org/officeDocument/2006/relationships" r:id="rId1"/>
+            <c:chart xmlns:c="http://schemas.openxmlformats.org/drawingml/2006/chart" xmlns:r="http://schemas.openxmlformats.org/officeDocument/2006/relationships" r:id="rId2"/>
           </a:graphicData>
         </a:graphic>
       </p:graphicFrame>
@@ -9910,7 +10571,6 @@
               <a:rPr lang="en-US" altLang="zh-TW"/>
               <a:t>Current models requires each additional inference scale to be explicitly added during the training phase</a:t>
             </a:r>
-            <a:endParaRPr lang="en-US" altLang="zh-TW"/>
           </a:p>
         </p:txBody>
       </p:sp>
@@ -9918,14 +10578,14 @@
         <p:nvPicPr>
           <p:cNvPr id="14" name="內容版面配置區 13"/>
           <p:cNvPicPr>
-            <a:picLocks noChangeAspect="1"/>
+            <a:picLocks noGrp="1" noChangeAspect="1"/>
           </p:cNvPicPr>
           <p:nvPr>
             <p:ph idx="1"/>
           </p:nvPr>
         </p:nvPicPr>
         <p:blipFill>
-          <a:blip r:embed="rId2"/>
+          <a:blip r:embed="rId3"/>
           <a:stretch>
             <a:fillRect/>
           </a:stretch>
@@ -9940,6 +10600,57 @@
           </a:prstGeom>
         </p:spPr>
       </p:pic>
+      <p:sp>
+        <p:nvSpPr>
+          <p:cNvPr id="9" name="日期版面配置區 3">
+            <a:extLst>
+              <a:ext uri="{FF2B5EF4-FFF2-40B4-BE49-F238E27FC236}">
+                <a16:creationId xmlns:a16="http://schemas.microsoft.com/office/drawing/2014/main" id="{ED92F61A-0280-44CC-8352-48333306C31C}"/>
+              </a:ext>
+            </a:extLst>
+          </p:cNvPr>
+          <p:cNvSpPr>
+            <a:spLocks noGrp="1"/>
+          </p:cNvSpPr>
+          <p:nvPr>
+            <p:ph type="dt" sz="half" idx="10"/>
+          </p:nvPr>
+        </p:nvSpPr>
+        <p:spPr>
+          <a:xfrm>
+            <a:off x="486092" y="5673631"/>
+            <a:ext cx="2268432" cy="325908"/>
+          </a:xfrm>
+        </p:spPr>
+        <p:txBody>
+          <a:bodyPr/>
+          <a:lstStyle/>
+          <a:p>
+            <a:pPr>
+              <a:defRPr/>
+            </a:pPr>
+            <a:r>
+              <a:rPr lang="en-US" altLang="zh-TW" dirty="0">
+                <a:solidFill>
+                  <a:prstClr val="black">
+                    <a:lumMod val="65000"/>
+                    <a:lumOff val="35000"/>
+                  </a:prstClr>
+                </a:solidFill>
+              </a:rPr>
+              <a:t>PEGA Confidential.</a:t>
+            </a:r>
+            <a:endParaRPr lang="zh-TW" altLang="en-US" dirty="0">
+              <a:solidFill>
+                <a:prstClr val="black">
+                  <a:lumMod val="65000"/>
+                  <a:lumOff val="35000"/>
+                </a:prstClr>
+              </a:solidFill>
+            </a:endParaRPr>
+          </a:p>
+        </p:txBody>
+      </p:sp>
     </p:spTree>
   </p:cSld>
   <p:clrMapOvr>
@@ -10086,7 +10797,14 @@
         <p:cNvGrpSpPr/>
         <p:nvPr/>
       </p:nvGrpSpPr>
-      <p:grpSpPr/>
+      <p:grpSpPr>
+        <a:xfrm>
+          <a:off x="0" y="0"/>
+          <a:ext cx="0" cy="0"/>
+          <a:chOff x="0" y="0"/>
+          <a:chExt cx="0" cy="0"/>
+        </a:xfrm>
+      </p:grpSpPr>
       <p:sp>
         <p:nvSpPr>
           <p:cNvPr id="2" name="標題 1"/>
@@ -10100,12 +10818,12 @@
         <p:spPr/>
         <p:txBody>
           <a:bodyPr/>
+          <a:lstStyle/>
           <a:p>
             <a:r>
               <a:rPr lang="en-US" altLang="zh-TW"/>
               <a:t>Hierachical Malti-Scale Attention</a:t>
             </a:r>
-            <a:endParaRPr lang="en-US" altLang="zh-TW"/>
           </a:p>
         </p:txBody>
       </p:sp>
@@ -10122,6 +10840,7 @@
         <p:spPr/>
         <p:txBody>
           <a:bodyPr/>
+          <a:lstStyle/>
           <a:p>
             <a:pPr marL="0" indent="0">
               <a:buNone/>
@@ -10154,12 +10873,14 @@
         </p:spPr>
         <p:txBody>
           <a:bodyPr/>
+          <a:lstStyle/>
           <a:p>
             <a:pPr>
               <a:defRPr/>
             </a:pPr>
             <a:fld id="{E3EBBCA1-BE45-46C8-848D-A53293ECE7DC}" type="slidenum">
               <a:rPr lang="zh-TW" altLang="en-US" sz="1430"/>
+              <a:t>7</a:t>
             </a:fld>
             <a:endParaRPr lang="zh-TW" altLang="en-US" sz="1430" dirty="0"/>
           </a:p>
@@ -10173,7 +10894,7 @@
         </p:nvGraphicFramePr>
         <p:xfrm>
           <a:off x="191770" y="1188720"/>
-          <a:ext cx="6804660" cy="1143000"/>
+          <a:ext cx="9336500" cy="4320000"/>
         </p:xfrm>
         <a:graphic>
           <a:graphicData uri="http://schemas.openxmlformats.org/drawingml/2006/table">
@@ -10182,14 +10903,33 @@
                 <a:tableStyleId>{2D5ABB26-0587-4C30-8999-92F81FD0307C}</a:tableStyleId>
               </a:tblPr>
               <a:tblGrid>
-                <a:gridCol w="2412000"/>
-                <a:gridCol w="444500"/>
-                <a:gridCol w="6480000"/>
+                <a:gridCol w="2412000">
+                  <a:extLst>
+                    <a:ext uri="{9D8B030D-6E8A-4147-A177-3AD203B41FA5}">
+                      <a16:colId xmlns:a16="http://schemas.microsoft.com/office/drawing/2014/main" val="20000"/>
+                    </a:ext>
+                  </a:extLst>
+                </a:gridCol>
+                <a:gridCol w="444500">
+                  <a:extLst>
+                    <a:ext uri="{9D8B030D-6E8A-4147-A177-3AD203B41FA5}">
+                      <a16:colId xmlns:a16="http://schemas.microsoft.com/office/drawing/2014/main" val="20001"/>
+                    </a:ext>
+                  </a:extLst>
+                </a:gridCol>
+                <a:gridCol w="6480000">
+                  <a:extLst>
+                    <a:ext uri="{9D8B030D-6E8A-4147-A177-3AD203B41FA5}">
+                      <a16:colId xmlns:a16="http://schemas.microsoft.com/office/drawing/2014/main" val="20002"/>
+                    </a:ext>
+                  </a:extLst>
+                </a:gridCol>
               </a:tblGrid>
               <a:tr h="1440000">
                 <a:tc>
                   <a:txBody>
                     <a:bodyPr/>
+                    <a:lstStyle/>
                     <a:p>
                       <a:pPr algn="ctr">
                         <a:buNone/>
@@ -10201,17 +10941,14 @@
                         </a:rPr>
                         <a:t>Multi-Scaling</a:t>
                       </a:r>
-                      <a:endParaRPr lang="en-US" altLang="zh-TW" sz="3200" b="1">
-                        <a:latin typeface="Calibri" panose="020F0502020204030204" charset="0"/>
-                        <a:cs typeface="Calibri" panose="020F0502020204030204" charset="0"/>
-                      </a:endParaRPr>
                     </a:p>
                   </a:txBody>
-                  <a:tcPr anchor="ctr" anchorCtr="0"/>
+                  <a:tcPr anchor="ctr"/>
                 </a:tc>
                 <a:tc>
                   <a:txBody>
                     <a:bodyPr/>
+                    <a:lstStyle/>
                     <a:p>
                       <a:pPr algn="ctr">
                         <a:buNone/>
@@ -10223,17 +10960,14 @@
                         </a:rPr>
                         <a:t>→</a:t>
                       </a:r>
-                      <a:endParaRPr lang="en-US" altLang="zh-TW" sz="3200" b="1">
-                        <a:latin typeface="Calibri" panose="020F0502020204030204" charset="0"/>
-                        <a:cs typeface="Calibri" panose="020F0502020204030204" charset="0"/>
-                      </a:endParaRPr>
                     </a:p>
                   </a:txBody>
-                  <a:tcPr anchor="ctr" anchorCtr="0"/>
+                  <a:tcPr anchor="ctr"/>
                 </a:tc>
                 <a:tc>
                   <a:txBody>
                     <a:bodyPr/>
+                    <a:lstStyle/>
                     <a:p>
                       <a:pPr>
                         <a:buNone/>
@@ -10245,19 +10979,21 @@
                         </a:rPr>
                         <a:t>Solve class confusion and fine detail</a:t>
                       </a:r>
-                      <a:endParaRPr lang="en-US" altLang="zh-TW" sz="3200" b="1">
-                        <a:latin typeface="Calibri" panose="020F0502020204030204" charset="0"/>
-                        <a:cs typeface="Calibri" panose="020F0502020204030204" charset="0"/>
-                      </a:endParaRPr>
                     </a:p>
                   </a:txBody>
-                  <a:tcPr anchor="ctr" anchorCtr="0"/>
+                  <a:tcPr anchor="ctr"/>
                 </a:tc>
+                <a:extLst>
+                  <a:ext uri="{0D108BD9-81ED-4DB2-BD59-A6C34878D82A}">
+                    <a16:rowId xmlns:a16="http://schemas.microsoft.com/office/drawing/2014/main" val="10000"/>
+                  </a:ext>
+                </a:extLst>
               </a:tr>
               <a:tr h="1440000">
                 <a:tc>
                   <a:txBody>
                     <a:bodyPr/>
+                    <a:lstStyle/>
                     <a:p>
                       <a:pPr algn="ctr">
                         <a:buNone/>
@@ -10269,17 +11005,14 @@
                         </a:rPr>
                         <a:t>Attention</a:t>
                       </a:r>
-                      <a:endParaRPr lang="en-US" altLang="zh-TW" sz="3200" b="1">
-                        <a:latin typeface="Calibri" panose="020F0502020204030204" charset="0"/>
-                        <a:cs typeface="Calibri" panose="020F0502020204030204" charset="0"/>
-                      </a:endParaRPr>
                     </a:p>
                   </a:txBody>
-                  <a:tcPr anchor="ctr" anchorCtr="0"/>
+                  <a:tcPr anchor="ctr"/>
                 </a:tc>
                 <a:tc>
                   <a:txBody>
                     <a:bodyPr/>
+                    <a:lstStyle/>
                     <a:p>
                       <a:pPr algn="ctr">
                         <a:buNone/>
@@ -10291,17 +11024,14 @@
                         </a:rPr>
                         <a:t>→</a:t>
                       </a:r>
-                      <a:endParaRPr lang="en-US" altLang="zh-TW" sz="3200" b="1">
-                        <a:latin typeface="Calibri" panose="020F0502020204030204" charset="0"/>
-                        <a:cs typeface="Calibri" panose="020F0502020204030204" charset="0"/>
-                      </a:endParaRPr>
                     </a:p>
                   </a:txBody>
-                  <a:tcPr anchor="ctr" anchorCtr="0"/>
+                  <a:tcPr anchor="ctr"/>
                 </a:tc>
                 <a:tc>
                   <a:txBody>
                     <a:bodyPr/>
+                    <a:lstStyle/>
                     <a:p>
                       <a:pPr>
                         <a:buNone/>
@@ -10313,19 +11043,21 @@
                         </a:rPr>
                         <a:t>Softly weight the multi-scale features</a:t>
                       </a:r>
-                      <a:endParaRPr lang="en-US" altLang="zh-TW" sz="3200" b="1">
-                        <a:latin typeface="Calibri" panose="020F0502020204030204" charset="0"/>
-                        <a:cs typeface="Calibri" panose="020F0502020204030204" charset="0"/>
-                      </a:endParaRPr>
                     </a:p>
                   </a:txBody>
-                  <a:tcPr anchor="ctr" anchorCtr="0"/>
+                  <a:tcPr anchor="ctr"/>
                 </a:tc>
+                <a:extLst>
+                  <a:ext uri="{0D108BD9-81ED-4DB2-BD59-A6C34878D82A}">
+                    <a16:rowId xmlns:a16="http://schemas.microsoft.com/office/drawing/2014/main" val="10001"/>
+                  </a:ext>
+                </a:extLst>
               </a:tr>
               <a:tr h="1440000">
                 <a:tc>
                   <a:txBody>
                     <a:bodyPr/>
+                    <a:lstStyle/>
                     <a:p>
                       <a:pPr algn="ctr">
                         <a:buNone/>
@@ -10337,17 +11069,14 @@
                         </a:rPr>
                         <a:t>Hierarchy</a:t>
                       </a:r>
-                      <a:endParaRPr lang="en-US" altLang="zh-TW" sz="3200" b="1">
-                        <a:latin typeface="Calibri" panose="020F0502020204030204" charset="0"/>
-                        <a:cs typeface="Calibri" panose="020F0502020204030204" charset="0"/>
-                      </a:endParaRPr>
                     </a:p>
                   </a:txBody>
-                  <a:tcPr anchor="ctr" anchorCtr="0"/>
+                  <a:tcPr anchor="ctr"/>
                 </a:tc>
                 <a:tc>
                   <a:txBody>
                     <a:bodyPr/>
+                    <a:lstStyle/>
                     <a:p>
                       <a:pPr algn="ctr">
                         <a:buNone/>
@@ -10359,17 +11088,14 @@
                         </a:rPr>
                         <a:t>→</a:t>
                       </a:r>
-                      <a:endParaRPr lang="en-US" altLang="zh-TW" sz="3200" b="1">
-                        <a:latin typeface="Calibri" panose="020F0502020204030204" charset="0"/>
-                        <a:cs typeface="Calibri" panose="020F0502020204030204" charset="0"/>
-                      </a:endParaRPr>
                     </a:p>
                   </a:txBody>
-                  <a:tcPr anchor="ctr" anchorCtr="0"/>
+                  <a:tcPr anchor="ctr"/>
                 </a:tc>
                 <a:tc>
                   <a:txBody>
                     <a:bodyPr/>
+                    <a:lstStyle/>
                     <a:p>
                       <a:pPr>
                         <a:buNone/>
@@ -10381,14 +11107,15 @@
                         </a:rPr>
                         <a:t>4x more memory efficient to train</a:t>
                       </a:r>
-                      <a:endParaRPr lang="en-US" altLang="zh-TW" sz="3200" b="1">
-                        <a:latin typeface="Calibri" panose="020F0502020204030204" charset="0"/>
-                        <a:cs typeface="Calibri" panose="020F0502020204030204" charset="0"/>
-                      </a:endParaRPr>
                     </a:p>
                   </a:txBody>
-                  <a:tcPr anchor="ctr" anchorCtr="0"/>
+                  <a:tcPr anchor="ctr"/>
                 </a:tc>
+                <a:extLst>
+                  <a:ext uri="{0D108BD9-81ED-4DB2-BD59-A6C34878D82A}">
+                    <a16:rowId xmlns:a16="http://schemas.microsoft.com/office/drawing/2014/main" val="10002"/>
+                  </a:ext>
+                </a:extLst>
               </a:tr>
             </a:tbl>
           </a:graphicData>
@@ -10435,6 +11162,7 @@
           <a:bodyPr rot="0" vertOverflow="overflow" horzOverflow="overflow" vert="horz" wrap="square" lIns="91440" tIns="45720" rIns="91440" bIns="45720" numCol="1" spcCol="0" rtlCol="0" fromWordArt="0" anchor="ctr" anchorCtr="0" forceAA="0" compatLnSpc="1">
             <a:noAutofit/>
           </a:bodyPr>
+          <a:lstStyle/>
           <a:p>
             <a:pPr algn="ctr"/>
             <a:endParaRPr lang="zh-TW" altLang="en-US" dirty="0">
@@ -10486,6 +11214,7 @@
           <a:bodyPr rot="0" vertOverflow="overflow" horzOverflow="overflow" vert="horz" wrap="square" lIns="91440" tIns="45720" rIns="91440" bIns="45720" numCol="1" spcCol="0" rtlCol="0" fromWordArt="0" anchor="ctr" anchorCtr="0" forceAA="0" compatLnSpc="1">
             <a:noAutofit/>
           </a:bodyPr>
+          <a:lstStyle/>
           <a:p>
             <a:pPr algn="ctr"/>
             <a:endParaRPr lang="zh-TW" altLang="en-US" dirty="0">
@@ -10537,6 +11266,7 @@
           <a:bodyPr rot="0" vertOverflow="overflow" horzOverflow="overflow" vert="horz" wrap="square" lIns="91440" tIns="45720" rIns="91440" bIns="45720" numCol="1" spcCol="0" rtlCol="0" fromWordArt="0" anchor="ctr" anchorCtr="0" forceAA="0" compatLnSpc="1">
             <a:noAutofit/>
           </a:bodyPr>
+          <a:lstStyle/>
           <a:p>
             <a:pPr algn="ctr"/>
             <a:endParaRPr lang="zh-TW" altLang="en-US" dirty="0">
@@ -10588,11 +11318,63 @@
           <a:bodyPr rot="0" vertOverflow="overflow" horzOverflow="overflow" vert="horz" wrap="square" lIns="91440" tIns="45720" rIns="91440" bIns="45720" numCol="1" spcCol="0" rtlCol="0" fromWordArt="0" anchor="ctr" anchorCtr="0" forceAA="0" compatLnSpc="1">
             <a:noAutofit/>
           </a:bodyPr>
+          <a:lstStyle/>
           <a:p>
             <a:pPr algn="ctr"/>
             <a:endParaRPr lang="zh-TW" altLang="en-US" dirty="0">
               <a:solidFill>
                 <a:schemeClr val="tx1"/>
+              </a:solidFill>
+            </a:endParaRPr>
+          </a:p>
+        </p:txBody>
+      </p:sp>
+      <p:sp>
+        <p:nvSpPr>
+          <p:cNvPr id="14" name="日期版面配置區 3">
+            <a:extLst>
+              <a:ext uri="{FF2B5EF4-FFF2-40B4-BE49-F238E27FC236}">
+                <a16:creationId xmlns:a16="http://schemas.microsoft.com/office/drawing/2014/main" id="{9769E7C3-FC8D-4008-96D0-70ACEBD8C650}"/>
+              </a:ext>
+            </a:extLst>
+          </p:cNvPr>
+          <p:cNvSpPr>
+            <a:spLocks noGrp="1"/>
+          </p:cNvSpPr>
+          <p:nvPr>
+            <p:ph type="dt" sz="half" idx="10"/>
+          </p:nvPr>
+        </p:nvSpPr>
+        <p:spPr>
+          <a:xfrm>
+            <a:off x="486092" y="5673631"/>
+            <a:ext cx="2268432" cy="325908"/>
+          </a:xfrm>
+        </p:spPr>
+        <p:txBody>
+          <a:bodyPr/>
+          <a:lstStyle/>
+          <a:p>
+            <a:pPr>
+              <a:defRPr/>
+            </a:pPr>
+            <a:r>
+              <a:rPr lang="en-US" altLang="zh-TW" dirty="0">
+                <a:solidFill>
+                  <a:prstClr val="black">
+                    <a:lumMod val="65000"/>
+                    <a:lumOff val="35000"/>
+                  </a:prstClr>
+                </a:solidFill>
+              </a:rPr>
+              <a:t>PEGA Confidential.</a:t>
+            </a:r>
+            <a:endParaRPr lang="zh-TW" altLang="en-US" dirty="0">
+              <a:solidFill>
+                <a:prstClr val="black">
+                  <a:lumMod val="65000"/>
+                  <a:lumOff val="35000"/>
+                </a:prstClr>
               </a:solidFill>
             </a:endParaRPr>
           </a:p>
@@ -10847,8 +11629,8 @@
     <p:bldLst>
       <p:bldP spid="11" grpId="0" animBg="1"/>
       <p:bldP spid="11" grpId="1" animBg="1"/>
+      <p:bldP spid="12" grpId="0" animBg="1"/>
       <p:bldP spid="13" grpId="0" animBg="1"/>
-      <p:bldP spid="12" grpId="0" animBg="1"/>
       <p:bldP spid="16" grpId="0" animBg="1"/>
     </p:bldLst>
   </p:timing>
@@ -10864,7 +11646,55 @@
         <p:cNvGrpSpPr/>
         <p:nvPr/>
       </p:nvGrpSpPr>
-      <p:grpSpPr/>
+      <p:grpSpPr>
+        <a:xfrm>
+          <a:off x="0" y="0"/>
+          <a:ext cx="0" cy="0"/>
+          <a:chOff x="0" y="0"/>
+          <a:chExt cx="0" cy="0"/>
+        </a:xfrm>
+      </p:grpSpPr>
+      <p:pic>
+        <p:nvPicPr>
+          <p:cNvPr id="6" name="圖片 5">
+            <a:extLst>
+              <a:ext uri="{FF2B5EF4-FFF2-40B4-BE49-F238E27FC236}">
+                <a16:creationId xmlns:a16="http://schemas.microsoft.com/office/drawing/2014/main" id="{15D764F6-7A77-4470-8044-F789FD53A94E}"/>
+              </a:ext>
+            </a:extLst>
+          </p:cNvPr>
+          <p:cNvPicPr>
+            <a:picLocks noChangeAspect="1"/>
+          </p:cNvPicPr>
+          <p:nvPr/>
+        </p:nvPicPr>
+        <p:blipFill>
+          <a:blip r:embed="rId2">
+            <a:clrChange>
+              <a:clrFrom>
+                <a:srgbClr val="FFFFFF"/>
+              </a:clrFrom>
+              <a:clrTo>
+                <a:srgbClr val="FFFFFF">
+                  <a:alpha val="0"/>
+                </a:srgbClr>
+              </a:clrTo>
+            </a:clrChange>
+          </a:blip>
+          <a:stretch>
+            <a:fillRect/>
+          </a:stretch>
+        </p:blipFill>
+        <p:spPr>
+          <a:xfrm>
+            <a:off x="172325" y="1548532"/>
+            <a:ext cx="5120640" cy="3693940"/>
+          </a:xfrm>
+          <a:prstGeom prst="rect">
+            <a:avLst/>
+          </a:prstGeom>
+        </p:spPr>
+      </p:pic>
       <p:sp>
         <p:nvSpPr>
           <p:cNvPr id="2" name="標題 1"/>
@@ -10878,12 +11708,12 @@
         <p:spPr/>
         <p:txBody>
           <a:bodyPr/>
+          <a:lstStyle/>
           <a:p>
             <a:r>
               <a:rPr lang="en-US" altLang="zh-TW"/>
               <a:t>Relative Attention Mask</a:t>
             </a:r>
-            <a:endParaRPr lang="en-US" altLang="zh-TW"/>
           </a:p>
         </p:txBody>
       </p:sp>
@@ -10905,41 +11735,291 @@
         </p:spPr>
         <p:txBody>
           <a:bodyPr/>
+          <a:lstStyle/>
           <a:p>
             <a:pPr>
               <a:defRPr/>
             </a:pPr>
             <a:fld id="{E3EBBCA1-BE45-46C8-848D-A53293ECE7DC}" type="slidenum">
               <a:rPr lang="zh-TW" altLang="en-US" sz="1430"/>
+              <a:t>8</a:t>
             </a:fld>
             <a:endParaRPr lang="zh-TW" altLang="en-US" sz="1430" dirty="0"/>
           </a:p>
         </p:txBody>
       </p:sp>
-      <p:pic>
-        <p:nvPicPr>
-          <p:cNvPr id="4" name="圖片 3"/>
-          <p:cNvPicPr>
-            <a:picLocks noChangeAspect="1"/>
-          </p:cNvPicPr>
+      <p:sp>
+        <p:nvSpPr>
+          <p:cNvPr id="3" name="文字方塊 2">
+            <a:extLst>
+              <a:ext uri="{FF2B5EF4-FFF2-40B4-BE49-F238E27FC236}">
+                <a16:creationId xmlns:a16="http://schemas.microsoft.com/office/drawing/2014/main" id="{D620C35F-94FF-45BB-BBB7-A93E26EFA2EA}"/>
+              </a:ext>
+            </a:extLst>
+          </p:cNvPr>
+          <p:cNvSpPr txBox="1"/>
           <p:nvPr/>
-        </p:nvPicPr>
-        <p:blipFill>
-          <a:blip r:embed="rId1"/>
-          <a:stretch>
-            <a:fillRect/>
-          </a:stretch>
-        </p:blipFill>
+        </p:nvSpPr>
         <p:spPr>
           <a:xfrm>
-            <a:off x="2011045" y="966470"/>
-            <a:ext cx="5697855" cy="4764405"/>
+            <a:off x="5032325" y="2398980"/>
+            <a:ext cx="4509120" cy="1323439"/>
           </a:xfrm>
           <a:prstGeom prst="rect">
             <a:avLst/>
           </a:prstGeom>
+          <a:noFill/>
         </p:spPr>
-      </p:pic>
+        <p:txBody>
+          <a:bodyPr wrap="none" rtlCol="0">
+            <a:spAutoFit/>
+          </a:bodyPr>
+          <a:lstStyle/>
+          <a:p>
+            <a:r>
+              <a:rPr lang="en-US" altLang="zh-TW" sz="1600" dirty="0"/>
+              <a:t>Hierarchical Attention Mechanism: (scale = 0.5, 1, 2)</a:t>
+            </a:r>
+          </a:p>
+          <a:p>
+            <a:endParaRPr lang="en-US" sz="1600" i="1" dirty="0"/>
+          </a:p>
+          <a:p>
+            <a:r>
+              <a:rPr lang="en-US" sz="1600" i="1" dirty="0"/>
+              <a:t>L</a:t>
+            </a:r>
+            <a:r>
+              <a:rPr lang="en-US" sz="1600" baseline="-25000" dirty="0"/>
+              <a:t>(r=1)</a:t>
+            </a:r>
+            <a:r>
+              <a:rPr lang="en-US" sz="1600" dirty="0"/>
+              <a:t> = </a:t>
+            </a:r>
+            <a:r>
+              <a:rPr lang="en-US" sz="1600" i="1" dirty="0"/>
+              <a:t>L</a:t>
+            </a:r>
+            <a:r>
+              <a:rPr lang="en-US" sz="1600" baseline="-25000" dirty="0"/>
+              <a:t>(r=1)</a:t>
+            </a:r>
+            <a:r>
+              <a:rPr lang="en-US" sz="1600" dirty="0"/>
+              <a:t>* </a:t>
+            </a:r>
+            <a:r>
+              <a:rPr lang="en-US" sz="1600" i="1" dirty="0"/>
+              <a:t>a</a:t>
+            </a:r>
+            <a:r>
+              <a:rPr lang="en-US" sz="1600" baseline="-25000" dirty="0"/>
+              <a:t>(r=1)</a:t>
+            </a:r>
+            <a:r>
+              <a:rPr lang="en-US" sz="1600" dirty="0"/>
+              <a:t> + (1 – </a:t>
+            </a:r>
+            <a:r>
+              <a:rPr lang="en-US" sz="1600" i="1" dirty="0"/>
+              <a:t>a</a:t>
+            </a:r>
+            <a:r>
+              <a:rPr lang="en-US" sz="1600" baseline="-25000" dirty="0"/>
+              <a:t>(r=1)</a:t>
+            </a:r>
+            <a:r>
+              <a:rPr lang="en-US" sz="1600" dirty="0"/>
+              <a:t>) * down(</a:t>
+            </a:r>
+            <a:r>
+              <a:rPr lang="en-US" sz="1600" i="1" dirty="0"/>
+              <a:t>L</a:t>
+            </a:r>
+            <a:r>
+              <a:rPr lang="en-US" sz="1600" baseline="-25000" dirty="0"/>
+              <a:t>(r=2)</a:t>
+            </a:r>
+            <a:r>
+              <a:rPr lang="en-US" sz="1600" dirty="0"/>
+              <a:t>)</a:t>
+            </a:r>
+          </a:p>
+          <a:p>
+            <a:endParaRPr lang="en-US" sz="1600" i="1" dirty="0"/>
+          </a:p>
+          <a:p>
+            <a:r>
+              <a:rPr lang="en-US" sz="1600" i="1" dirty="0"/>
+              <a:t>L</a:t>
+            </a:r>
+            <a:r>
+              <a:rPr lang="en-US" sz="1600" baseline="-25000" dirty="0"/>
+              <a:t>(r=1)</a:t>
+            </a:r>
+            <a:r>
+              <a:rPr lang="en-US" sz="1600" dirty="0"/>
+              <a:t> = </a:t>
+            </a:r>
+            <a:r>
+              <a:rPr lang="en-US" sz="1600" i="1" dirty="0"/>
+              <a:t>u</a:t>
+            </a:r>
+            <a:r>
+              <a:rPr lang="en-US" sz="1600" dirty="0"/>
+              <a:t>(</a:t>
+            </a:r>
+            <a:r>
+              <a:rPr lang="en-US" sz="1600" i="1" dirty="0"/>
+              <a:t>L</a:t>
+            </a:r>
+            <a:r>
+              <a:rPr lang="en-US" sz="1600" baseline="-25000" dirty="0"/>
+              <a:t>(r=0.5)</a:t>
+            </a:r>
+            <a:r>
+              <a:rPr lang="en-US" sz="1600" dirty="0"/>
+              <a:t>* </a:t>
+            </a:r>
+            <a:r>
+              <a:rPr lang="en-US" sz="1600" i="1" dirty="0"/>
+              <a:t>a</a:t>
+            </a:r>
+            <a:r>
+              <a:rPr lang="en-US" sz="1600" baseline="-25000" dirty="0"/>
+              <a:t>(r=0.5)</a:t>
+            </a:r>
+            <a:r>
+              <a:rPr lang="en-US" sz="1600" dirty="0"/>
+              <a:t>) + (1 – </a:t>
+            </a:r>
+            <a:r>
+              <a:rPr lang="en-US" sz="1600" i="1" dirty="0"/>
+              <a:t>u</a:t>
+            </a:r>
+            <a:r>
+              <a:rPr lang="en-US" sz="1600" dirty="0"/>
+              <a:t>(</a:t>
+            </a:r>
+            <a:r>
+              <a:rPr lang="en-US" sz="1600" i="1" dirty="0"/>
+              <a:t>a</a:t>
+            </a:r>
+            <a:r>
+              <a:rPr lang="en-US" sz="1600" baseline="-25000" dirty="0"/>
+              <a:t>(r=0.5)</a:t>
+            </a:r>
+            <a:r>
+              <a:rPr lang="en-US" sz="1600" dirty="0"/>
+              <a:t>) * </a:t>
+            </a:r>
+            <a:r>
+              <a:rPr lang="en-US" sz="1600" i="1" dirty="0"/>
+              <a:t>L</a:t>
+            </a:r>
+            <a:r>
+              <a:rPr lang="en-US" sz="1600" baseline="-25000" dirty="0"/>
+              <a:t>(r=1)</a:t>
+            </a:r>
+            <a:r>
+              <a:rPr lang="en-US" sz="1600" dirty="0"/>
+              <a:t>)</a:t>
+            </a:r>
+          </a:p>
+        </p:txBody>
+      </p:sp>
+      <p:sp>
+        <p:nvSpPr>
+          <p:cNvPr id="7" name="文字方塊 6">
+            <a:extLst>
+              <a:ext uri="{FF2B5EF4-FFF2-40B4-BE49-F238E27FC236}">
+                <a16:creationId xmlns:a16="http://schemas.microsoft.com/office/drawing/2014/main" id="{C4F085CE-9525-40FF-84BD-A213107C3027}"/>
+              </a:ext>
+            </a:extLst>
+          </p:cNvPr>
+          <p:cNvSpPr txBox="1"/>
+          <p:nvPr/>
+        </p:nvSpPr>
+        <p:spPr>
+          <a:xfrm>
+            <a:off x="1404541" y="1476524"/>
+            <a:ext cx="914400" cy="246221"/>
+          </a:xfrm>
+          <a:prstGeom prst="rect">
+            <a:avLst/>
+          </a:prstGeom>
+          <a:noFill/>
+        </p:spPr>
+        <p:txBody>
+          <a:bodyPr wrap="square" rtlCol="0">
+            <a:spAutoFit/>
+          </a:bodyPr>
+          <a:lstStyle/>
+          <a:p>
+            <a:pPr algn="ctr"/>
+            <a:r>
+              <a:rPr lang="en-US" sz="1000" b="1" dirty="0" err="1"/>
+              <a:t>HRNet</a:t>
+            </a:r>
+            <a:r>
+              <a:rPr lang="en-US" sz="1000" b="1" dirty="0"/>
+              <a:t> + OCR</a:t>
+            </a:r>
+          </a:p>
+        </p:txBody>
+      </p:sp>
+      <p:sp>
+        <p:nvSpPr>
+          <p:cNvPr id="8" name="日期版面配置區 3">
+            <a:extLst>
+              <a:ext uri="{FF2B5EF4-FFF2-40B4-BE49-F238E27FC236}">
+                <a16:creationId xmlns:a16="http://schemas.microsoft.com/office/drawing/2014/main" id="{17E7EB7E-C5B9-4439-983B-0B541F2281AA}"/>
+              </a:ext>
+            </a:extLst>
+          </p:cNvPr>
+          <p:cNvSpPr>
+            <a:spLocks noGrp="1"/>
+          </p:cNvSpPr>
+          <p:nvPr>
+            <p:ph type="dt" sz="half" idx="10"/>
+          </p:nvPr>
+        </p:nvSpPr>
+        <p:spPr>
+          <a:xfrm>
+            <a:off x="486092" y="5673631"/>
+            <a:ext cx="2268432" cy="325908"/>
+          </a:xfrm>
+        </p:spPr>
+        <p:txBody>
+          <a:bodyPr/>
+          <a:lstStyle/>
+          <a:p>
+            <a:pPr>
+              <a:defRPr/>
+            </a:pPr>
+            <a:r>
+              <a:rPr lang="en-US" altLang="zh-TW" dirty="0">
+                <a:solidFill>
+                  <a:prstClr val="black">
+                    <a:lumMod val="65000"/>
+                    <a:lumOff val="35000"/>
+                  </a:prstClr>
+                </a:solidFill>
+              </a:rPr>
+              <a:t>PEGA Confidential.</a:t>
+            </a:r>
+            <a:endParaRPr lang="zh-TW" altLang="en-US" dirty="0">
+              <a:solidFill>
+                <a:prstClr val="black">
+                  <a:lumMod val="65000"/>
+                  <a:lumOff val="35000"/>
+                </a:prstClr>
+              </a:solidFill>
+            </a:endParaRPr>
+          </a:p>
+        </p:txBody>
+      </p:sp>
     </p:spTree>
   </p:cSld>
   <p:clrMapOvr>
@@ -10957,7 +12037,14 @@
         <p:cNvGrpSpPr/>
         <p:nvPr/>
       </p:nvGrpSpPr>
-      <p:grpSpPr/>
+      <p:grpSpPr>
+        <a:xfrm>
+          <a:off x="0" y="0"/>
+          <a:ext cx="0" cy="0"/>
+          <a:chOff x="0" y="0"/>
+          <a:chExt cx="0" cy="0"/>
+        </a:xfrm>
+      </p:grpSpPr>
       <p:sp>
         <p:nvSpPr>
           <p:cNvPr id="2" name="標題 1"/>
@@ -10971,12 +12058,12 @@
         <p:spPr/>
         <p:txBody>
           <a:bodyPr/>
+          <a:lstStyle/>
           <a:p>
             <a:r>
               <a:rPr lang="en-US" altLang="zh-TW"/>
               <a:t>Network Architecture in Detail</a:t>
             </a:r>
-            <a:endParaRPr lang="en-US" altLang="zh-TW"/>
           </a:p>
         </p:txBody>
       </p:sp>
@@ -10993,14 +12080,14 @@
         <p:spPr/>
         <p:txBody>
           <a:bodyPr>
-            <a:normAutofit lnSpcReduction="20000"/>
+            <a:normAutofit fontScale="92500" lnSpcReduction="10000"/>
           </a:bodyPr>
+          <a:lstStyle/>
           <a:p>
             <a:r>
               <a:rPr lang="en-US" altLang="zh-TW"/>
               <a:t>Backbone (Trunk): </a:t>
             </a:r>
-            <a:endParaRPr lang="en-US" altLang="zh-TW"/>
           </a:p>
           <a:p>
             <a:pPr lvl="1"/>
@@ -11008,14 +12095,12 @@
               <a:rPr lang="en-US" altLang="zh-TW"/>
               <a:t>HRNet + OCR </a:t>
             </a:r>
-            <a:endParaRPr lang="en-US" altLang="zh-TW"/>
           </a:p>
           <a:p>
             <a:r>
               <a:rPr lang="en-US" altLang="zh-TW"/>
               <a:t>Semantic Head:</a:t>
             </a:r>
-            <a:endParaRPr lang="en-US" altLang="zh-TW"/>
           </a:p>
           <a:p>
             <a:pPr lvl="1"/>
@@ -11073,7 +12158,6 @@
               <a:rPr lang="en-US" altLang="zh-TW"/>
               <a:t> (1x1 conv)</a:t>
             </a:r>
-            <a:endParaRPr lang="en-US" altLang="zh-TW"/>
           </a:p>
           <a:p>
             <a:pPr lvl="1"/>
@@ -11081,14 +12165,12 @@
               <a:rPr lang="en-US" altLang="zh-TW"/>
               <a:t>The final convolution outputs num_classes channels.</a:t>
             </a:r>
-            <a:endParaRPr lang="en-US" altLang="zh-TW"/>
           </a:p>
           <a:p>
             <a:r>
               <a:rPr lang="en-US" altLang="zh-TW"/>
               <a:t>Attention Head:</a:t>
             </a:r>
-            <a:endParaRPr lang="en-US" altLang="zh-TW"/>
           </a:p>
           <a:p>
             <a:pPr lvl="1"/>
@@ -11112,7 +12194,6 @@
               <a:rPr lang="en-US" altLang="zh-TW"/>
               <a:t>convolutional output</a:t>
             </a:r>
-            <a:endParaRPr lang="en-US" altLang="zh-TW"/>
           </a:p>
           <a:p>
             <a:pPr lvl="0"/>
@@ -11120,7 +12201,6 @@
               <a:rPr lang="en-US" altLang="zh-TW"/>
               <a:t>Auxiliary semantic head (in OCR):</a:t>
             </a:r>
-            <a:endParaRPr lang="en-US" altLang="zh-TW"/>
           </a:p>
           <a:p>
             <a:pPr lvl="1"/>
@@ -11128,7 +12208,6 @@
               <a:rPr lang="en-US" altLang="zh-TW"/>
               <a:t>Takes its features directly from the HRNet trunk, before OCR</a:t>
             </a:r>
-            <a:endParaRPr lang="en-US" altLang="zh-TW"/>
           </a:p>
           <a:p>
             <a:pPr lvl="1"/>
@@ -11151,7 +12230,7 @@
           <p:nvPr/>
         </p:nvPicPr>
         <p:blipFill>
-          <a:blip r:embed="rId1">
+          <a:blip r:embed="rId2">
             <a:clrChange>
               <a:clrFrom>
                 <a:srgbClr val="FFFFFF">
@@ -11198,14 +12277,67 @@
         </p:spPr>
         <p:txBody>
           <a:bodyPr/>
+          <a:lstStyle/>
           <a:p>
             <a:pPr>
               <a:defRPr/>
             </a:pPr>
             <a:fld id="{E3EBBCA1-BE45-46C8-848D-A53293ECE7DC}" type="slidenum">
               <a:rPr lang="zh-TW" altLang="en-US" sz="1430"/>
+              <a:t>9</a:t>
             </a:fld>
             <a:endParaRPr lang="zh-TW" altLang="en-US" sz="1430" dirty="0"/>
+          </a:p>
+        </p:txBody>
+      </p:sp>
+      <p:sp>
+        <p:nvSpPr>
+          <p:cNvPr id="6" name="日期版面配置區 3">
+            <a:extLst>
+              <a:ext uri="{FF2B5EF4-FFF2-40B4-BE49-F238E27FC236}">
+                <a16:creationId xmlns:a16="http://schemas.microsoft.com/office/drawing/2014/main" id="{2170E269-ABA8-416B-BDAF-7BD32EF5BC9F}"/>
+              </a:ext>
+            </a:extLst>
+          </p:cNvPr>
+          <p:cNvSpPr>
+            <a:spLocks noGrp="1"/>
+          </p:cNvSpPr>
+          <p:nvPr>
+            <p:ph type="dt" sz="half" idx="10"/>
+          </p:nvPr>
+        </p:nvSpPr>
+        <p:spPr>
+          <a:xfrm>
+            <a:off x="486092" y="5673631"/>
+            <a:ext cx="2268432" cy="325908"/>
+          </a:xfrm>
+        </p:spPr>
+        <p:txBody>
+          <a:bodyPr/>
+          <a:lstStyle/>
+          <a:p>
+            <a:pPr>
+              <a:defRPr/>
+            </a:pPr>
+            <a:r>
+              <a:rPr lang="en-US" altLang="zh-TW" dirty="0">
+                <a:solidFill>
+                  <a:prstClr val="black">
+                    <a:lumMod val="65000"/>
+                    <a:lumOff val="35000"/>
+                  </a:prstClr>
+                </a:solidFill>
+              </a:rPr>
+              <a:t>PEGA Confidential.</a:t>
+            </a:r>
+            <a:endParaRPr lang="zh-TW" altLang="en-US" dirty="0">
+              <a:solidFill>
+                <a:prstClr val="black">
+                  <a:lumMod val="65000"/>
+                  <a:lumOff val="35000"/>
+                </a:prstClr>
+              </a:solidFill>
+            </a:endParaRPr>
           </a:p>
         </p:txBody>
       </p:sp>
@@ -11532,6 +12664,7 @@
       </a:style>
     </a:spDef>
   </a:objectDefaults>
+  <a:extraClrSchemeLst/>
   <a:extLst>
     <a:ext uri="{05A4C25C-085E-4340-85A3-A5531E510DB2}">
       <thm15:themeFamily xmlns:thm15="http://schemas.microsoft.com/office/thememl/2012/main" name="Office Theme" id="{62F939B6-93AF-4DB8-9C6B-D6C7DFDC589F}" vid="{4A3C46E8-61CC-4603-A589-7422A47A8E4A}"/>
@@ -11820,6 +12953,8 @@
       </a:bgFillStyleLst>
     </a:fmtScheme>
   </a:themeElements>
+  <a:objectDefaults/>
+  <a:extraClrSchemeLst/>
   <a:extLst>
     <a:ext uri="{05A4C25C-085E-4340-85A3-A5531E510DB2}">
       <thm15:themeFamily xmlns:thm15="http://schemas.microsoft.com/office/thememl/2012/main" name="Office Theme" id="{62F939B6-93AF-4DB8-9C6B-D6C7DFDC589F}" vid="{4A3C46E8-61CC-4603-A589-7422A47A8E4A}"/>
